--- a/DOCS/TCC/5 - APRESENTAÇÃO.pptx
+++ b/DOCS/TCC/5 - APRESENTAÇÃO.pptx
@@ -10,19 +10,27 @@
     <p:sldId id="259" r:id="rId4"/>
     <p:sldId id="260" r:id="rId5"/>
     <p:sldId id="261" r:id="rId6"/>
-    <p:sldId id="262" r:id="rId7"/>
-    <p:sldId id="263" r:id="rId8"/>
-    <p:sldId id="264" r:id="rId9"/>
-    <p:sldId id="265" r:id="rId10"/>
-    <p:sldId id="266" r:id="rId11"/>
-    <p:sldId id="267" r:id="rId12"/>
-    <p:sldId id="268" r:id="rId13"/>
-    <p:sldId id="269" r:id="rId14"/>
-    <p:sldId id="270" r:id="rId15"/>
-    <p:sldId id="272" r:id="rId16"/>
-    <p:sldId id="271" r:id="rId17"/>
-    <p:sldId id="273" r:id="rId18"/>
-    <p:sldId id="274" r:id="rId19"/>
+    <p:sldId id="276" r:id="rId7"/>
+    <p:sldId id="262" r:id="rId8"/>
+    <p:sldId id="275" r:id="rId9"/>
+    <p:sldId id="263" r:id="rId10"/>
+    <p:sldId id="277" r:id="rId11"/>
+    <p:sldId id="278" r:id="rId12"/>
+    <p:sldId id="279" r:id="rId13"/>
+    <p:sldId id="264" r:id="rId14"/>
+    <p:sldId id="265" r:id="rId15"/>
+    <p:sldId id="266" r:id="rId16"/>
+    <p:sldId id="268" r:id="rId17"/>
+    <p:sldId id="267" r:id="rId18"/>
+    <p:sldId id="269" r:id="rId19"/>
+    <p:sldId id="280" r:id="rId20"/>
+    <p:sldId id="281" r:id="rId21"/>
+    <p:sldId id="282" r:id="rId22"/>
+    <p:sldId id="272" r:id="rId23"/>
+    <p:sldId id="271" r:id="rId24"/>
+    <p:sldId id="270" r:id="rId25"/>
+    <p:sldId id="273" r:id="rId26"/>
+    <p:sldId id="274" r:id="rId27"/>
   </p:sldIdLst>
   <p:sldSz cx="9144000" cy="6858000" type="screen4x3"/>
   <p:notesSz cx="6858000" cy="9144000"/>
@@ -373,7 +381,7 @@
             <a:fld id="{C2467968-5DFB-4666-BA1E-5729241A218D}" type="datetimeFigureOut">
               <a:rPr lang="pt-BR" smtClean="0"/>
               <a:pPr/>
-              <a:t>29/10/2010</a:t>
+              <a:t>05/11/2010</a:t>
             </a:fld>
             <a:endParaRPr lang="pt-BR"/>
           </a:p>
@@ -598,7 +606,7 @@
             <a:fld id="{C2467968-5DFB-4666-BA1E-5729241A218D}" type="datetimeFigureOut">
               <a:rPr lang="pt-BR" smtClean="0"/>
               <a:pPr/>
-              <a:t>29/10/2010</a:t>
+              <a:t>05/11/2010</a:t>
             </a:fld>
             <a:endParaRPr lang="pt-BR"/>
           </a:p>
@@ -880,7 +888,7 @@
             <a:fld id="{C2467968-5DFB-4666-BA1E-5729241A218D}" type="datetimeFigureOut">
               <a:rPr lang="pt-BR" smtClean="0"/>
               <a:pPr/>
-              <a:t>29/10/2010</a:t>
+              <a:t>05/11/2010</a:t>
             </a:fld>
             <a:endParaRPr lang="pt-BR"/>
           </a:p>
@@ -1061,7 +1069,7 @@
             <a:fld id="{C2467968-5DFB-4666-BA1E-5729241A218D}" type="datetimeFigureOut">
               <a:rPr lang="pt-BR" smtClean="0"/>
               <a:pPr/>
-              <a:t>29/10/2010</a:t>
+              <a:t>05/11/2010</a:t>
             </a:fld>
             <a:endParaRPr lang="pt-BR"/>
           </a:p>
@@ -1421,7 +1429,7 @@
             <a:fld id="{C2467968-5DFB-4666-BA1E-5729241A218D}" type="datetimeFigureOut">
               <a:rPr lang="pt-BR" smtClean="0"/>
               <a:pPr/>
-              <a:t>29/10/2010</a:t>
+              <a:t>05/11/2010</a:t>
             </a:fld>
             <a:endParaRPr lang="pt-BR"/>
           </a:p>
@@ -1710,7 +1718,7 @@
             <a:fld id="{C2467968-5DFB-4666-BA1E-5729241A218D}" type="datetimeFigureOut">
               <a:rPr lang="pt-BR" smtClean="0"/>
               <a:pPr/>
-              <a:t>29/10/2010</a:t>
+              <a:t>05/11/2010</a:t>
             </a:fld>
             <a:endParaRPr lang="pt-BR"/>
           </a:p>
@@ -2134,7 +2142,7 @@
             <a:fld id="{C2467968-5DFB-4666-BA1E-5729241A218D}" type="datetimeFigureOut">
               <a:rPr lang="pt-BR" smtClean="0"/>
               <a:pPr/>
-              <a:t>29/10/2010</a:t>
+              <a:t>05/11/2010</a:t>
             </a:fld>
             <a:endParaRPr lang="pt-BR"/>
           </a:p>
@@ -2251,7 +2259,7 @@
             <a:fld id="{C2467968-5DFB-4666-BA1E-5729241A218D}" type="datetimeFigureOut">
               <a:rPr lang="pt-BR" smtClean="0"/>
               <a:pPr/>
-              <a:t>29/10/2010</a:t>
+              <a:t>05/11/2010</a:t>
             </a:fld>
             <a:endParaRPr lang="pt-BR"/>
           </a:p>
@@ -2343,7 +2351,7 @@
             <a:fld id="{C2467968-5DFB-4666-BA1E-5729241A218D}" type="datetimeFigureOut">
               <a:rPr lang="pt-BR" smtClean="0"/>
               <a:pPr/>
-              <a:t>29/10/2010</a:t>
+              <a:t>05/11/2010</a:t>
             </a:fld>
             <a:endParaRPr lang="pt-BR"/>
           </a:p>
@@ -2623,7 +2631,7 @@
             <a:fld id="{C2467968-5DFB-4666-BA1E-5729241A218D}" type="datetimeFigureOut">
               <a:rPr lang="pt-BR" smtClean="0"/>
               <a:pPr/>
-              <a:t>29/10/2010</a:t>
+              <a:t>05/11/2010</a:t>
             </a:fld>
             <a:endParaRPr lang="pt-BR"/>
           </a:p>
@@ -2991,7 +2999,7 @@
             <a:fld id="{C2467968-5DFB-4666-BA1E-5729241A218D}" type="datetimeFigureOut">
               <a:rPr lang="pt-BR" smtClean="0"/>
               <a:pPr/>
-              <a:t>29/10/2010</a:t>
+              <a:t>05/11/2010</a:t>
             </a:fld>
             <a:endParaRPr lang="pt-BR"/>
           </a:p>
@@ -3430,7 +3438,7 @@
             <a:fld id="{C2467968-5DFB-4666-BA1E-5729241A218D}" type="datetimeFigureOut">
               <a:rPr lang="pt-BR" smtClean="0"/>
               <a:pPr/>
-              <a:t>29/10/2010</a:t>
+              <a:t>05/11/2010</a:t>
             </a:fld>
             <a:endParaRPr lang="pt-BR"/>
           </a:p>
@@ -3986,130 +3994,77 @@
           <a:p>
             <a:r>
               <a:rPr lang="pt-BR" dirty="0" smtClean="0"/>
-              <a:t>Criptografia</a:t>
+              <a:t>Cryptographic Hash Function</a:t>
             </a:r>
             <a:endParaRPr lang="en-US" dirty="0"/>
           </a:p>
         </p:txBody>
       </p:sp>
-      <p:sp>
-        <p:nvSpPr>
-          <p:cNvPr id="3" name="Espaço Reservado para Conteúdo 2"/>
-          <p:cNvSpPr>
-            <a:spLocks noGrp="1"/>
-          </p:cNvSpPr>
+      <p:pic>
+        <p:nvPicPr>
+          <p:cNvPr id="4" name="Espaço Reservado para Conteúdo 3" descr="500px-Cryptographic_Hash_Function.svg.png"/>
+          <p:cNvPicPr>
+            <a:picLocks noGrp="1" noChangeAspect="1"/>
+          </p:cNvPicPr>
           <p:nvPr>
             <p:ph idx="1"/>
           </p:nvPr>
-        </p:nvSpPr>
-        <p:spPr/>
-        <p:txBody>
-          <a:bodyPr>
-            <a:normAutofit fontScale="92500" lnSpcReduction="10000"/>
+        </p:nvPicPr>
+        <p:blipFill>
+          <a:blip r:embed="rId2"/>
+          <a:stretch>
+            <a:fillRect/>
+          </a:stretch>
+        </p:blipFill>
+        <p:spPr>
+          <a:xfrm>
+            <a:off x="1785918" y="1643050"/>
+            <a:ext cx="7104216" cy="4895342"/>
+          </a:xfrm>
+        </p:spPr>
+      </p:pic>
+      <p:sp>
+        <p:nvSpPr>
+          <p:cNvPr id="5" name="CaixaDeTexto 4"/>
+          <p:cNvSpPr txBox="1"/>
+          <p:nvPr/>
+        </p:nvSpPr>
+        <p:spPr>
+          <a:xfrm>
+            <a:off x="285720" y="1785926"/>
+            <a:ext cx="1223412" cy="646331"/>
+          </a:xfrm>
+          <a:prstGeom prst="rect">
+            <a:avLst/>
+          </a:prstGeom>
+          <a:noFill/>
+        </p:spPr>
+        <p:txBody>
+          <a:bodyPr wrap="none" rtlCol="0">
+            <a:spAutoFit/>
           </a:bodyPr>
           <a:lstStyle/>
           <a:p>
             <a:r>
-              <a:rPr lang="pt-BR" dirty="0" smtClean="0"/>
-              <a:t>Comparativo dos modelos de Criptografia</a:t>
-            </a:r>
-          </a:p>
-          <a:p>
-            <a:pPr lvl="1"/>
-            <a:r>
-              <a:rPr lang="pt-BR" dirty="0" smtClean="0"/>
-              <a:t>Criptografia </a:t>
-            </a:r>
-            <a:r>
-              <a:rPr lang="pt-BR" dirty="0" smtClean="0"/>
-              <a:t>Simétrica</a:t>
-            </a:r>
-          </a:p>
-          <a:p>
-            <a:pPr lvl="2"/>
-            <a:r>
-              <a:rPr lang="pt-BR" dirty="0" smtClean="0"/>
-              <a:t>Vantagem</a:t>
-            </a:r>
-            <a:r>
-              <a:rPr lang="pt-BR" dirty="0" smtClean="0"/>
-              <a:t>: </a:t>
-            </a:r>
-            <a:r>
-              <a:rPr lang="pt-BR" dirty="0" smtClean="0"/>
-              <a:t>Velocidade </a:t>
-            </a:r>
-            <a:r>
-              <a:rPr lang="pt-BR" dirty="0" smtClean="0"/>
-              <a:t>de Processamento</a:t>
-            </a:r>
-          </a:p>
-          <a:p>
-            <a:pPr lvl="2"/>
-            <a:r>
-              <a:rPr lang="pt-BR" dirty="0" smtClean="0"/>
-              <a:t>Desvantagem</a:t>
-            </a:r>
-            <a:r>
-              <a:rPr lang="pt-BR" dirty="0" smtClean="0"/>
-              <a:t>: Troca de chave secreta, Dificuldade de gerenciamento em larga </a:t>
-            </a:r>
-            <a:r>
-              <a:rPr lang="pt-BR" dirty="0" smtClean="0"/>
-              <a:t>escala</a:t>
-            </a:r>
-            <a:r>
-              <a:rPr lang="pt-BR" dirty="0" smtClean="0"/>
-              <a:t>	</a:t>
-            </a:r>
-          </a:p>
-          <a:p>
-            <a:pPr lvl="1"/>
-            <a:r>
-              <a:rPr lang="pt-BR" dirty="0" smtClean="0"/>
-              <a:t>Criptografia </a:t>
-            </a:r>
-            <a:r>
-              <a:rPr lang="pt-BR" dirty="0" smtClean="0"/>
-              <a:t>Assimétrica:</a:t>
-            </a:r>
-          </a:p>
-          <a:p>
-            <a:pPr lvl="2"/>
-            <a:r>
-              <a:rPr lang="pt-BR" dirty="0" smtClean="0"/>
-              <a:t>Vantagem</a:t>
-            </a:r>
-            <a:r>
-              <a:rPr lang="pt-BR" dirty="0" smtClean="0"/>
-              <a:t>: Facilidade no gerenciamento e divulgação da chave</a:t>
-            </a:r>
-          </a:p>
-          <a:p>
-            <a:pPr lvl="2"/>
-            <a:r>
-              <a:rPr lang="pt-BR" dirty="0" smtClean="0"/>
-              <a:t>Desvantagem</a:t>
-            </a:r>
-            <a:r>
-              <a:rPr lang="pt-BR" dirty="0" smtClean="0"/>
-              <a:t>: Performance</a:t>
-            </a:r>
-          </a:p>
-          <a:p>
-            <a:r>
-              <a:rPr lang="pt-BR" dirty="0" smtClean="0"/>
-              <a:t>A </a:t>
-            </a:r>
-            <a:r>
-              <a:rPr lang="pt-BR" dirty="0" smtClean="0"/>
-              <a:t>nível de curiosidade (Junção dos dois modelos Criptográficos</a:t>
-            </a:r>
-            <a:r>
-              <a:rPr lang="pt-BR" dirty="0" smtClean="0"/>
-              <a:t>) HTTPS ou SSL</a:t>
-            </a:r>
-            <a:endParaRPr lang="en-US" dirty="0"/>
+              <a:rPr lang="pt-BR" b="1" dirty="0" smtClean="0">
+                <a:latin typeface="Arial" pitchFamily="34" charset="0"/>
+                <a:cs typeface="Arial" pitchFamily="34" charset="0"/>
+              </a:rPr>
+              <a:t>Exemplo;</a:t>
+            </a:r>
+          </a:p>
+          <a:p>
+            <a:r>
+              <a:rPr lang="pt-BR" b="1" dirty="0" smtClean="0">
+                <a:latin typeface="Arial" pitchFamily="34" charset="0"/>
+                <a:cs typeface="Arial" pitchFamily="34" charset="0"/>
+              </a:rPr>
+              <a:t>SHA-1</a:t>
+            </a:r>
+            <a:endParaRPr lang="en-US" b="1" dirty="0">
+              <a:latin typeface="Arial" pitchFamily="34" charset="0"/>
+              <a:cs typeface="Arial" pitchFamily="34" charset="0"/>
+            </a:endParaRPr>
           </a:p>
         </p:txBody>
       </p:sp>
@@ -4150,12 +4105,14 @@
         </p:nvSpPr>
         <p:spPr/>
         <p:txBody>
-          <a:bodyPr/>
-          <a:lstStyle/>
-          <a:p>
-            <a:r>
-              <a:rPr lang="pt-BR" dirty="0" smtClean="0"/>
-              <a:t>Certificado Digital</a:t>
+          <a:bodyPr>
+            <a:normAutofit fontScale="90000"/>
+          </a:bodyPr>
+          <a:lstStyle/>
+          <a:p>
+            <a:r>
+              <a:rPr lang="pt-BR" dirty="0" smtClean="0"/>
+              <a:t>A Assinatura Digital, o SHA-1 e o MD5</a:t>
             </a:r>
             <a:endParaRPr lang="en-US" dirty="0"/>
           </a:p>
@@ -4173,107 +4130,25 @@
         </p:nvSpPr>
         <p:spPr/>
         <p:txBody>
-          <a:bodyPr>
-            <a:normAutofit fontScale="85000" lnSpcReduction="20000"/>
-          </a:bodyPr>
-          <a:lstStyle/>
-          <a:p>
-            <a:r>
-              <a:rPr lang="pt-BR" dirty="0" smtClean="0"/>
-              <a:t>O certificado digital é um documento eletrônico assinado digitalmente pelo a AC que </a:t>
-            </a:r>
-            <a:r>
-              <a:rPr lang="pt-BR" dirty="0" smtClean="0"/>
-              <a:t>emitiu </a:t>
-            </a:r>
-            <a:r>
-              <a:rPr lang="pt-BR" dirty="0" smtClean="0"/>
-              <a:t>o certificado.</a:t>
-            </a:r>
-          </a:p>
-          <a:p>
-            <a:r>
-              <a:rPr lang="pt-BR" dirty="0" smtClean="0"/>
-              <a:t>Tem </a:t>
-            </a:r>
-            <a:r>
-              <a:rPr lang="pt-BR" dirty="0" smtClean="0"/>
-              <a:t>a função de associar uma pessoa a sua chave pública, sua identificação.</a:t>
-            </a:r>
-          </a:p>
-          <a:p>
-            <a:r>
-              <a:rPr lang="pt-BR" dirty="0" smtClean="0"/>
-              <a:t>Algumas informações contidas no Arquivo;</a:t>
-            </a:r>
-            <a:endParaRPr lang="pt-BR" dirty="0" smtClean="0"/>
-          </a:p>
-          <a:p>
-            <a:pPr lvl="1"/>
-            <a:r>
-              <a:rPr lang="pt-BR" dirty="0" smtClean="0"/>
-              <a:t>Nome </a:t>
-            </a:r>
-            <a:r>
-              <a:rPr lang="pt-BR" dirty="0" smtClean="0"/>
-              <a:t>da pessoa associada a chave pública;</a:t>
-            </a:r>
-          </a:p>
-          <a:p>
-            <a:pPr lvl="1"/>
-            <a:r>
-              <a:rPr lang="pt-BR" dirty="0" smtClean="0"/>
-              <a:t>Período </a:t>
-            </a:r>
-            <a:r>
-              <a:rPr lang="pt-BR" dirty="0" smtClean="0"/>
-              <a:t>de validade;</a:t>
-            </a:r>
-          </a:p>
-          <a:p>
-            <a:pPr lvl="1"/>
-            <a:r>
-              <a:rPr lang="pt-BR" dirty="0" smtClean="0"/>
-              <a:t>Chave </a:t>
-            </a:r>
-            <a:r>
-              <a:rPr lang="pt-BR" dirty="0" smtClean="0"/>
-              <a:t>pública;</a:t>
-            </a:r>
-          </a:p>
-          <a:p>
-            <a:pPr lvl="1"/>
-            <a:r>
-              <a:rPr lang="pt-BR" dirty="0" smtClean="0"/>
-              <a:t>Nome </a:t>
-            </a:r>
-            <a:r>
-              <a:rPr lang="pt-BR" dirty="0" smtClean="0"/>
-              <a:t>da entidade AC que emitiu o certificado;</a:t>
-            </a:r>
-          </a:p>
-          <a:p>
-            <a:pPr lvl="1"/>
-            <a:r>
-              <a:rPr lang="pt-BR" dirty="0" smtClean="0"/>
-              <a:t>Número </a:t>
-            </a:r>
-            <a:r>
-              <a:rPr lang="pt-BR" dirty="0" smtClean="0"/>
-              <a:t>de Série;</a:t>
-            </a:r>
-          </a:p>
-          <a:p>
-            <a:pPr lvl="1"/>
-            <a:r>
-              <a:rPr lang="pt-BR" dirty="0" smtClean="0"/>
-              <a:t>etc</a:t>
-            </a:r>
-            <a:r>
-              <a:rPr lang="pt-BR" dirty="0" smtClean="0"/>
-              <a:t>.</a:t>
-            </a:r>
-            <a:endParaRPr lang="en-US" dirty="0"/>
+          <a:bodyPr/>
+          <a:lstStyle/>
+          <a:p>
+            <a:endParaRPr lang="pt-BR" b="1" dirty="0" smtClean="0"/>
+          </a:p>
+          <a:p>
+            <a:r>
+              <a:rPr lang="pt-BR" b="1" dirty="0" smtClean="0"/>
+              <a:t>Não garantem a altamente a propriedade contra colisão.</a:t>
+            </a:r>
+          </a:p>
+          <a:p>
+            <a:endParaRPr lang="pt-BR" b="1" dirty="0" smtClean="0"/>
+          </a:p>
+          <a:p>
+            <a:r>
+              <a:rPr lang="pt-BR" b="1" dirty="0" smtClean="0"/>
+              <a:t>Continuam sendo utilizadas, porque para assinatura digital o bom senso só cobre a mensagem legível.</a:t>
+            </a:r>
           </a:p>
         </p:txBody>
       </p:sp>
@@ -4318,8 +4193,12 @@
           <a:lstStyle/>
           <a:p>
             <a:r>
-              <a:rPr lang="pt-BR" dirty="0" smtClean="0"/>
-              <a:t>ICP / PKI</a:t>
+              <a:rPr lang="pt-BR" dirty="0" err="1" smtClean="0"/>
+              <a:t>Estaganografia</a:t>
+            </a:r>
+            <a:r>
+              <a:rPr lang="pt-BR" dirty="0" smtClean="0"/>
+              <a:t> e Criptografia</a:t>
             </a:r>
             <a:endParaRPr lang="en-US" dirty="0"/>
           </a:p>
@@ -4337,51 +4216,79 @@
         </p:nvSpPr>
         <p:spPr/>
         <p:txBody>
-          <a:bodyPr>
-            <a:normAutofit/>
-          </a:bodyPr>
+          <a:bodyPr/>
           <a:lstStyle/>
           <a:p>
             <a:endParaRPr lang="pt-BR" dirty="0" smtClean="0"/>
           </a:p>
           <a:p>
-            <a:r>
-              <a:rPr lang="pt-BR" dirty="0" smtClean="0"/>
-              <a:t>O </a:t>
-            </a:r>
-            <a:r>
-              <a:rPr lang="pt-BR" dirty="0" smtClean="0"/>
-              <a:t>objetivo principal de uma infra-estrutura de chaves públicas é estabelecer a relação de confiança entre os que utilizam os certificados digitais</a:t>
-            </a:r>
-            <a:r>
-              <a:rPr lang="pt-BR" dirty="0" smtClean="0"/>
+            <a:endParaRPr lang="pt-BR" dirty="0" smtClean="0"/>
+          </a:p>
+          <a:p>
+            <a:r>
+              <a:rPr lang="pt-BR" dirty="0" smtClean="0"/>
+              <a:t>Esteganografia </a:t>
+            </a:r>
+            <a:r>
+              <a:rPr lang="pt-BR" dirty="0" smtClean="0"/>
+              <a:t>do grego, </a:t>
+            </a:r>
+            <a:r>
+              <a:rPr lang="pt-BR" i="1" dirty="0" err="1" smtClean="0"/>
+              <a:t>steganos</a:t>
+            </a:r>
+            <a:r>
+              <a:rPr lang="pt-BR" i="1" dirty="0" smtClean="0"/>
               <a:t>.</a:t>
             </a:r>
+          </a:p>
+          <a:p>
+            <a:pPr lvl="1"/>
+            <a:r>
+              <a:rPr lang="pt-BR" i="1" dirty="0" smtClean="0"/>
+              <a:t>Objetivo: </a:t>
+            </a:r>
+            <a:r>
+              <a:rPr lang="pt-BR" dirty="0" smtClean="0"/>
+              <a:t>ocultar uma mensagem </a:t>
+            </a:r>
+            <a:r>
+              <a:rPr lang="pt-BR" dirty="0" smtClean="0"/>
+              <a:t>existente.</a:t>
+            </a:r>
+          </a:p>
+          <a:p>
             <a:endParaRPr lang="pt-BR" dirty="0" smtClean="0"/>
           </a:p>
           <a:p>
             <a:r>
               <a:rPr lang="pt-BR" dirty="0" smtClean="0"/>
-              <a:t>É </a:t>
-            </a:r>
-            <a:r>
-              <a:rPr lang="pt-BR" dirty="0" smtClean="0"/>
-              <a:t>uma hierarquia de confiança, como os </a:t>
-            </a:r>
-            <a:r>
-              <a:rPr lang="pt-BR" dirty="0" smtClean="0"/>
-              <a:t>órgãos </a:t>
-            </a:r>
-            <a:r>
-              <a:rPr lang="pt-BR" dirty="0" smtClean="0"/>
-              <a:t>emissores de documentos tradicionais</a:t>
-            </a:r>
-          </a:p>
-          <a:p>
-            <a:pPr>
-              <a:buNone/>
-            </a:pPr>
-            <a:endParaRPr lang="pt-BR" dirty="0" smtClean="0"/>
+              <a:t>Criptografia do grego </a:t>
+            </a:r>
+            <a:r>
+              <a:rPr lang="pt-BR" i="1" dirty="0" err="1" smtClean="0"/>
+              <a:t>kryptós</a:t>
+            </a:r>
+            <a:r>
+              <a:rPr lang="pt-BR" i="1" dirty="0" smtClean="0"/>
+              <a:t>.</a:t>
+            </a:r>
+          </a:p>
+          <a:p>
+            <a:pPr lvl="1"/>
+            <a:r>
+              <a:rPr lang="pt-BR" i="1" dirty="0" smtClean="0"/>
+              <a:t>Objetivo: </a:t>
+            </a:r>
+            <a:r>
+              <a:rPr lang="pt-BR" dirty="0" smtClean="0"/>
+              <a:t>significa escondido ou em </a:t>
+            </a:r>
+            <a:r>
+              <a:rPr lang="pt-BR" dirty="0" smtClean="0"/>
+              <a:t>segredo.</a:t>
+            </a:r>
+            <a:endParaRPr lang="en-US" dirty="0"/>
           </a:p>
         </p:txBody>
       </p:sp>
@@ -4427,7 +4334,7 @@
           <a:p>
             <a:r>
               <a:rPr lang="pt-BR" dirty="0" smtClean="0"/>
-              <a:t>ICP / PKI</a:t>
+              <a:t>Criptografia</a:t>
             </a:r>
             <a:endParaRPr lang="en-US" dirty="0"/>
           </a:p>
@@ -4445,47 +4352,133 @@
         </p:nvSpPr>
         <p:spPr/>
         <p:txBody>
-          <a:bodyPr/>
-          <a:lstStyle/>
-          <a:p>
-            <a:endParaRPr lang="pt-BR" dirty="0" smtClean="0"/>
-          </a:p>
-          <a:p>
-            <a:endParaRPr lang="pt-BR" dirty="0" smtClean="0"/>
-          </a:p>
-          <a:p>
-            <a:endParaRPr lang="pt-BR" dirty="0" smtClean="0"/>
-          </a:p>
-          <a:p>
-            <a:r>
-              <a:rPr lang="pt-BR" dirty="0" smtClean="0"/>
-              <a:t>AC </a:t>
-            </a:r>
-            <a:r>
-              <a:rPr lang="pt-BR" dirty="0" smtClean="0"/>
-              <a:t>-&gt; Autoridade Certificadora</a:t>
-            </a:r>
+          <a:bodyPr>
+            <a:normAutofit/>
+          </a:bodyPr>
+          <a:lstStyle/>
+          <a:p>
+            <a:r>
+              <a:rPr lang="en-US" dirty="0" err="1" smtClean="0"/>
+              <a:t>Criptografia</a:t>
+            </a:r>
+            <a:r>
+              <a:rPr lang="en-US" dirty="0" smtClean="0"/>
+              <a:t> </a:t>
+            </a:r>
+            <a:r>
+              <a:rPr lang="en-US" dirty="0" err="1" smtClean="0"/>
+              <a:t>Simétrica</a:t>
+            </a:r>
+            <a:endParaRPr lang="en-US" dirty="0" smtClean="0"/>
           </a:p>
           <a:p>
             <a:pPr lvl="1"/>
             <a:r>
-              <a:rPr lang="pt-BR" dirty="0" smtClean="0"/>
-              <a:t>É </a:t>
-            </a:r>
-            <a:r>
-              <a:rPr lang="pt-BR" dirty="0" smtClean="0"/>
-              <a:t>o principal componente da PKI</a:t>
-            </a:r>
+              <a:rPr lang="en-US" dirty="0" err="1" smtClean="0"/>
+              <a:t>Início</a:t>
+            </a:r>
+            <a:r>
+              <a:rPr lang="en-US" dirty="0" smtClean="0"/>
+              <a:t> com </a:t>
+            </a:r>
+            <a:r>
+              <a:rPr lang="en-US" dirty="0" err="1" smtClean="0"/>
+              <a:t>Cifra</a:t>
+            </a:r>
+            <a:r>
+              <a:rPr lang="en-US" dirty="0" smtClean="0"/>
+              <a:t> </a:t>
+            </a:r>
+            <a:r>
+              <a:rPr lang="en-US" dirty="0" smtClean="0"/>
+              <a:t>de Cesar, </a:t>
+            </a:r>
+            <a:r>
+              <a:rPr lang="en-US" dirty="0" err="1" smtClean="0"/>
+              <a:t>Substituição</a:t>
+            </a:r>
+            <a:r>
+              <a:rPr lang="en-US" dirty="0" smtClean="0"/>
+              <a:t> </a:t>
+            </a:r>
+            <a:r>
+              <a:rPr lang="en-US" dirty="0" err="1" smtClean="0"/>
+              <a:t>Monoalfabética</a:t>
+            </a:r>
+            <a:r>
+              <a:rPr lang="en-US" dirty="0" smtClean="0"/>
+              <a:t> e </a:t>
+            </a:r>
+            <a:r>
+              <a:rPr lang="en-US" dirty="0" err="1" smtClean="0"/>
+              <a:t>por</a:t>
+            </a:r>
+            <a:r>
+              <a:rPr lang="en-US" dirty="0" smtClean="0"/>
+              <a:t> </a:t>
+            </a:r>
+            <a:r>
+              <a:rPr lang="en-US" dirty="0" err="1" smtClean="0"/>
+              <a:t>último</a:t>
+            </a:r>
+            <a:r>
+              <a:rPr lang="en-US" dirty="0" smtClean="0"/>
+              <a:t> Vigenère.</a:t>
+            </a:r>
+          </a:p>
+          <a:p>
+            <a:r>
+              <a:rPr lang="en-US" dirty="0" err="1" smtClean="0"/>
+              <a:t>Criptografia</a:t>
+            </a:r>
+            <a:r>
+              <a:rPr lang="en-US" dirty="0" smtClean="0"/>
+              <a:t> </a:t>
+            </a:r>
+            <a:r>
+              <a:rPr lang="en-US" dirty="0" err="1" smtClean="0"/>
+              <a:t>Moderna</a:t>
+            </a:r>
+            <a:endParaRPr lang="en-US" dirty="0" smtClean="0"/>
           </a:p>
           <a:p>
             <a:pPr lvl="1"/>
             <a:r>
-              <a:rPr lang="pt-BR" dirty="0" smtClean="0"/>
-              <a:t>Emite </a:t>
-            </a:r>
-            <a:r>
-              <a:rPr lang="pt-BR" dirty="0" smtClean="0"/>
-              <a:t>e gerencia o ciclo de vida do</a:t>
+              <a:rPr lang="en-US" dirty="0" err="1" smtClean="0"/>
+              <a:t>Exemplos</a:t>
+            </a:r>
+            <a:r>
+              <a:rPr lang="en-US" dirty="0" smtClean="0"/>
+              <a:t>;</a:t>
+            </a:r>
+          </a:p>
+          <a:p>
+            <a:pPr lvl="2"/>
+            <a:r>
+              <a:rPr lang="en-US" dirty="0" smtClean="0"/>
+              <a:t>DES e Triple DES (Data Encryption Standard)</a:t>
+            </a:r>
+          </a:p>
+          <a:p>
+            <a:pPr lvl="2"/>
+            <a:r>
+              <a:rPr lang="en-US" dirty="0" smtClean="0"/>
+              <a:t>AES (Advanced Encryption Standard)</a:t>
+            </a:r>
+          </a:p>
+          <a:p>
+            <a:pPr lvl="2"/>
+            <a:r>
+              <a:rPr lang="en-US" dirty="0" smtClean="0"/>
+              <a:t>RC4 (</a:t>
+            </a:r>
+            <a:r>
+              <a:rPr lang="en-US" dirty="0" err="1" smtClean="0"/>
+              <a:t>Rivest</a:t>
+            </a:r>
+            <a:r>
+              <a:rPr lang="en-US" dirty="0" smtClean="0"/>
+              <a:t> Cipher Four)</a:t>
             </a:r>
             <a:endParaRPr lang="en-US" dirty="0"/>
           </a:p>
@@ -4533,7 +4526,7 @@
           <a:p>
             <a:r>
               <a:rPr lang="pt-BR" dirty="0" smtClean="0"/>
-              <a:t>ICP / PKI</a:t>
+              <a:t>Criptografia</a:t>
             </a:r>
             <a:endParaRPr lang="en-US" dirty="0"/>
           </a:p>
@@ -4554,48 +4547,73 @@
           <a:bodyPr/>
           <a:lstStyle/>
           <a:p>
-            <a:endParaRPr lang="pt-BR" dirty="0" smtClean="0"/>
-          </a:p>
-          <a:p>
-            <a:endParaRPr lang="pt-BR" dirty="0" smtClean="0"/>
-          </a:p>
-          <a:p>
-            <a:endParaRPr lang="pt-BR" dirty="0" smtClean="0"/>
-          </a:p>
-          <a:p>
-            <a:r>
-              <a:rPr lang="pt-BR" dirty="0" smtClean="0"/>
-              <a:t>AR </a:t>
-            </a:r>
-            <a:r>
-              <a:rPr lang="pt-BR" dirty="0" smtClean="0"/>
-              <a:t>-&gt; Autoridade Registradora</a:t>
+            <a:endParaRPr lang="en-US" dirty="0" smtClean="0"/>
+          </a:p>
+          <a:p>
+            <a:endParaRPr lang="en-US" dirty="0" smtClean="0"/>
+          </a:p>
+          <a:p>
+            <a:r>
+              <a:rPr lang="en-US" dirty="0" err="1" smtClean="0"/>
+              <a:t>Criptografia</a:t>
+            </a:r>
+            <a:r>
+              <a:rPr lang="en-US" dirty="0" smtClean="0"/>
+              <a:t> </a:t>
+            </a:r>
+            <a:r>
+              <a:rPr lang="en-US" dirty="0" err="1" smtClean="0"/>
+              <a:t>Assimétrica</a:t>
+            </a:r>
+            <a:r>
+              <a:rPr lang="en-US" dirty="0" smtClean="0"/>
+              <a:t>;</a:t>
             </a:r>
           </a:p>
           <a:p>
             <a:pPr lvl="1"/>
             <a:r>
-              <a:rPr lang="pt-BR" dirty="0" smtClean="0"/>
-              <a:t>Valida </a:t>
-            </a:r>
-            <a:r>
-              <a:rPr lang="pt-BR" dirty="0" smtClean="0"/>
-              <a:t>e aprova o Certificado Digital</a:t>
+              <a:rPr lang="en-US" dirty="0" smtClean="0"/>
+              <a:t>Diffie-Hellman key exchange</a:t>
             </a:r>
           </a:p>
           <a:p>
             <a:pPr lvl="1"/>
             <a:r>
-              <a:rPr lang="pt-BR" dirty="0" smtClean="0"/>
-              <a:t>Atende </a:t>
-            </a:r>
-            <a:r>
-              <a:rPr lang="pt-BR" dirty="0" smtClean="0"/>
-              <a:t>os requisitos da AC Superior</a:t>
-            </a:r>
-            <a:endParaRPr lang="en-US" dirty="0" smtClean="0"/>
-          </a:p>
-          <a:p>
+              <a:rPr lang="en-US" dirty="0" smtClean="0"/>
+              <a:t>RSA (Ron </a:t>
+            </a:r>
+            <a:r>
+              <a:rPr lang="en-US" dirty="0" err="1" smtClean="0"/>
+              <a:t>Rivest</a:t>
+            </a:r>
+            <a:r>
+              <a:rPr lang="en-US" dirty="0" smtClean="0"/>
+              <a:t>, </a:t>
+            </a:r>
+            <a:r>
+              <a:rPr lang="en-US" dirty="0" err="1" smtClean="0"/>
+              <a:t>Adi</a:t>
+            </a:r>
+            <a:r>
+              <a:rPr lang="en-US" dirty="0" smtClean="0"/>
+              <a:t> Shamir e Leonard </a:t>
+            </a:r>
+            <a:r>
+              <a:rPr lang="en-US" dirty="0" err="1" smtClean="0"/>
+              <a:t>Adleman</a:t>
+            </a:r>
+            <a:r>
+              <a:rPr lang="en-US" dirty="0" smtClean="0"/>
+              <a:t>)</a:t>
+            </a:r>
+          </a:p>
+          <a:p>
+            <a:pPr lvl="1"/>
+            <a:r>
+              <a:rPr lang="en-US" dirty="0" smtClean="0"/>
+              <a:t>DSA (Digital Signature Algorithm)</a:t>
+            </a:r>
             <a:endParaRPr lang="en-US" dirty="0"/>
           </a:p>
         </p:txBody>
@@ -4641,8 +4659,8 @@
           <a:lstStyle/>
           <a:p>
             <a:r>
-              <a:rPr lang="pt-BR" dirty="0" err="1" smtClean="0"/>
-              <a:t>ICP-Brasil</a:t>
+              <a:rPr lang="pt-BR" dirty="0" smtClean="0"/>
+              <a:t>Criptografia</a:t>
             </a:r>
             <a:endParaRPr lang="en-US" dirty="0"/>
           </a:p>
@@ -4660,54 +4678,63 @@
         </p:nvSpPr>
         <p:spPr/>
         <p:txBody>
-          <a:bodyPr/>
-          <a:lstStyle/>
-          <a:p>
-            <a:r>
-              <a:rPr lang="pt-BR" dirty="0" smtClean="0"/>
-              <a:t>ITI e </a:t>
-            </a:r>
-            <a:r>
-              <a:rPr lang="pt-BR" dirty="0" err="1" smtClean="0"/>
-              <a:t>ICP-Brasil</a:t>
-            </a:r>
-            <a:endParaRPr lang="pt-BR" dirty="0" smtClean="0"/>
-          </a:p>
-          <a:p>
-            <a:r>
-              <a:rPr lang="pt-BR" dirty="0" smtClean="0"/>
-              <a:t>A medida provisória de medida 2.200 de 2001 </a:t>
-            </a:r>
-          </a:p>
-          <a:p>
-            <a:r>
-              <a:rPr lang="pt-BR" dirty="0" smtClean="0"/>
-              <a:t>A </a:t>
-            </a:r>
-            <a:r>
-              <a:rPr lang="pt-BR" dirty="0" err="1" smtClean="0"/>
-              <a:t>ICP-Brasil</a:t>
-            </a:r>
-            <a:r>
-              <a:rPr lang="pt-BR" dirty="0" smtClean="0"/>
-              <a:t> compete </a:t>
-            </a:r>
-            <a:r>
-              <a:rPr lang="pt-BR" dirty="0" smtClean="0"/>
-              <a:t>emitir, expedir, distribuir, revogar e gerenciar os certificados das </a:t>
-            </a:r>
-            <a:r>
-              <a:rPr lang="pt-BR" dirty="0" smtClean="0"/>
-              <a:t>AC.</a:t>
-            </a:r>
-          </a:p>
-          <a:p>
-            <a:r>
-              <a:rPr lang="pt-BR" dirty="0" smtClean="0"/>
-              <a:t>Autoridades Certificadoras e autoridades Registradoras</a:t>
-            </a:r>
-          </a:p>
-          <a:p>
+          <a:bodyPr>
+            <a:normAutofit fontScale="92500" lnSpcReduction="10000"/>
+          </a:bodyPr>
+          <a:lstStyle/>
+          <a:p>
+            <a:r>
+              <a:rPr lang="pt-BR" dirty="0" smtClean="0"/>
+              <a:t>Comparativo dos modelos de Criptografia</a:t>
+            </a:r>
+          </a:p>
+          <a:p>
+            <a:pPr lvl="1"/>
+            <a:r>
+              <a:rPr lang="pt-BR" dirty="0" smtClean="0"/>
+              <a:t>Criptografia Simétrica</a:t>
+            </a:r>
+          </a:p>
+          <a:p>
+            <a:pPr lvl="2"/>
+            <a:r>
+              <a:rPr lang="pt-BR" dirty="0" smtClean="0"/>
+              <a:t>Vantagem: Velocidade de Processamento</a:t>
+            </a:r>
+          </a:p>
+          <a:p>
+            <a:pPr lvl="2"/>
+            <a:r>
+              <a:rPr lang="pt-BR" dirty="0" smtClean="0"/>
+              <a:t>Desvantagem: Troca de chave secreta, Dificuldade de gerenciamento em larga escala	</a:t>
+            </a:r>
+          </a:p>
+          <a:p>
+            <a:pPr lvl="1"/>
+            <a:r>
+              <a:rPr lang="pt-BR" dirty="0" smtClean="0"/>
+              <a:t>Criptografia Assimétrica:</a:t>
+            </a:r>
+          </a:p>
+          <a:p>
+            <a:pPr lvl="2"/>
+            <a:r>
+              <a:rPr lang="pt-BR" dirty="0" smtClean="0"/>
+              <a:t>Vantagem: Facilidade no gerenciamento e divulgação da chave</a:t>
+            </a:r>
+          </a:p>
+          <a:p>
+            <a:pPr lvl="2"/>
+            <a:r>
+              <a:rPr lang="pt-BR" dirty="0" smtClean="0"/>
+              <a:t>Desvantagem: Performance</a:t>
+            </a:r>
+          </a:p>
+          <a:p>
+            <a:r>
+              <a:rPr lang="pt-BR" dirty="0" smtClean="0"/>
+              <a:t>A nível de curiosidade (Junção dos dois modelos Criptográficos) HTTPS ou SSL</a:t>
+            </a:r>
             <a:endParaRPr lang="en-US" dirty="0"/>
           </a:p>
         </p:txBody>
@@ -4721,6 +4748,902 @@
 </file>
 
 <file path=ppt/slides/slide16.xml><?xml version="1.0" encoding="utf-8"?>
+<p:sld xmlns:a="http://schemas.openxmlformats.org/drawingml/2006/main" xmlns:r="http://schemas.openxmlformats.org/officeDocument/2006/relationships" xmlns:p="http://schemas.openxmlformats.org/presentationml/2006/main">
+  <p:cSld>
+    <p:spTree>
+      <p:nvGrpSpPr>
+        <p:cNvPr id="1" name=""/>
+        <p:cNvGrpSpPr/>
+        <p:nvPr/>
+      </p:nvGrpSpPr>
+      <p:grpSpPr>
+        <a:xfrm>
+          <a:off x="0" y="0"/>
+          <a:ext cx="0" cy="0"/>
+          <a:chOff x="0" y="0"/>
+          <a:chExt cx="0" cy="0"/>
+        </a:xfrm>
+      </p:grpSpPr>
+      <p:sp>
+        <p:nvSpPr>
+          <p:cNvPr id="2" name="Título 1"/>
+          <p:cNvSpPr>
+            <a:spLocks noGrp="1"/>
+          </p:cNvSpPr>
+          <p:nvPr>
+            <p:ph type="title"/>
+          </p:nvPr>
+        </p:nvSpPr>
+        <p:spPr/>
+        <p:txBody>
+          <a:bodyPr/>
+          <a:lstStyle/>
+          <a:p>
+            <a:r>
+              <a:rPr lang="pt-BR" dirty="0" smtClean="0"/>
+              <a:t>ICP / PKI</a:t>
+            </a:r>
+            <a:endParaRPr lang="en-US" dirty="0"/>
+          </a:p>
+        </p:txBody>
+      </p:sp>
+      <p:sp>
+        <p:nvSpPr>
+          <p:cNvPr id="3" name="Espaço Reservado para Conteúdo 2"/>
+          <p:cNvSpPr>
+            <a:spLocks noGrp="1"/>
+          </p:cNvSpPr>
+          <p:nvPr>
+            <p:ph idx="1"/>
+          </p:nvPr>
+        </p:nvSpPr>
+        <p:spPr/>
+        <p:txBody>
+          <a:bodyPr>
+            <a:normAutofit/>
+          </a:bodyPr>
+          <a:lstStyle/>
+          <a:p>
+            <a:endParaRPr lang="pt-BR" dirty="0" smtClean="0"/>
+          </a:p>
+          <a:p>
+            <a:r>
+              <a:rPr lang="pt-BR" dirty="0" smtClean="0"/>
+              <a:t>O objetivo principal de uma infra-estrutura de chaves públicas é estabelecer a relação de confiança entre os que utilizam os certificados digitais.</a:t>
+            </a:r>
+          </a:p>
+          <a:p>
+            <a:r>
+              <a:rPr lang="pt-BR" dirty="0" smtClean="0"/>
+              <a:t>É uma hierarquia de confiança, como os órgãos emissores de documentos tradicionais</a:t>
+            </a:r>
+          </a:p>
+          <a:p>
+            <a:pPr>
+              <a:buNone/>
+            </a:pPr>
+            <a:endParaRPr lang="pt-BR" dirty="0" smtClean="0"/>
+          </a:p>
+        </p:txBody>
+      </p:sp>
+    </p:spTree>
+  </p:cSld>
+  <p:clrMapOvr>
+    <a:masterClrMapping/>
+  </p:clrMapOvr>
+</p:sld>
+</file>
+
+<file path=ppt/slides/slide17.xml><?xml version="1.0" encoding="utf-8"?>
+<p:sld xmlns:a="http://schemas.openxmlformats.org/drawingml/2006/main" xmlns:r="http://schemas.openxmlformats.org/officeDocument/2006/relationships" xmlns:p="http://schemas.openxmlformats.org/presentationml/2006/main">
+  <p:cSld>
+    <p:spTree>
+      <p:nvGrpSpPr>
+        <p:cNvPr id="1" name=""/>
+        <p:cNvGrpSpPr/>
+        <p:nvPr/>
+      </p:nvGrpSpPr>
+      <p:grpSpPr>
+        <a:xfrm>
+          <a:off x="0" y="0"/>
+          <a:ext cx="0" cy="0"/>
+          <a:chOff x="0" y="0"/>
+          <a:chExt cx="0" cy="0"/>
+        </a:xfrm>
+      </p:grpSpPr>
+      <p:sp>
+        <p:nvSpPr>
+          <p:cNvPr id="2" name="Título 1"/>
+          <p:cNvSpPr>
+            <a:spLocks noGrp="1"/>
+          </p:cNvSpPr>
+          <p:nvPr>
+            <p:ph type="title"/>
+          </p:nvPr>
+        </p:nvSpPr>
+        <p:spPr/>
+        <p:txBody>
+          <a:bodyPr/>
+          <a:lstStyle/>
+          <a:p>
+            <a:r>
+              <a:rPr lang="pt-BR" dirty="0" smtClean="0"/>
+              <a:t>Certificado Digital</a:t>
+            </a:r>
+            <a:endParaRPr lang="en-US" dirty="0"/>
+          </a:p>
+        </p:txBody>
+      </p:sp>
+      <p:sp>
+        <p:nvSpPr>
+          <p:cNvPr id="3" name="Espaço Reservado para Conteúdo 2"/>
+          <p:cNvSpPr>
+            <a:spLocks noGrp="1"/>
+          </p:cNvSpPr>
+          <p:nvPr>
+            <p:ph idx="1"/>
+          </p:nvPr>
+        </p:nvSpPr>
+        <p:spPr/>
+        <p:txBody>
+          <a:bodyPr>
+            <a:normAutofit fontScale="85000" lnSpcReduction="20000"/>
+          </a:bodyPr>
+          <a:lstStyle/>
+          <a:p>
+            <a:r>
+              <a:rPr lang="pt-BR" dirty="0" smtClean="0"/>
+              <a:t>O certificado digital é um documento eletrônico assinado digitalmente pelo a AC que emitiu o certificado.</a:t>
+            </a:r>
+          </a:p>
+          <a:p>
+            <a:r>
+              <a:rPr lang="pt-BR" dirty="0" smtClean="0"/>
+              <a:t>Tem a função de associar uma pessoa a sua chave pública, sua identificação.</a:t>
+            </a:r>
+          </a:p>
+          <a:p>
+            <a:r>
+              <a:rPr lang="pt-BR" dirty="0" smtClean="0"/>
+              <a:t>Algumas informações contidas no Arquivo;</a:t>
+            </a:r>
+          </a:p>
+          <a:p>
+            <a:pPr lvl="1"/>
+            <a:r>
+              <a:rPr lang="pt-BR" dirty="0" smtClean="0"/>
+              <a:t>Nome da pessoa associada a chave pública;</a:t>
+            </a:r>
+          </a:p>
+          <a:p>
+            <a:pPr lvl="1"/>
+            <a:r>
+              <a:rPr lang="pt-BR" dirty="0" smtClean="0"/>
+              <a:t>Período de validade;</a:t>
+            </a:r>
+          </a:p>
+          <a:p>
+            <a:pPr lvl="1"/>
+            <a:r>
+              <a:rPr lang="pt-BR" dirty="0" smtClean="0"/>
+              <a:t>Chave pública;</a:t>
+            </a:r>
+          </a:p>
+          <a:p>
+            <a:pPr lvl="1"/>
+            <a:r>
+              <a:rPr lang="pt-BR" dirty="0" smtClean="0"/>
+              <a:t>Nome da entidade AC que emitiu o certificado;</a:t>
+            </a:r>
+          </a:p>
+          <a:p>
+            <a:pPr lvl="1"/>
+            <a:r>
+              <a:rPr lang="pt-BR" dirty="0" smtClean="0"/>
+              <a:t>Número de Série;</a:t>
+            </a:r>
+          </a:p>
+          <a:p>
+            <a:pPr lvl="1"/>
+            <a:r>
+              <a:rPr lang="pt-BR" dirty="0" smtClean="0"/>
+              <a:t>etc.</a:t>
+            </a:r>
+            <a:endParaRPr lang="en-US" dirty="0"/>
+          </a:p>
+        </p:txBody>
+      </p:sp>
+    </p:spTree>
+  </p:cSld>
+  <p:clrMapOvr>
+    <a:masterClrMapping/>
+  </p:clrMapOvr>
+</p:sld>
+</file>
+
+<file path=ppt/slides/slide18.xml><?xml version="1.0" encoding="utf-8"?>
+<p:sld xmlns:a="http://schemas.openxmlformats.org/drawingml/2006/main" xmlns:r="http://schemas.openxmlformats.org/officeDocument/2006/relationships" xmlns:p="http://schemas.openxmlformats.org/presentationml/2006/main">
+  <p:cSld>
+    <p:spTree>
+      <p:nvGrpSpPr>
+        <p:cNvPr id="1" name=""/>
+        <p:cNvGrpSpPr/>
+        <p:nvPr/>
+      </p:nvGrpSpPr>
+      <p:grpSpPr>
+        <a:xfrm>
+          <a:off x="0" y="0"/>
+          <a:ext cx="0" cy="0"/>
+          <a:chOff x="0" y="0"/>
+          <a:chExt cx="0" cy="0"/>
+        </a:xfrm>
+      </p:grpSpPr>
+      <p:sp>
+        <p:nvSpPr>
+          <p:cNvPr id="2" name="Título 1"/>
+          <p:cNvSpPr>
+            <a:spLocks noGrp="1"/>
+          </p:cNvSpPr>
+          <p:nvPr>
+            <p:ph type="title"/>
+          </p:nvPr>
+        </p:nvSpPr>
+        <p:spPr/>
+        <p:txBody>
+          <a:bodyPr/>
+          <a:lstStyle/>
+          <a:p>
+            <a:r>
+              <a:rPr lang="pt-BR" dirty="0" smtClean="0"/>
+              <a:t>ICP / PKI</a:t>
+            </a:r>
+            <a:endParaRPr lang="en-US" dirty="0"/>
+          </a:p>
+        </p:txBody>
+      </p:sp>
+      <p:sp>
+        <p:nvSpPr>
+          <p:cNvPr id="3" name="Espaço Reservado para Conteúdo 2"/>
+          <p:cNvSpPr>
+            <a:spLocks noGrp="1"/>
+          </p:cNvSpPr>
+          <p:nvPr>
+            <p:ph idx="1"/>
+          </p:nvPr>
+        </p:nvSpPr>
+        <p:spPr/>
+        <p:txBody>
+          <a:bodyPr/>
+          <a:lstStyle/>
+          <a:p>
+            <a:r>
+              <a:rPr lang="pt-BR" dirty="0" smtClean="0"/>
+              <a:t>AC </a:t>
+            </a:r>
+            <a:r>
+              <a:rPr lang="pt-BR" dirty="0" smtClean="0"/>
+              <a:t>-&gt; Autoridade Certificadora</a:t>
+            </a:r>
+          </a:p>
+          <a:p>
+            <a:pPr lvl="1"/>
+            <a:r>
+              <a:rPr lang="pt-BR" dirty="0" smtClean="0"/>
+              <a:t>É o principal componente da PKI</a:t>
+            </a:r>
+          </a:p>
+          <a:p>
+            <a:pPr lvl="1"/>
+            <a:r>
+              <a:rPr lang="pt-BR" dirty="0" smtClean="0"/>
+              <a:t>Emite e gerencia o ciclo de vida </a:t>
+            </a:r>
+            <a:r>
+              <a:rPr lang="pt-BR" dirty="0" smtClean="0"/>
+              <a:t>do</a:t>
+            </a:r>
+          </a:p>
+          <a:p>
+            <a:endParaRPr lang="pt-BR" dirty="0" smtClean="0"/>
+          </a:p>
+          <a:p>
+            <a:r>
+              <a:rPr lang="pt-BR" dirty="0" smtClean="0"/>
+              <a:t>Semelhante aos órgãos emissores de documentos de identidade.</a:t>
+            </a:r>
+          </a:p>
+          <a:p>
+            <a:endParaRPr lang="pt-BR" dirty="0" smtClean="0"/>
+          </a:p>
+          <a:p>
+            <a:r>
+              <a:rPr lang="pt-BR" dirty="0" smtClean="0"/>
+              <a:t>Cadeia de </a:t>
+            </a:r>
+            <a:r>
+              <a:rPr lang="pt-BR" dirty="0" smtClean="0"/>
+              <a:t>Certificação.</a:t>
+            </a:r>
+            <a:endParaRPr lang="en-US" dirty="0"/>
+          </a:p>
+        </p:txBody>
+      </p:sp>
+    </p:spTree>
+  </p:cSld>
+  <p:clrMapOvr>
+    <a:masterClrMapping/>
+  </p:clrMapOvr>
+</p:sld>
+</file>
+
+<file path=ppt/slides/slide19.xml><?xml version="1.0" encoding="utf-8"?>
+<p:sld xmlns:a="http://schemas.openxmlformats.org/drawingml/2006/main" xmlns:r="http://schemas.openxmlformats.org/officeDocument/2006/relationships" xmlns:p="http://schemas.openxmlformats.org/presentationml/2006/main">
+  <p:cSld>
+    <p:spTree>
+      <p:nvGrpSpPr>
+        <p:cNvPr id="1" name=""/>
+        <p:cNvGrpSpPr/>
+        <p:nvPr/>
+      </p:nvGrpSpPr>
+      <p:grpSpPr>
+        <a:xfrm>
+          <a:off x="0" y="0"/>
+          <a:ext cx="0" cy="0"/>
+          <a:chOff x="0" y="0"/>
+          <a:chExt cx="0" cy="0"/>
+        </a:xfrm>
+      </p:grpSpPr>
+      <p:sp>
+        <p:nvSpPr>
+          <p:cNvPr id="2" name="Título 1"/>
+          <p:cNvSpPr>
+            <a:spLocks noGrp="1"/>
+          </p:cNvSpPr>
+          <p:nvPr>
+            <p:ph type="title"/>
+          </p:nvPr>
+        </p:nvSpPr>
+        <p:spPr/>
+        <p:txBody>
+          <a:bodyPr>
+            <a:normAutofit fontScale="90000"/>
+          </a:bodyPr>
+          <a:lstStyle/>
+          <a:p>
+            <a:r>
+              <a:rPr lang="pt-BR" dirty="0" smtClean="0"/>
+              <a:t>MEIOS DE ARMAZENAMENTO DA IDENTIDADE DIGITAL</a:t>
+            </a:r>
+            <a:endParaRPr lang="en-US" dirty="0"/>
+          </a:p>
+        </p:txBody>
+      </p:sp>
+      <p:pic>
+        <p:nvPicPr>
+          <p:cNvPr id="4" name="Espaço Reservado para Conteúdo 3" descr="e-CPF.gif"/>
+          <p:cNvPicPr>
+            <a:picLocks noGrp="1" noChangeAspect="1"/>
+          </p:cNvPicPr>
+          <p:nvPr>
+            <p:ph idx="1"/>
+          </p:nvPr>
+        </p:nvPicPr>
+        <p:blipFill>
+          <a:blip r:embed="rId2"/>
+          <a:stretch>
+            <a:fillRect/>
+          </a:stretch>
+        </p:blipFill>
+        <p:spPr>
+          <a:xfrm>
+            <a:off x="357158" y="2784870"/>
+            <a:ext cx="4257722" cy="2715832"/>
+          </a:xfrm>
+        </p:spPr>
+      </p:pic>
+      <p:pic>
+        <p:nvPicPr>
+          <p:cNvPr id="5" name="Imagem 4" descr="token+example.jpg"/>
+          <p:cNvPicPr>
+            <a:picLocks noChangeAspect="1"/>
+          </p:cNvPicPr>
+          <p:nvPr/>
+        </p:nvPicPr>
+        <p:blipFill>
+          <a:blip r:embed="rId3"/>
+          <a:stretch>
+            <a:fillRect/>
+          </a:stretch>
+        </p:blipFill>
+        <p:spPr>
+          <a:xfrm>
+            <a:off x="4738689" y="3500438"/>
+            <a:ext cx="4206865" cy="3155149"/>
+          </a:xfrm>
+          <a:prstGeom prst="rect">
+            <a:avLst/>
+          </a:prstGeom>
+        </p:spPr>
+      </p:pic>
+      <p:sp>
+        <p:nvSpPr>
+          <p:cNvPr id="6" name="CaixaDeTexto 5"/>
+          <p:cNvSpPr txBox="1"/>
+          <p:nvPr/>
+        </p:nvSpPr>
+        <p:spPr>
+          <a:xfrm>
+            <a:off x="4597026" y="2928934"/>
+            <a:ext cx="1260858" cy="369332"/>
+          </a:xfrm>
+          <a:prstGeom prst="rect">
+            <a:avLst/>
+          </a:prstGeom>
+          <a:noFill/>
+        </p:spPr>
+        <p:txBody>
+          <a:bodyPr wrap="none" rtlCol="0">
+            <a:spAutoFit/>
+          </a:bodyPr>
+          <a:lstStyle/>
+          <a:p>
+            <a:r>
+              <a:rPr lang="pt-BR" dirty="0" err="1" smtClean="0"/>
+              <a:t>Smart</a:t>
+            </a:r>
+            <a:r>
+              <a:rPr lang="pt-BR" dirty="0" smtClean="0"/>
+              <a:t> </a:t>
+            </a:r>
+            <a:r>
+              <a:rPr lang="pt-BR" dirty="0" err="1" smtClean="0"/>
+              <a:t>Card</a:t>
+            </a:r>
+            <a:endParaRPr lang="en-US" dirty="0"/>
+          </a:p>
+        </p:txBody>
+      </p:sp>
+      <p:sp>
+        <p:nvSpPr>
+          <p:cNvPr id="7" name="CaixaDeTexto 6"/>
+          <p:cNvSpPr txBox="1"/>
+          <p:nvPr/>
+        </p:nvSpPr>
+        <p:spPr>
+          <a:xfrm>
+            <a:off x="4572000" y="6286520"/>
+            <a:ext cx="766620" cy="369332"/>
+          </a:xfrm>
+          <a:prstGeom prst="rect">
+            <a:avLst/>
+          </a:prstGeom>
+          <a:noFill/>
+        </p:spPr>
+        <p:txBody>
+          <a:bodyPr wrap="none" rtlCol="0">
+            <a:spAutoFit/>
+          </a:bodyPr>
+          <a:lstStyle/>
+          <a:p>
+            <a:r>
+              <a:rPr lang="pt-BR" dirty="0" err="1" smtClean="0"/>
+              <a:t>Token</a:t>
+            </a:r>
+            <a:endParaRPr lang="en-US" dirty="0"/>
+          </a:p>
+        </p:txBody>
+      </p:sp>
+      <p:pic>
+        <p:nvPicPr>
+          <p:cNvPr id="8" name="Imagem 7" descr="aPFXFile.png"/>
+          <p:cNvPicPr>
+            <a:picLocks noChangeAspect="1"/>
+          </p:cNvPicPr>
+          <p:nvPr/>
+        </p:nvPicPr>
+        <p:blipFill>
+          <a:blip r:embed="rId4"/>
+          <a:stretch>
+            <a:fillRect/>
+          </a:stretch>
+        </p:blipFill>
+        <p:spPr>
+          <a:xfrm>
+            <a:off x="5786446" y="1643050"/>
+            <a:ext cx="1062138" cy="1521442"/>
+          </a:xfrm>
+          <a:prstGeom prst="rect">
+            <a:avLst/>
+          </a:prstGeom>
+        </p:spPr>
+      </p:pic>
+      <p:sp>
+        <p:nvSpPr>
+          <p:cNvPr id="9" name="CaixaDeTexto 8"/>
+          <p:cNvSpPr txBox="1"/>
+          <p:nvPr/>
+        </p:nvSpPr>
+        <p:spPr>
+          <a:xfrm>
+            <a:off x="6715140" y="1714488"/>
+            <a:ext cx="1361270" cy="369332"/>
+          </a:xfrm>
+          <a:prstGeom prst="rect">
+            <a:avLst/>
+          </a:prstGeom>
+          <a:noFill/>
+        </p:spPr>
+        <p:txBody>
+          <a:bodyPr wrap="none" rtlCol="0">
+            <a:spAutoFit/>
+          </a:bodyPr>
+          <a:lstStyle/>
+          <a:p>
+            <a:r>
+              <a:rPr lang="pt-BR" dirty="0" smtClean="0"/>
+              <a:t>Arquivo PFX</a:t>
+            </a:r>
+            <a:endParaRPr lang="en-US" dirty="0"/>
+          </a:p>
+        </p:txBody>
+      </p:sp>
+    </p:spTree>
+  </p:cSld>
+  <p:clrMapOvr>
+    <a:masterClrMapping/>
+  </p:clrMapOvr>
+</p:sld>
+</file>
+
+<file path=ppt/slides/slide2.xml><?xml version="1.0" encoding="utf-8"?>
+<p:sld xmlns:a="http://schemas.openxmlformats.org/drawingml/2006/main" xmlns:r="http://schemas.openxmlformats.org/officeDocument/2006/relationships" xmlns:p="http://schemas.openxmlformats.org/presentationml/2006/main">
+  <p:cSld>
+    <p:spTree>
+      <p:nvGrpSpPr>
+        <p:cNvPr id="1" name=""/>
+        <p:cNvGrpSpPr/>
+        <p:nvPr/>
+      </p:nvGrpSpPr>
+      <p:grpSpPr>
+        <a:xfrm>
+          <a:off x="0" y="0"/>
+          <a:ext cx="0" cy="0"/>
+          <a:chOff x="0" y="0"/>
+          <a:chExt cx="0" cy="0"/>
+        </a:xfrm>
+      </p:grpSpPr>
+      <p:sp>
+        <p:nvSpPr>
+          <p:cNvPr id="2" name="Título 1"/>
+          <p:cNvSpPr>
+            <a:spLocks noGrp="1"/>
+          </p:cNvSpPr>
+          <p:nvPr>
+            <p:ph type="title"/>
+          </p:nvPr>
+        </p:nvSpPr>
+        <p:spPr/>
+        <p:txBody>
+          <a:bodyPr>
+            <a:normAutofit fontScale="90000"/>
+          </a:bodyPr>
+          <a:lstStyle/>
+          <a:p>
+            <a:r>
+              <a:rPr lang="pt-BR" dirty="0" smtClean="0"/>
+              <a:t>Modelo tradicional de identificação </a:t>
+            </a:r>
+            <a:endParaRPr lang="pt-BR" dirty="0"/>
+          </a:p>
+        </p:txBody>
+      </p:sp>
+      <p:sp>
+        <p:nvSpPr>
+          <p:cNvPr id="3" name="Espaço Reservado para Conteúdo 2"/>
+          <p:cNvSpPr>
+            <a:spLocks noGrp="1"/>
+          </p:cNvSpPr>
+          <p:nvPr>
+            <p:ph idx="1"/>
+          </p:nvPr>
+        </p:nvSpPr>
+        <p:spPr>
+          <a:xfrm>
+            <a:off x="395536" y="2636912"/>
+            <a:ext cx="8229600" cy="4625609"/>
+          </a:xfrm>
+        </p:spPr>
+        <p:txBody>
+          <a:bodyPr/>
+          <a:lstStyle/>
+          <a:p>
+            <a:r>
+              <a:rPr lang="pt-BR" dirty="0" smtClean="0"/>
+              <a:t>Identidade e as formas de identificação. </a:t>
+            </a:r>
+          </a:p>
+          <a:p>
+            <a:r>
+              <a:rPr lang="pt-BR" dirty="0" smtClean="0"/>
+              <a:t>Confiabilidade e Autoridades.</a:t>
+            </a:r>
+          </a:p>
+          <a:p>
+            <a:r>
+              <a:rPr lang="pt-BR" dirty="0" smtClean="0"/>
+              <a:t> Assinatura manuscrita.</a:t>
+            </a:r>
+          </a:p>
+          <a:p>
+            <a:endParaRPr lang="pt-BR" dirty="0" smtClean="0"/>
+          </a:p>
+          <a:p>
+            <a:endParaRPr lang="pt-BR" dirty="0"/>
+          </a:p>
+        </p:txBody>
+      </p:sp>
+    </p:spTree>
+  </p:cSld>
+  <p:clrMapOvr>
+    <a:masterClrMapping/>
+  </p:clrMapOvr>
+  <p:timing>
+    <p:tnLst>
+      <p:par>
+        <p:cTn id="1" dur="indefinite" restart="never" nodeType="tmRoot"/>
+      </p:par>
+    </p:tnLst>
+  </p:timing>
+</p:sld>
+</file>
+
+<file path=ppt/slides/slide20.xml><?xml version="1.0" encoding="utf-8"?>
+<p:sld xmlns:a="http://schemas.openxmlformats.org/drawingml/2006/main" xmlns:r="http://schemas.openxmlformats.org/officeDocument/2006/relationships" xmlns:p="http://schemas.openxmlformats.org/presentationml/2006/main">
+  <p:cSld>
+    <p:spTree>
+      <p:nvGrpSpPr>
+        <p:cNvPr id="1" name=""/>
+        <p:cNvGrpSpPr/>
+        <p:nvPr/>
+      </p:nvGrpSpPr>
+      <p:grpSpPr>
+        <a:xfrm>
+          <a:off x="0" y="0"/>
+          <a:ext cx="0" cy="0"/>
+          <a:chOff x="0" y="0"/>
+          <a:chExt cx="0" cy="0"/>
+        </a:xfrm>
+      </p:grpSpPr>
+      <p:sp>
+        <p:nvSpPr>
+          <p:cNvPr id="2" name="Título 1"/>
+          <p:cNvSpPr>
+            <a:spLocks noGrp="1"/>
+          </p:cNvSpPr>
+          <p:nvPr>
+            <p:ph type="title"/>
+          </p:nvPr>
+        </p:nvSpPr>
+        <p:spPr/>
+        <p:txBody>
+          <a:bodyPr/>
+          <a:lstStyle/>
+          <a:p>
+            <a:r>
+              <a:rPr lang="pt-BR" dirty="0" smtClean="0"/>
+              <a:t>Assinatura na prática</a:t>
+            </a:r>
+            <a:endParaRPr lang="en-US" dirty="0"/>
+          </a:p>
+        </p:txBody>
+      </p:sp>
+      <p:pic>
+        <p:nvPicPr>
+          <p:cNvPr id="4" name="Espaço Reservado para Conteúdo 3" descr="Digital_Signature_diagram.png"/>
+          <p:cNvPicPr>
+            <a:picLocks noGrp="1" noChangeAspect="1"/>
+          </p:cNvPicPr>
+          <p:nvPr>
+            <p:ph idx="1"/>
+          </p:nvPr>
+        </p:nvPicPr>
+        <p:blipFill>
+          <a:blip r:embed="rId2"/>
+          <a:stretch>
+            <a:fillRect/>
+          </a:stretch>
+        </p:blipFill>
+        <p:spPr>
+          <a:xfrm>
+            <a:off x="567238" y="2910113"/>
+            <a:ext cx="8009524" cy="1733333"/>
+          </a:xfrm>
+        </p:spPr>
+      </p:pic>
+    </p:spTree>
+  </p:cSld>
+  <p:clrMapOvr>
+    <a:masterClrMapping/>
+  </p:clrMapOvr>
+</p:sld>
+</file>
+
+<file path=ppt/slides/slide21.xml><?xml version="1.0" encoding="utf-8"?>
+<p:sld xmlns:a="http://schemas.openxmlformats.org/drawingml/2006/main" xmlns:r="http://schemas.openxmlformats.org/officeDocument/2006/relationships" xmlns:p="http://schemas.openxmlformats.org/presentationml/2006/main">
+  <p:cSld>
+    <p:spTree>
+      <p:nvGrpSpPr>
+        <p:cNvPr id="1" name=""/>
+        <p:cNvGrpSpPr/>
+        <p:nvPr/>
+      </p:nvGrpSpPr>
+      <p:grpSpPr>
+        <a:xfrm>
+          <a:off x="0" y="0"/>
+          <a:ext cx="0" cy="0"/>
+          <a:chOff x="0" y="0"/>
+          <a:chExt cx="0" cy="0"/>
+        </a:xfrm>
+      </p:grpSpPr>
+      <p:sp>
+        <p:nvSpPr>
+          <p:cNvPr id="2" name="Título 1"/>
+          <p:cNvSpPr>
+            <a:spLocks noGrp="1"/>
+          </p:cNvSpPr>
+          <p:nvPr>
+            <p:ph type="title"/>
+          </p:nvPr>
+        </p:nvSpPr>
+        <p:spPr/>
+        <p:txBody>
+          <a:bodyPr/>
+          <a:lstStyle/>
+          <a:p>
+            <a:r>
+              <a:rPr lang="pt-BR" dirty="0" smtClean="0"/>
+              <a:t>Verificando uma assinatura</a:t>
+            </a:r>
+            <a:endParaRPr lang="en-US" dirty="0"/>
+          </a:p>
+        </p:txBody>
+      </p:sp>
+      <p:pic>
+        <p:nvPicPr>
+          <p:cNvPr id="4" name="Espaço Reservado para Conteúdo 3" descr="Verification_Digital_Signature_diagram.png"/>
+          <p:cNvPicPr>
+            <a:picLocks noGrp="1" noChangeAspect="1"/>
+          </p:cNvPicPr>
+          <p:nvPr>
+            <p:ph idx="1"/>
+          </p:nvPr>
+        </p:nvPicPr>
+        <p:blipFill>
+          <a:blip r:embed="rId2"/>
+          <a:stretch>
+            <a:fillRect/>
+          </a:stretch>
+        </p:blipFill>
+        <p:spPr>
+          <a:xfrm>
+            <a:off x="2500298" y="1484607"/>
+            <a:ext cx="4055015" cy="5301979"/>
+          </a:xfrm>
+        </p:spPr>
+      </p:pic>
+    </p:spTree>
+  </p:cSld>
+  <p:clrMapOvr>
+    <a:masterClrMapping/>
+  </p:clrMapOvr>
+</p:sld>
+</file>
+
+<file path=ppt/slides/slide22.xml><?xml version="1.0" encoding="utf-8"?>
+<p:sld xmlns:a="http://schemas.openxmlformats.org/drawingml/2006/main" xmlns:r="http://schemas.openxmlformats.org/officeDocument/2006/relationships" xmlns:p="http://schemas.openxmlformats.org/presentationml/2006/main">
+  <p:cSld>
+    <p:spTree>
+      <p:nvGrpSpPr>
+        <p:cNvPr id="1" name=""/>
+        <p:cNvGrpSpPr/>
+        <p:nvPr/>
+      </p:nvGrpSpPr>
+      <p:grpSpPr>
+        <a:xfrm>
+          <a:off x="0" y="0"/>
+          <a:ext cx="0" cy="0"/>
+          <a:chOff x="0" y="0"/>
+          <a:chExt cx="0" cy="0"/>
+        </a:xfrm>
+      </p:grpSpPr>
+      <p:sp>
+        <p:nvSpPr>
+          <p:cNvPr id="2" name="Título 1"/>
+          <p:cNvSpPr>
+            <a:spLocks noGrp="1"/>
+          </p:cNvSpPr>
+          <p:nvPr>
+            <p:ph type="title"/>
+          </p:nvPr>
+        </p:nvSpPr>
+        <p:spPr/>
+        <p:txBody>
+          <a:bodyPr/>
+          <a:lstStyle/>
+          <a:p>
+            <a:r>
+              <a:rPr lang="pt-BR" dirty="0" err="1" smtClean="0"/>
+              <a:t>ICP-Brasil</a:t>
+            </a:r>
+            <a:endParaRPr lang="en-US" dirty="0"/>
+          </a:p>
+        </p:txBody>
+      </p:sp>
+      <p:sp>
+        <p:nvSpPr>
+          <p:cNvPr id="3" name="Espaço Reservado para Conteúdo 2"/>
+          <p:cNvSpPr>
+            <a:spLocks noGrp="1"/>
+          </p:cNvSpPr>
+          <p:nvPr>
+            <p:ph idx="1"/>
+          </p:nvPr>
+        </p:nvSpPr>
+        <p:spPr/>
+        <p:txBody>
+          <a:bodyPr/>
+          <a:lstStyle/>
+          <a:p>
+            <a:r>
+              <a:rPr lang="pt-BR" dirty="0" smtClean="0"/>
+              <a:t>ITI e </a:t>
+            </a:r>
+            <a:r>
+              <a:rPr lang="pt-BR" dirty="0" err="1" smtClean="0"/>
+              <a:t>ICP-Brasil</a:t>
+            </a:r>
+            <a:endParaRPr lang="pt-BR" dirty="0" smtClean="0"/>
+          </a:p>
+          <a:p>
+            <a:r>
+              <a:rPr lang="pt-BR" dirty="0" smtClean="0"/>
+              <a:t>A medida provisória de medida 2.200 de 2001 </a:t>
+            </a:r>
+          </a:p>
+          <a:p>
+            <a:r>
+              <a:rPr lang="pt-BR" dirty="0" smtClean="0"/>
+              <a:t>A </a:t>
+            </a:r>
+            <a:r>
+              <a:rPr lang="pt-BR" dirty="0" err="1" smtClean="0"/>
+              <a:t>ICP-Brasil</a:t>
+            </a:r>
+            <a:r>
+              <a:rPr lang="pt-BR" dirty="0" smtClean="0"/>
+              <a:t> compete emitir, expedir, distribuir, revogar e gerenciar os certificados das AC.</a:t>
+            </a:r>
+          </a:p>
+          <a:p>
+            <a:r>
+              <a:rPr lang="pt-BR" dirty="0" smtClean="0"/>
+              <a:t>Autoridades Certificadoras e autoridades Registradoras</a:t>
+            </a:r>
+          </a:p>
+          <a:p>
+            <a:endParaRPr lang="en-US" dirty="0"/>
+          </a:p>
+        </p:txBody>
+      </p:sp>
+    </p:spTree>
+  </p:cSld>
+  <p:clrMapOvr>
+    <a:masterClrMapping/>
+  </p:clrMapOvr>
+</p:sld>
+</file>
+
+<file path=ppt/slides/slide23.xml><?xml version="1.0" encoding="utf-8"?>
 <p:sld xmlns:a="http://schemas.openxmlformats.org/drawingml/2006/main" xmlns:r="http://schemas.openxmlformats.org/officeDocument/2006/relationships" xmlns:p="http://schemas.openxmlformats.org/presentationml/2006/main">
   <p:cSld>
     <p:spTree>
@@ -4817,7 +5740,7 @@
 </p:sld>
 </file>
 
-<file path=ppt/slides/slide17.xml><?xml version="1.0" encoding="utf-8"?>
+<file path=ppt/slides/slide24.xml><?xml version="1.0" encoding="utf-8"?>
 <p:sld xmlns:a="http://schemas.openxmlformats.org/drawingml/2006/main" xmlns:r="http://schemas.openxmlformats.org/officeDocument/2006/relationships" xmlns:p="http://schemas.openxmlformats.org/presentationml/2006/main">
   <p:cSld>
     <p:spTree>
@@ -4851,7 +5774,7 @@
           <a:p>
             <a:r>
               <a:rPr lang="pt-BR" dirty="0" smtClean="0"/>
-              <a:t>Aspectos jurídicos</a:t>
+              <a:t>ICP / PKI</a:t>
             </a:r>
             <a:endParaRPr lang="en-US" dirty="0"/>
           </a:p>
@@ -4872,52 +5795,37 @@
           <a:bodyPr/>
           <a:lstStyle/>
           <a:p>
-            <a:r>
-              <a:rPr lang="pt-BR" dirty="0" smtClean="0"/>
-              <a:t>A IN </a:t>
-            </a:r>
-            <a:r>
-              <a:rPr lang="pt-BR" dirty="0" smtClean="0">
-                <a:latin typeface="Arial" pitchFamily="34" charset="0"/>
-                <a:cs typeface="Arial" pitchFamily="34" charset="0"/>
-              </a:rPr>
-              <a:t>969</a:t>
-            </a:r>
-          </a:p>
-          <a:p>
-            <a:r>
-              <a:rPr lang="pt-BR" dirty="0" smtClean="0"/>
-              <a:t>Vantagens</a:t>
-            </a:r>
-            <a:r>
-              <a:rPr lang="pt-BR" dirty="0" smtClean="0"/>
-              <a:t>: economiza tempo e diminui custos, gerando facilidade para os empresários ou contadores, que são os que estão inclusos nessa normativa</a:t>
-            </a:r>
-            <a:r>
-              <a:rPr lang="pt-BR" dirty="0" smtClean="0"/>
-              <a:t>.</a:t>
-            </a:r>
-          </a:p>
-          <a:p>
-            <a:r>
-              <a:rPr lang="pt-BR" dirty="0" smtClean="0">
-                <a:latin typeface="Arial" pitchFamily="34" charset="0"/>
-                <a:cs typeface="Arial" pitchFamily="34" charset="0"/>
-              </a:rPr>
-              <a:t>O RIC</a:t>
-            </a:r>
-          </a:p>
-          <a:p>
-            <a:endParaRPr lang="pt-BR" dirty="0" smtClean="0">
-              <a:latin typeface="Arial" pitchFamily="34" charset="0"/>
-              <a:cs typeface="Arial" pitchFamily="34" charset="0"/>
-            </a:endParaRPr>
-          </a:p>
-          <a:p>
-            <a:endParaRPr lang="en-US" dirty="0">
-              <a:latin typeface="Arial" pitchFamily="34" charset="0"/>
-              <a:cs typeface="Arial" pitchFamily="34" charset="0"/>
-            </a:endParaRPr>
+            <a:endParaRPr lang="pt-BR" dirty="0" smtClean="0"/>
+          </a:p>
+          <a:p>
+            <a:endParaRPr lang="pt-BR" dirty="0" smtClean="0"/>
+          </a:p>
+          <a:p>
+            <a:endParaRPr lang="pt-BR" dirty="0" smtClean="0"/>
+          </a:p>
+          <a:p>
+            <a:r>
+              <a:rPr lang="pt-BR" dirty="0" smtClean="0"/>
+              <a:t>AR -&gt; Autoridade Registradora</a:t>
+            </a:r>
+          </a:p>
+          <a:p>
+            <a:pPr lvl="1"/>
+            <a:r>
+              <a:rPr lang="pt-BR" dirty="0" smtClean="0"/>
+              <a:t>Valida e aprova o Certificado Digital</a:t>
+            </a:r>
+          </a:p>
+          <a:p>
+            <a:pPr lvl="1"/>
+            <a:r>
+              <a:rPr lang="pt-BR" dirty="0" smtClean="0"/>
+              <a:t>Atende os requisitos da AC Superior</a:t>
+            </a:r>
+            <a:endParaRPr lang="en-US" dirty="0" smtClean="0"/>
+          </a:p>
+          <a:p>
+            <a:endParaRPr lang="en-US" dirty="0"/>
           </a:p>
         </p:txBody>
       </p:sp>
@@ -4929,7 +5837,7 @@
 </p:sld>
 </file>
 
-<file path=ppt/slides/slide18.xml><?xml version="1.0" encoding="utf-8"?>
+<file path=ppt/slides/slide25.xml><?xml version="1.0" encoding="utf-8"?>
 <p:sld xmlns:a="http://schemas.openxmlformats.org/drawingml/2006/main" xmlns:r="http://schemas.openxmlformats.org/officeDocument/2006/relationships" xmlns:p="http://schemas.openxmlformats.org/presentationml/2006/main">
   <p:cSld>
     <p:spTree>
@@ -4963,7 +5871,7 @@
           <a:p>
             <a:r>
               <a:rPr lang="pt-BR" dirty="0" smtClean="0"/>
-              <a:t>Dúvidas</a:t>
+              <a:t>Aspectos jurídicos</a:t>
             </a:r>
             <a:endParaRPr lang="en-US" dirty="0"/>
           </a:p>
@@ -4984,38 +5892,44 @@
           <a:bodyPr/>
           <a:lstStyle/>
           <a:p>
-            <a:endParaRPr lang="pt-BR" dirty="0" smtClean="0"/>
-          </a:p>
-          <a:p>
-            <a:pPr algn="ctr">
-              <a:buNone/>
-            </a:pPr>
-            <a:r>
-              <a:rPr lang="pt-BR" sz="9600" dirty="0" smtClean="0"/>
-              <a:t>?</a:t>
-            </a:r>
-            <a:endParaRPr lang="pt-BR" sz="9600" dirty="0" smtClean="0"/>
-          </a:p>
-          <a:p>
-            <a:endParaRPr lang="pt-BR" dirty="0" smtClean="0"/>
-          </a:p>
-          <a:p>
-            <a:endParaRPr lang="pt-BR" dirty="0" smtClean="0"/>
-          </a:p>
-          <a:p>
-            <a:endParaRPr lang="pt-BR" dirty="0" smtClean="0"/>
-          </a:p>
-          <a:p>
-            <a:endParaRPr lang="pt-BR" dirty="0" smtClean="0"/>
-          </a:p>
-          <a:p>
-            <a:endParaRPr lang="pt-BR" dirty="0" smtClean="0"/>
-          </a:p>
-          <a:p>
-            <a:endParaRPr lang="pt-BR" dirty="0" smtClean="0"/>
-          </a:p>
-          <a:p>
-            <a:endParaRPr lang="en-US" dirty="0"/>
+            <a:r>
+              <a:rPr lang="pt-BR" dirty="0" smtClean="0"/>
+              <a:t>A IN </a:t>
+            </a:r>
+            <a:r>
+              <a:rPr lang="pt-BR" dirty="0" smtClean="0">
+                <a:latin typeface="Arial" pitchFamily="34" charset="0"/>
+                <a:cs typeface="Arial" pitchFamily="34" charset="0"/>
+              </a:rPr>
+              <a:t>969</a:t>
+            </a:r>
+          </a:p>
+          <a:p>
+            <a:r>
+              <a:rPr lang="pt-BR" dirty="0" smtClean="0"/>
+              <a:t>Vantagens: economiza tempo e diminui custos, gerando facilidade para os empresários ou contadores, que são os que estão inclusos nessa normativa.</a:t>
+            </a:r>
+          </a:p>
+          <a:p>
+            <a:r>
+              <a:rPr lang="pt-BR" dirty="0" smtClean="0">
+                <a:latin typeface="Arial" pitchFamily="34" charset="0"/>
+                <a:cs typeface="Arial" pitchFamily="34" charset="0"/>
+              </a:rPr>
+              <a:t>O RIC</a:t>
+            </a:r>
+          </a:p>
+          <a:p>
+            <a:endParaRPr lang="pt-BR" dirty="0" smtClean="0">
+              <a:latin typeface="Arial" pitchFamily="34" charset="0"/>
+              <a:cs typeface="Arial" pitchFamily="34" charset="0"/>
+            </a:endParaRPr>
+          </a:p>
+          <a:p>
+            <a:endParaRPr lang="en-US" dirty="0">
+              <a:latin typeface="Arial" pitchFamily="34" charset="0"/>
+              <a:cs typeface="Arial" pitchFamily="34" charset="0"/>
+            </a:endParaRPr>
           </a:p>
         </p:txBody>
       </p:sp>
@@ -5027,7 +5941,7 @@
 </p:sld>
 </file>
 
-<file path=ppt/slides/slide2.xml><?xml version="1.0" encoding="utf-8"?>
+<file path=ppt/slides/slide26.xml><?xml version="1.0" encoding="utf-8"?>
 <p:sld xmlns:a="http://schemas.openxmlformats.org/drawingml/2006/main" xmlns:r="http://schemas.openxmlformats.org/officeDocument/2006/relationships" xmlns:p="http://schemas.openxmlformats.org/presentationml/2006/main">
   <p:cSld>
     <p:spTree>
@@ -5056,16 +5970,14 @@
         </p:nvSpPr>
         <p:spPr/>
         <p:txBody>
-          <a:bodyPr>
-            <a:normAutofit fontScale="90000"/>
-          </a:bodyPr>
-          <a:lstStyle/>
-          <a:p>
-            <a:r>
-              <a:rPr lang="pt-BR" dirty="0" smtClean="0"/>
-              <a:t>Modelo tradicional de identificação </a:t>
-            </a:r>
-            <a:endParaRPr lang="pt-BR" dirty="0"/>
+          <a:bodyPr/>
+          <a:lstStyle/>
+          <a:p>
+            <a:r>
+              <a:rPr lang="pt-BR" dirty="0" smtClean="0"/>
+              <a:t>Dúvidas</a:t>
+            </a:r>
+            <a:endParaRPr lang="en-US" dirty="0"/>
           </a:p>
         </p:txBody>
       </p:sp>
@@ -5079,38 +5991,42 @@
             <p:ph idx="1"/>
           </p:nvPr>
         </p:nvSpPr>
-        <p:spPr>
-          <a:xfrm>
-            <a:off x="395536" y="2636912"/>
-            <a:ext cx="8229600" cy="4625609"/>
-          </a:xfrm>
-        </p:spPr>
-        <p:txBody>
-          <a:bodyPr/>
-          <a:lstStyle/>
-          <a:p>
-            <a:r>
-              <a:rPr lang="pt-BR" dirty="0" smtClean="0"/>
-              <a:t>Identidade e as formas de identificação. </a:t>
-            </a:r>
-          </a:p>
-          <a:p>
-            <a:r>
-              <a:rPr lang="pt-BR" dirty="0" smtClean="0"/>
-              <a:t>Confiabilidade e Autoridades.</a:t>
-            </a:r>
-          </a:p>
-          <a:p>
-            <a:r>
-              <a:rPr lang="pt-BR" dirty="0" smtClean="0"/>
-              <a:t> Assinatura manuscrita.</a:t>
-            </a:r>
-          </a:p>
+        <p:spPr/>
+        <p:txBody>
+          <a:bodyPr/>
+          <a:lstStyle/>
           <a:p>
             <a:endParaRPr lang="pt-BR" dirty="0" smtClean="0"/>
           </a:p>
           <a:p>
-            <a:endParaRPr lang="pt-BR" dirty="0"/>
+            <a:pPr algn="ctr">
+              <a:buNone/>
+            </a:pPr>
+            <a:r>
+              <a:rPr lang="pt-BR" sz="9600" dirty="0" smtClean="0"/>
+              <a:t>?</a:t>
+            </a:r>
+          </a:p>
+          <a:p>
+            <a:endParaRPr lang="pt-BR" dirty="0" smtClean="0"/>
+          </a:p>
+          <a:p>
+            <a:endParaRPr lang="pt-BR" dirty="0" smtClean="0"/>
+          </a:p>
+          <a:p>
+            <a:endParaRPr lang="pt-BR" dirty="0" smtClean="0"/>
+          </a:p>
+          <a:p>
+            <a:endParaRPr lang="pt-BR" dirty="0" smtClean="0"/>
+          </a:p>
+          <a:p>
+            <a:endParaRPr lang="pt-BR" dirty="0" smtClean="0"/>
+          </a:p>
+          <a:p>
+            <a:endParaRPr lang="pt-BR" dirty="0" smtClean="0"/>
+          </a:p>
+          <a:p>
+            <a:endParaRPr lang="en-US" dirty="0"/>
           </a:p>
         </p:txBody>
       </p:sp>
@@ -5119,13 +6035,6 @@
   <p:clrMapOvr>
     <a:masterClrMapping/>
   </p:clrMapOvr>
-  <p:timing>
-    <p:tnLst>
-      <p:par>
-        <p:cTn id="1" dur="indefinite" restart="never" nodeType="tmRoot"/>
-      </p:par>
-    </p:tnLst>
-  </p:timing>
 </p:sld>
 </file>
 
@@ -5463,98 +6372,64 @@
           <a:lstStyle/>
           <a:p>
             <a:r>
+              <a:rPr lang="pt-BR" dirty="0" smtClean="0"/>
+              <a:t>Código Hash</a:t>
+            </a:r>
+            <a:endParaRPr lang="en-US" dirty="0"/>
+          </a:p>
+        </p:txBody>
+      </p:sp>
+      <p:sp>
+        <p:nvSpPr>
+          <p:cNvPr id="3" name="Espaço Reservado para Conteúdo 2"/>
+          <p:cNvSpPr>
+            <a:spLocks noGrp="1"/>
+          </p:cNvSpPr>
+          <p:nvPr>
+            <p:ph idx="1"/>
+          </p:nvPr>
+        </p:nvSpPr>
+        <p:spPr/>
+        <p:txBody>
+          <a:bodyPr/>
+          <a:lstStyle/>
+          <a:p>
+            <a:endParaRPr lang="pt-BR" dirty="0" smtClean="0"/>
+          </a:p>
+          <a:p>
+            <a:endParaRPr lang="pt-BR" dirty="0" smtClean="0"/>
+          </a:p>
+          <a:p>
+            <a:r>
+              <a:rPr lang="pt-BR" dirty="0" smtClean="0"/>
+              <a:t>Propriedades;</a:t>
+            </a:r>
+          </a:p>
+          <a:p>
+            <a:pPr lvl="1"/>
+            <a:r>
+              <a:rPr lang="pt-BR" dirty="0" smtClean="0"/>
+              <a:t>Baixo custo de processamento;</a:t>
+            </a:r>
+          </a:p>
+          <a:p>
+            <a:pPr lvl="1"/>
+            <a:r>
+              <a:rPr lang="pt-BR" dirty="0" smtClean="0"/>
+              <a:t>Determinista (sempre gera o mesmo hash);</a:t>
+            </a:r>
+          </a:p>
+          <a:p>
+            <a:pPr lvl="1"/>
+            <a:r>
               <a:rPr lang="pt-BR" dirty="0" err="1" smtClean="0"/>
-              <a:t>Cryptographic</a:t>
-            </a:r>
-            <a:r>
-              <a:rPr lang="pt-BR" dirty="0" smtClean="0"/>
-              <a:t> Hash </a:t>
-            </a:r>
-            <a:r>
-              <a:rPr lang="pt-BR" dirty="0" err="1" smtClean="0"/>
-              <a:t>Function</a:t>
-            </a:r>
-            <a:endParaRPr lang="pt-BR" dirty="0"/>
-          </a:p>
-        </p:txBody>
-      </p:sp>
-      <p:sp>
-        <p:nvSpPr>
-          <p:cNvPr id="3" name="Espaço Reservado para Conteúdo 2"/>
-          <p:cNvSpPr>
-            <a:spLocks noGrp="1"/>
-          </p:cNvSpPr>
-          <p:nvPr>
-            <p:ph idx="1"/>
-          </p:nvPr>
-        </p:nvSpPr>
-        <p:spPr/>
-        <p:txBody>
-          <a:bodyPr/>
-          <a:lstStyle/>
-          <a:p>
-            <a:r>
-              <a:rPr lang="pt-BR" dirty="0" smtClean="0"/>
-              <a:t>Funções de Resumo criptográfico.</a:t>
-            </a:r>
-          </a:p>
-          <a:p>
-            <a:pPr lvl="1"/>
-            <a:r>
-              <a:rPr lang="pt-BR" dirty="0" smtClean="0"/>
-              <a:t>Utilizadas para se obter um identificador de uma mensagem lógica;</a:t>
-            </a:r>
-          </a:p>
-          <a:p>
-            <a:pPr lvl="1"/>
-            <a:r>
-              <a:rPr lang="pt-BR" dirty="0" smtClean="0"/>
-              <a:t>Gerador de </a:t>
-            </a:r>
-            <a:r>
-              <a:rPr lang="pt-BR" dirty="0" err="1" smtClean="0"/>
-              <a:t>Message</a:t>
-            </a:r>
-            <a:r>
-              <a:rPr lang="pt-BR" dirty="0" smtClean="0"/>
-              <a:t> Digest.</a:t>
-            </a:r>
-          </a:p>
-          <a:p>
-            <a:r>
-              <a:rPr lang="pt-BR" dirty="0" smtClean="0"/>
-              <a:t>Deve garantir as propriedades;</a:t>
-            </a:r>
-          </a:p>
-          <a:p>
-            <a:pPr lvl="1"/>
-            <a:r>
-              <a:rPr lang="pt-BR" dirty="0" smtClean="0"/>
-              <a:t>Impossível encontrar a mensagem a partir do hash </a:t>
-            </a:r>
-            <a:r>
-              <a:rPr lang="pt-BR" dirty="0" err="1" smtClean="0"/>
-              <a:t>value</a:t>
-            </a:r>
-            <a:r>
-              <a:rPr lang="pt-BR" dirty="0" smtClean="0"/>
-              <a:t> encontrado;</a:t>
-            </a:r>
-          </a:p>
-          <a:p>
-            <a:pPr lvl="1"/>
-            <a:r>
-              <a:rPr lang="pt-BR" dirty="0" smtClean="0"/>
-              <a:t>Impossível existir duas diferentes mensagens com o mesmo hash </a:t>
-            </a:r>
-            <a:r>
-              <a:rPr lang="pt-BR" dirty="0" err="1" smtClean="0"/>
-              <a:t>value</a:t>
+              <a:t>One-Way</a:t>
             </a:r>
             <a:r>
               <a:rPr lang="pt-BR" dirty="0" smtClean="0"/>
               <a:t>.</a:t>
             </a:r>
+            <a:endParaRPr lang="en-US" dirty="0"/>
           </a:p>
         </p:txBody>
       </p:sp>
@@ -5629,46 +6504,68 @@
           <a:bodyPr/>
           <a:lstStyle/>
           <a:p>
-            <a:endParaRPr lang="pt-BR" dirty="0" smtClean="0"/>
-          </a:p>
-          <a:p>
-            <a:endParaRPr lang="pt-BR" dirty="0" smtClean="0"/>
-          </a:p>
-          <a:p>
-            <a:endParaRPr lang="pt-BR" dirty="0" smtClean="0"/>
-          </a:p>
-          <a:p>
-            <a:r>
-              <a:rPr lang="pt-BR" dirty="0" smtClean="0"/>
-              <a:t>Exemplos</a:t>
-            </a:r>
-            <a:r>
-              <a:rPr lang="pt-BR" dirty="0" smtClean="0"/>
-              <a:t>;</a:t>
+            <a:r>
+              <a:rPr lang="pt-BR" dirty="0" smtClean="0"/>
+              <a:t>Funções de Resumo criptográfico.</a:t>
             </a:r>
           </a:p>
           <a:p>
             <a:pPr lvl="1"/>
             <a:r>
               <a:rPr lang="pt-BR" dirty="0" smtClean="0"/>
-              <a:t>MD5 -&gt; hash de 128 bits</a:t>
+              <a:t>Utilizadas para se obter um identificador de uma mensagem lógica;</a:t>
             </a:r>
           </a:p>
           <a:p>
             <a:pPr lvl="1"/>
             <a:r>
               <a:rPr lang="pt-BR" dirty="0" smtClean="0"/>
-              <a:t>SHA-1 -&gt; </a:t>
-            </a:r>
-            <a:r>
-              <a:rPr lang="pt-BR" dirty="0" smtClean="0"/>
-              <a:t>hash value de </a:t>
-            </a:r>
-            <a:r>
-              <a:rPr lang="pt-BR" dirty="0" smtClean="0"/>
-              <a:t>160 bits</a:t>
-            </a:r>
-            <a:endParaRPr lang="pt-BR" dirty="0"/>
+              <a:t>Gerador de </a:t>
+            </a:r>
+            <a:r>
+              <a:rPr lang="pt-BR" dirty="0" err="1" smtClean="0"/>
+              <a:t>Message</a:t>
+            </a:r>
+            <a:r>
+              <a:rPr lang="pt-BR" dirty="0" smtClean="0"/>
+              <a:t> Digest.</a:t>
+            </a:r>
+          </a:p>
+          <a:p>
+            <a:r>
+              <a:rPr lang="pt-BR" dirty="0" smtClean="0"/>
+              <a:t>Deve garantir as propriedades;</a:t>
+            </a:r>
+          </a:p>
+          <a:p>
+            <a:pPr lvl="1"/>
+            <a:r>
+              <a:rPr lang="pt-BR" dirty="0" smtClean="0"/>
+              <a:t>Impossível encontrar a mensagem a partir do hash </a:t>
+            </a:r>
+            <a:r>
+              <a:rPr lang="pt-BR" dirty="0" err="1" smtClean="0"/>
+              <a:t>value</a:t>
+            </a:r>
+            <a:r>
+              <a:rPr lang="pt-BR" dirty="0" smtClean="0"/>
+              <a:t> encontrado;</a:t>
+            </a:r>
+          </a:p>
+          <a:p>
+            <a:pPr lvl="1"/>
+            <a:r>
+              <a:rPr lang="pt-BR" dirty="0" smtClean="0"/>
+              <a:t>Impossível existir duas diferentes mensagens com o mesmo hash </a:t>
+            </a:r>
+            <a:r>
+              <a:rPr lang="pt-BR" dirty="0" err="1" smtClean="0"/>
+              <a:t>value</a:t>
+            </a:r>
+            <a:r>
+              <a:rPr lang="pt-BR" dirty="0" smtClean="0"/>
+              <a:t>.</a:t>
+            </a:r>
           </a:p>
         </p:txBody>
       </p:sp>
@@ -5714,168 +6611,35 @@
           <a:p>
             <a:r>
               <a:rPr lang="pt-BR" dirty="0" smtClean="0"/>
-              <a:t>Criptografia</a:t>
+              <a:t>Código Hash</a:t>
             </a:r>
             <a:endParaRPr lang="en-US" dirty="0"/>
           </a:p>
         </p:txBody>
       </p:sp>
-      <p:sp>
-        <p:nvSpPr>
-          <p:cNvPr id="3" name="Espaço Reservado para Conteúdo 2"/>
-          <p:cNvSpPr>
-            <a:spLocks noGrp="1"/>
-          </p:cNvSpPr>
+      <p:pic>
+        <p:nvPicPr>
+          <p:cNvPr id="4" name="Espaço Reservado para Conteúdo 3" descr="500px-Hash_table_4_1_1_0_0_1_0_LL.svg.png"/>
+          <p:cNvPicPr>
+            <a:picLocks noGrp="1" noChangeAspect="1"/>
+          </p:cNvPicPr>
           <p:nvPr>
             <p:ph idx="1"/>
           </p:nvPr>
-        </p:nvSpPr>
-        <p:spPr/>
-        <p:txBody>
-          <a:bodyPr>
-            <a:normAutofit/>
-          </a:bodyPr>
-          <a:lstStyle/>
-          <a:p>
-            <a:r>
-              <a:rPr lang="en-US" dirty="0" err="1" smtClean="0"/>
-              <a:t>Criptografia</a:t>
-            </a:r>
-            <a:r>
-              <a:rPr lang="en-US" dirty="0" smtClean="0"/>
-              <a:t> </a:t>
-            </a:r>
-            <a:r>
-              <a:rPr lang="en-US" dirty="0" err="1" smtClean="0"/>
-              <a:t>Simétrica</a:t>
-            </a:r>
-            <a:endParaRPr lang="en-US" dirty="0" smtClean="0"/>
-          </a:p>
-          <a:p>
-            <a:pPr lvl="1"/>
-            <a:r>
-              <a:rPr lang="en-US" dirty="0" err="1" smtClean="0"/>
-              <a:t>Início</a:t>
-            </a:r>
-            <a:r>
-              <a:rPr lang="en-US" dirty="0" smtClean="0"/>
-              <a:t> </a:t>
-            </a:r>
-            <a:r>
-              <a:rPr lang="en-US" dirty="0" smtClean="0"/>
-              <a:t>com </a:t>
-            </a:r>
-            <a:r>
-              <a:rPr lang="en-US" dirty="0" err="1" smtClean="0"/>
-              <a:t>Cifrar</a:t>
-            </a:r>
-            <a:r>
-              <a:rPr lang="en-US" dirty="0" smtClean="0"/>
-              <a:t> de Cesar, </a:t>
-            </a:r>
-            <a:r>
-              <a:rPr lang="en-US" dirty="0" err="1" smtClean="0"/>
-              <a:t>Substituição</a:t>
-            </a:r>
-            <a:r>
-              <a:rPr lang="en-US" dirty="0" smtClean="0"/>
-              <a:t> </a:t>
-            </a:r>
-            <a:r>
-              <a:rPr lang="en-US" dirty="0" err="1" smtClean="0"/>
-              <a:t>Monoalfabética</a:t>
-            </a:r>
-            <a:r>
-              <a:rPr lang="en-US" dirty="0" smtClean="0"/>
-              <a:t> e </a:t>
-            </a:r>
-            <a:r>
-              <a:rPr lang="en-US" dirty="0" err="1" smtClean="0"/>
-              <a:t>por</a:t>
-            </a:r>
-            <a:r>
-              <a:rPr lang="en-US" dirty="0" smtClean="0"/>
-              <a:t> </a:t>
-            </a:r>
-            <a:r>
-              <a:rPr lang="en-US" dirty="0" err="1" smtClean="0"/>
-              <a:t>último</a:t>
-            </a:r>
-            <a:r>
-              <a:rPr lang="en-US" dirty="0" smtClean="0"/>
-              <a:t> Vigenère.</a:t>
-            </a:r>
-          </a:p>
-          <a:p>
-            <a:pPr lvl="1"/>
-            <a:r>
-              <a:rPr lang="en-US" dirty="0" err="1" smtClean="0"/>
-              <a:t>Criptografia</a:t>
-            </a:r>
-            <a:r>
-              <a:rPr lang="en-US" dirty="0" smtClean="0"/>
-              <a:t> </a:t>
-            </a:r>
-            <a:r>
-              <a:rPr lang="en-US" dirty="0" err="1" smtClean="0"/>
-              <a:t>Moderna</a:t>
-            </a:r>
-            <a:endParaRPr lang="en-US" dirty="0" smtClean="0"/>
-          </a:p>
-          <a:p>
-            <a:r>
-              <a:rPr lang="en-US" dirty="0" err="1" smtClean="0"/>
-              <a:t>Exemplos</a:t>
-            </a:r>
-            <a:r>
-              <a:rPr lang="en-US" dirty="0" smtClean="0"/>
-              <a:t>;</a:t>
-            </a:r>
-          </a:p>
-          <a:p>
-            <a:pPr lvl="1"/>
-            <a:r>
-              <a:rPr lang="en-US" dirty="0" smtClean="0"/>
-              <a:t>DES </a:t>
-            </a:r>
-            <a:r>
-              <a:rPr lang="en-US" dirty="0" smtClean="0"/>
-              <a:t>e Triple DES (Data Encryption Standard)</a:t>
-            </a:r>
-          </a:p>
-          <a:p>
-            <a:pPr lvl="1"/>
-            <a:r>
-              <a:rPr lang="en-US" dirty="0" smtClean="0"/>
-              <a:t>AES </a:t>
-            </a:r>
-            <a:r>
-              <a:rPr lang="en-US" dirty="0" smtClean="0"/>
-              <a:t>(Advanced Encryption Standard)</a:t>
-            </a:r>
-          </a:p>
-          <a:p>
-            <a:pPr lvl="1"/>
-            <a:r>
-              <a:rPr lang="en-US" dirty="0" smtClean="0"/>
-              <a:t>RC4 </a:t>
-            </a:r>
-            <a:r>
-              <a:rPr lang="en-US" dirty="0" smtClean="0"/>
-              <a:t>(</a:t>
-            </a:r>
-            <a:r>
-              <a:rPr lang="en-US" dirty="0" err="1" smtClean="0"/>
-              <a:t>Rivest</a:t>
-            </a:r>
-            <a:r>
-              <a:rPr lang="en-US" dirty="0" smtClean="0"/>
-              <a:t> Cipher Four)</a:t>
-            </a:r>
-            <a:endParaRPr lang="en-US" dirty="0"/>
-          </a:p>
-        </p:txBody>
-      </p:sp>
+        </p:nvPicPr>
+        <p:blipFill>
+          <a:blip r:embed="rId2"/>
+          <a:stretch>
+            <a:fillRect/>
+          </a:stretch>
+        </p:blipFill>
+        <p:spPr>
+          <a:xfrm>
+            <a:off x="2177054" y="2119844"/>
+            <a:ext cx="4609524" cy="4095238"/>
+          </a:xfrm>
+        </p:spPr>
+      </p:pic>
     </p:spTree>
   </p:cSld>
   <p:clrMapOvr>
@@ -5917,10 +6681,18 @@
           <a:lstStyle/>
           <a:p>
             <a:r>
-              <a:rPr lang="pt-BR" dirty="0" smtClean="0"/>
-              <a:t>Criptografia</a:t>
-            </a:r>
-            <a:endParaRPr lang="en-US" dirty="0"/>
+              <a:rPr lang="pt-BR" dirty="0" err="1" smtClean="0"/>
+              <a:t>Cryptographic</a:t>
+            </a:r>
+            <a:r>
+              <a:rPr lang="pt-BR" dirty="0" smtClean="0"/>
+              <a:t> Hash </a:t>
+            </a:r>
+            <a:r>
+              <a:rPr lang="pt-BR" dirty="0" err="1" smtClean="0"/>
+              <a:t>Function</a:t>
+            </a:r>
+            <a:endParaRPr lang="pt-BR" dirty="0"/>
           </a:p>
         </p:txBody>
       </p:sp>
@@ -5939,87 +6711,34 @@
           <a:bodyPr/>
           <a:lstStyle/>
           <a:p>
-            <a:endParaRPr lang="en-US" dirty="0" smtClean="0"/>
-          </a:p>
-          <a:p>
-            <a:endParaRPr lang="en-US" dirty="0" smtClean="0"/>
-          </a:p>
-          <a:p>
-            <a:r>
-              <a:rPr lang="en-US" dirty="0" err="1" smtClean="0"/>
-              <a:t>Criptografia</a:t>
-            </a:r>
-            <a:r>
-              <a:rPr lang="en-US" dirty="0" smtClean="0"/>
-              <a:t> </a:t>
-            </a:r>
-            <a:r>
-              <a:rPr lang="en-US" dirty="0" err="1" smtClean="0"/>
-              <a:t>Assimétrica</a:t>
-            </a:r>
-            <a:r>
-              <a:rPr lang="en-US" dirty="0" smtClean="0"/>
-              <a:t>;</a:t>
-            </a:r>
-            <a:endParaRPr lang="en-US" dirty="0" smtClean="0"/>
+            <a:endParaRPr lang="pt-BR" dirty="0" smtClean="0"/>
+          </a:p>
+          <a:p>
+            <a:endParaRPr lang="pt-BR" dirty="0" smtClean="0"/>
+          </a:p>
+          <a:p>
+            <a:endParaRPr lang="pt-BR" dirty="0" smtClean="0"/>
+          </a:p>
+          <a:p>
+            <a:r>
+              <a:rPr lang="pt-BR" dirty="0" smtClean="0"/>
+              <a:t>Exemplos;</a:t>
+            </a:r>
           </a:p>
           <a:p>
             <a:pPr lvl="1"/>
             <a:r>
-              <a:rPr lang="en-US" dirty="0" smtClean="0"/>
-              <a:t>Diffie-Hellman </a:t>
-            </a:r>
-            <a:r>
-              <a:rPr lang="en-US" dirty="0" smtClean="0"/>
-              <a:t>key exchange</a:t>
+              <a:rPr lang="pt-BR" dirty="0" smtClean="0"/>
+              <a:t>MD5 -&gt; hash de 128 bits</a:t>
             </a:r>
           </a:p>
           <a:p>
             <a:pPr lvl="1"/>
             <a:r>
-              <a:rPr lang="en-US" dirty="0" smtClean="0"/>
-              <a:t>RSA </a:t>
-            </a:r>
-            <a:r>
-              <a:rPr lang="en-US" dirty="0" smtClean="0"/>
-              <a:t>(Ron </a:t>
-            </a:r>
-            <a:r>
-              <a:rPr lang="en-US" dirty="0" err="1" smtClean="0"/>
-              <a:t>Rivest</a:t>
-            </a:r>
-            <a:r>
-              <a:rPr lang="en-US" dirty="0" smtClean="0"/>
-              <a:t>, </a:t>
-            </a:r>
-            <a:r>
-              <a:rPr lang="en-US" dirty="0" err="1" smtClean="0"/>
-              <a:t>Adi</a:t>
-            </a:r>
-            <a:r>
-              <a:rPr lang="en-US" dirty="0" smtClean="0"/>
-              <a:t> Shamir e Leonard </a:t>
-            </a:r>
-            <a:r>
-              <a:rPr lang="en-US" dirty="0" err="1" smtClean="0"/>
-              <a:t>Adleman</a:t>
-            </a:r>
-            <a:r>
-              <a:rPr lang="en-US" dirty="0" smtClean="0"/>
-              <a:t>)</a:t>
-            </a:r>
-          </a:p>
-          <a:p>
-            <a:pPr lvl="1"/>
-            <a:r>
-              <a:rPr lang="en-US" dirty="0" smtClean="0"/>
-              <a:t>DSA (Digital </a:t>
-            </a:r>
-            <a:r>
-              <a:rPr lang="en-US" dirty="0" smtClean="0"/>
-              <a:t>Signature Algorithm)</a:t>
-            </a:r>
-            <a:endParaRPr lang="en-US" dirty="0"/>
+              <a:rPr lang="pt-BR" dirty="0" smtClean="0"/>
+              <a:t>SHA-1 -&gt; hash value de 160 bits</a:t>
+            </a:r>
+            <a:endParaRPr lang="pt-BR" dirty="0"/>
           </a:p>
         </p:txBody>
       </p:sp>

--- a/DOCS/TCC/5 - APRESENTAÇÃO.pptx
+++ b/DOCS/TCC/5 - APRESENTAÇÃO.pptx
@@ -4073,6 +4073,13 @@
   <p:clrMapOvr>
     <a:masterClrMapping/>
   </p:clrMapOvr>
+  <p:timing>
+    <p:tnLst>
+      <p:par>
+        <p:cTn id="1" dur="indefinite" restart="never" nodeType="tmRoot"/>
+      </p:par>
+    </p:tnLst>
+  </p:timing>
 </p:sld>
 </file>
 
@@ -4157,6 +4164,13 @@
   <p:clrMapOvr>
     <a:masterClrMapping/>
   </p:clrMapOvr>
+  <p:timing>
+    <p:tnLst>
+      <p:par>
+        <p:cTn id="1" dur="indefinite" restart="never" nodeType="tmRoot"/>
+      </p:par>
+    </p:tnLst>
+  </p:timing>
 </p:sld>
 </file>
 
@@ -4227,11 +4241,7 @@
           <a:p>
             <a:r>
               <a:rPr lang="pt-BR" dirty="0" smtClean="0"/>
-              <a:t>Esteganografia </a:t>
-            </a:r>
-            <a:r>
-              <a:rPr lang="pt-BR" dirty="0" smtClean="0"/>
-              <a:t>do grego, </a:t>
+              <a:t>Esteganografia do grego, </a:t>
             </a:r>
             <a:r>
               <a:rPr lang="pt-BR" i="1" dirty="0" err="1" smtClean="0"/>
@@ -4250,11 +4260,7 @@
             </a:r>
             <a:r>
               <a:rPr lang="pt-BR" dirty="0" smtClean="0"/>
-              <a:t>ocultar uma mensagem </a:t>
-            </a:r>
-            <a:r>
-              <a:rPr lang="pt-BR" dirty="0" smtClean="0"/>
-              <a:t>existente.</a:t>
+              <a:t>ocultar uma mensagem existente.</a:t>
             </a:r>
           </a:p>
           <a:p>
@@ -4282,11 +4288,7 @@
             </a:r>
             <a:r>
               <a:rPr lang="pt-BR" dirty="0" smtClean="0"/>
-              <a:t>significa escondido ou em </a:t>
-            </a:r>
-            <a:r>
-              <a:rPr lang="pt-BR" dirty="0" smtClean="0"/>
-              <a:t>segredo.</a:t>
+              <a:t>significa escondido ou em segredo.</a:t>
             </a:r>
             <a:endParaRPr lang="en-US" dirty="0"/>
           </a:p>
@@ -4297,6 +4299,13 @@
   <p:clrMapOvr>
     <a:masterClrMapping/>
   </p:clrMapOvr>
+  <p:timing>
+    <p:tnLst>
+      <p:par>
+        <p:cTn id="1" dur="indefinite" restart="never" nodeType="tmRoot"/>
+      </p:par>
+    </p:tnLst>
+  </p:timing>
 </p:sld>
 </file>
 
@@ -4387,11 +4396,7 @@
             </a:r>
             <a:r>
               <a:rPr lang="en-US" dirty="0" smtClean="0"/>
-              <a:t> </a:t>
-            </a:r>
-            <a:r>
-              <a:rPr lang="en-US" dirty="0" smtClean="0"/>
-              <a:t>de Cesar, </a:t>
+              <a:t> de Cesar, </a:t>
             </a:r>
             <a:r>
               <a:rPr lang="en-US" dirty="0" err="1" smtClean="0"/>
@@ -4489,6 +4494,13 @@
   <p:clrMapOvr>
     <a:masterClrMapping/>
   </p:clrMapOvr>
+  <p:timing>
+    <p:tnLst>
+      <p:par>
+        <p:cTn id="1" dur="indefinite" restart="never" nodeType="tmRoot"/>
+      </p:par>
+    </p:tnLst>
+  </p:timing>
 </p:sld>
 </file>
 
@@ -4623,6 +4635,13 @@
   <p:clrMapOvr>
     <a:masterClrMapping/>
   </p:clrMapOvr>
+  <p:timing>
+    <p:tnLst>
+      <p:par>
+        <p:cTn id="1" dur="indefinite" restart="never" nodeType="tmRoot"/>
+      </p:par>
+    </p:tnLst>
+  </p:timing>
 </p:sld>
 </file>
 
@@ -4744,6 +4763,13 @@
   <p:clrMapOvr>
     <a:masterClrMapping/>
   </p:clrMapOvr>
+  <p:timing>
+    <p:tnLst>
+      <p:par>
+        <p:cTn id="1" dur="indefinite" restart="never" nodeType="tmRoot"/>
+      </p:par>
+    </p:tnLst>
+  </p:timing>
 </p:sld>
 </file>
 
@@ -4831,6 +4857,13 @@
   <p:clrMapOvr>
     <a:masterClrMapping/>
   </p:clrMapOvr>
+  <p:timing>
+    <p:tnLst>
+      <p:par>
+        <p:cTn id="1" dur="indefinite" restart="never" nodeType="tmRoot"/>
+      </p:par>
+    </p:tnLst>
+  </p:timing>
 </p:sld>
 </file>
 
@@ -4958,6 +4991,13 @@
   <p:clrMapOvr>
     <a:masterClrMapping/>
   </p:clrMapOvr>
+  <p:timing>
+    <p:tnLst>
+      <p:par>
+        <p:cTn id="1" dur="indefinite" restart="never" nodeType="tmRoot"/>
+      </p:par>
+    </p:tnLst>
+  </p:timing>
 </p:sld>
 </file>
 
@@ -5018,11 +5058,7 @@
           <a:p>
             <a:r>
               <a:rPr lang="pt-BR" dirty="0" smtClean="0"/>
-              <a:t>AC </a:t>
-            </a:r>
-            <a:r>
-              <a:rPr lang="pt-BR" dirty="0" smtClean="0"/>
-              <a:t>-&gt; Autoridade Certificadora</a:t>
+              <a:t>AC -&gt; Autoridade Certificadora</a:t>
             </a:r>
           </a:p>
           <a:p>
@@ -5036,11 +5072,7 @@
             <a:pPr lvl="1"/>
             <a:r>
               <a:rPr lang="pt-BR" dirty="0" smtClean="0"/>
-              <a:t>Emite e gerencia o ciclo de vida </a:t>
-            </a:r>
-            <a:r>
-              <a:rPr lang="pt-BR" dirty="0" smtClean="0"/>
-              <a:t>do</a:t>
+              <a:t>Emite e gerencia o ciclo de vida do</a:t>
             </a:r>
           </a:p>
           <a:p>
@@ -5058,11 +5090,7 @@
           <a:p>
             <a:r>
               <a:rPr lang="pt-BR" dirty="0" smtClean="0"/>
-              <a:t>Cadeia de </a:t>
-            </a:r>
-            <a:r>
-              <a:rPr lang="pt-BR" dirty="0" smtClean="0"/>
-              <a:t>Certificação.</a:t>
+              <a:t>Cadeia de Certificação.</a:t>
             </a:r>
             <a:endParaRPr lang="en-US" dirty="0"/>
           </a:p>
@@ -5073,6 +5101,13 @@
   <p:clrMapOvr>
     <a:masterClrMapping/>
   </p:clrMapOvr>
+  <p:timing>
+    <p:tnLst>
+      <p:par>
+        <p:cTn id="1" dur="indefinite" restart="never" nodeType="tmRoot"/>
+      </p:par>
+    </p:tnLst>
+  </p:timing>
 </p:sld>
 </file>
 
@@ -5292,6 +5327,13 @@
   <p:clrMapOvr>
     <a:masterClrMapping/>
   </p:clrMapOvr>
+  <p:timing>
+    <p:tnLst>
+      <p:par>
+        <p:cTn id="1" dur="indefinite" restart="never" nodeType="tmRoot"/>
+      </p:par>
+    </p:tnLst>
+  </p:timing>
 </p:sld>
 </file>
 
@@ -5465,6 +5507,13 @@
   <p:clrMapOvr>
     <a:masterClrMapping/>
   </p:clrMapOvr>
+  <p:timing>
+    <p:tnLst>
+      <p:par>
+        <p:cTn id="1" dur="indefinite" restart="never" nodeType="tmRoot"/>
+      </p:par>
+    </p:tnLst>
+  </p:timing>
 </p:sld>
 </file>
 
@@ -5536,6 +5585,13 @@
   <p:clrMapOvr>
     <a:masterClrMapping/>
   </p:clrMapOvr>
+  <p:timing>
+    <p:tnLst>
+      <p:par>
+        <p:cTn id="1" dur="indefinite" restart="never" nodeType="tmRoot"/>
+      </p:par>
+    </p:tnLst>
+  </p:timing>
 </p:sld>
 </file>
 
@@ -5613,22 +5669,19 @@
           <a:p>
             <a:r>
               <a:rPr lang="pt-BR" dirty="0" smtClean="0"/>
-              <a:t>A </a:t>
-            </a:r>
-            <a:r>
-              <a:rPr lang="pt-BR" dirty="0" err="1" smtClean="0"/>
-              <a:t>ICP-Brasil</a:t>
-            </a:r>
-            <a:r>
-              <a:rPr lang="pt-BR" dirty="0" smtClean="0"/>
-              <a:t> compete emitir, expedir, distribuir, revogar e gerenciar os certificados das AC.</a:t>
-            </a:r>
-          </a:p>
-          <a:p>
-            <a:r>
-              <a:rPr lang="pt-BR" dirty="0" smtClean="0"/>
-              <a:t>Autoridades Certificadoras e autoridades Registradoras</a:t>
-            </a:r>
+              <a:t>Autoridades Certificadoras </a:t>
+            </a:r>
+            <a:r>
+              <a:rPr lang="pt-BR" dirty="0" smtClean="0"/>
+              <a:t>compete emitir, expedir, distribuir, revogar e gerenciar os certificados das AC.</a:t>
+            </a:r>
+          </a:p>
+          <a:p>
+            <a:r>
+              <a:rPr lang="pt-BR" dirty="0" smtClean="0"/>
+              <a:t>Autoridades Registradoras faz parte da hierarquia da ICP-Brasil, porém tem o trabalho de apenas efetuar os registros.</a:t>
+            </a:r>
+            <a:endParaRPr lang="pt-BR" dirty="0" smtClean="0"/>
           </a:p>
           <a:p>
             <a:endParaRPr lang="en-US" dirty="0"/>
@@ -5640,6 +5693,13 @@
   <p:clrMapOvr>
     <a:masterClrMapping/>
   </p:clrMapOvr>
+  <p:timing>
+    <p:tnLst>
+      <p:par>
+        <p:cTn id="1" dur="indefinite" restart="never" nodeType="tmRoot"/>
+      </p:par>
+    </p:tnLst>
+  </p:timing>
 </p:sld>
 </file>
 
@@ -5737,6 +5797,13 @@
   <p:clrMapOvr>
     <a:masterClrMapping/>
   </p:clrMapOvr>
+  <p:timing>
+    <p:tnLst>
+      <p:par>
+        <p:cTn id="1" dur="indefinite" restart="never" nodeType="tmRoot"/>
+      </p:par>
+    </p:tnLst>
+  </p:timing>
 </p:sld>
 </file>
 
@@ -5834,6 +5901,13 @@
   <p:clrMapOvr>
     <a:masterClrMapping/>
   </p:clrMapOvr>
+  <p:timing>
+    <p:tnLst>
+      <p:par>
+        <p:cTn id="1" dur="indefinite" restart="never" nodeType="tmRoot"/>
+      </p:par>
+    </p:tnLst>
+  </p:timing>
 </p:sld>
 </file>
 
@@ -5938,6 +6012,13 @@
   <p:clrMapOvr>
     <a:masterClrMapping/>
   </p:clrMapOvr>
+  <p:timing>
+    <p:tnLst>
+      <p:par>
+        <p:cTn id="1" dur="indefinite" restart="never" nodeType="tmRoot"/>
+      </p:par>
+    </p:tnLst>
+  </p:timing>
 </p:sld>
 </file>
 
@@ -6035,6 +6116,13 @@
   <p:clrMapOvr>
     <a:masterClrMapping/>
   </p:clrMapOvr>
+  <p:timing>
+    <p:tnLst>
+      <p:par>
+        <p:cTn id="1" dur="indefinite" restart="never" nodeType="tmRoot"/>
+      </p:par>
+    </p:tnLst>
+  </p:timing>
 </p:sld>
 </file>
 
@@ -6233,6 +6321,13 @@
   <p:clrMapOvr>
     <a:masterClrMapping/>
   </p:clrMapOvr>
+  <p:timing>
+    <p:tnLst>
+      <p:par>
+        <p:cTn id="1" dur="indefinite" restart="never" nodeType="tmRoot"/>
+      </p:par>
+    </p:tnLst>
+  </p:timing>
 </p:sld>
 </file>
 
@@ -6336,6 +6431,13 @@
   <p:clrMapOvr>
     <a:masterClrMapping/>
   </p:clrMapOvr>
+  <p:timing>
+    <p:tnLst>
+      <p:par>
+        <p:cTn id="1" dur="indefinite" restart="never" nodeType="tmRoot"/>
+      </p:par>
+    </p:tnLst>
+  </p:timing>
 </p:sld>
 </file>
 
@@ -6438,6 +6540,13 @@
   <p:clrMapOvr>
     <a:masterClrMapping/>
   </p:clrMapOvr>
+  <p:timing>
+    <p:tnLst>
+      <p:par>
+        <p:cTn id="1" dur="indefinite" restart="never" nodeType="tmRoot"/>
+      </p:par>
+    </p:tnLst>
+  </p:timing>
 </p:sld>
 </file>
 
@@ -6574,6 +6683,13 @@
   <p:clrMapOvr>
     <a:masterClrMapping/>
   </p:clrMapOvr>
+  <p:timing>
+    <p:tnLst>
+      <p:par>
+        <p:cTn id="1" dur="indefinite" restart="never" nodeType="tmRoot"/>
+      </p:par>
+    </p:tnLst>
+  </p:timing>
 </p:sld>
 </file>
 
@@ -6645,6 +6761,13 @@
   <p:clrMapOvr>
     <a:masterClrMapping/>
   </p:clrMapOvr>
+  <p:timing>
+    <p:tnLst>
+      <p:par>
+        <p:cTn id="1" dur="indefinite" restart="never" nodeType="tmRoot"/>
+      </p:par>
+    </p:tnLst>
+  </p:timing>
 </p:sld>
 </file>
 
@@ -6747,6 +6870,13 @@
   <p:clrMapOvr>
     <a:masterClrMapping/>
   </p:clrMapOvr>
+  <p:timing>
+    <p:tnLst>
+      <p:par>
+        <p:cTn id="1" dur="indefinite" restart="never" nodeType="tmRoot"/>
+      </p:par>
+    </p:tnLst>
+  </p:timing>
 </p:sld>
 </file>
 

--- a/DOCS/TCC/5 - APRESENTAÇÃO.pptx
+++ b/DOCS/TCC/5 - APRESENTAÇÃO.pptx
@@ -4,33 +4,41 @@
   <p:sldMasterIdLst>
     <p:sldMasterId id="2147483672" r:id="rId1"/>
   </p:sldMasterIdLst>
+  <p:notesMasterIdLst>
+    <p:notesMasterId r:id="rId33"/>
+  </p:notesMasterIdLst>
   <p:sldIdLst>
     <p:sldId id="256" r:id="rId2"/>
-    <p:sldId id="258" r:id="rId3"/>
-    <p:sldId id="259" r:id="rId4"/>
-    <p:sldId id="260" r:id="rId5"/>
-    <p:sldId id="261" r:id="rId6"/>
-    <p:sldId id="276" r:id="rId7"/>
-    <p:sldId id="262" r:id="rId8"/>
-    <p:sldId id="275" r:id="rId9"/>
-    <p:sldId id="263" r:id="rId10"/>
-    <p:sldId id="277" r:id="rId11"/>
-    <p:sldId id="278" r:id="rId12"/>
-    <p:sldId id="279" r:id="rId13"/>
-    <p:sldId id="264" r:id="rId14"/>
-    <p:sldId id="265" r:id="rId15"/>
-    <p:sldId id="266" r:id="rId16"/>
-    <p:sldId id="268" r:id="rId17"/>
-    <p:sldId id="267" r:id="rId18"/>
-    <p:sldId id="269" r:id="rId19"/>
-    <p:sldId id="280" r:id="rId20"/>
-    <p:sldId id="281" r:id="rId21"/>
-    <p:sldId id="282" r:id="rId22"/>
-    <p:sldId id="272" r:id="rId23"/>
-    <p:sldId id="271" r:id="rId24"/>
-    <p:sldId id="270" r:id="rId25"/>
-    <p:sldId id="273" r:id="rId26"/>
-    <p:sldId id="274" r:id="rId27"/>
+    <p:sldId id="283" r:id="rId3"/>
+    <p:sldId id="258" r:id="rId4"/>
+    <p:sldId id="285" r:id="rId5"/>
+    <p:sldId id="259" r:id="rId6"/>
+    <p:sldId id="260" r:id="rId7"/>
+    <p:sldId id="286" r:id="rId8"/>
+    <p:sldId id="261" r:id="rId9"/>
+    <p:sldId id="289" r:id="rId10"/>
+    <p:sldId id="262" r:id="rId11"/>
+    <p:sldId id="277" r:id="rId12"/>
+    <p:sldId id="278" r:id="rId13"/>
+    <p:sldId id="279" r:id="rId14"/>
+    <p:sldId id="264" r:id="rId15"/>
+    <p:sldId id="265" r:id="rId16"/>
+    <p:sldId id="266" r:id="rId17"/>
+    <p:sldId id="268" r:id="rId18"/>
+    <p:sldId id="267" r:id="rId19"/>
+    <p:sldId id="269" r:id="rId20"/>
+    <p:sldId id="280" r:id="rId21"/>
+    <p:sldId id="281" r:id="rId22"/>
+    <p:sldId id="282" r:id="rId23"/>
+    <p:sldId id="272" r:id="rId24"/>
+    <p:sldId id="287" r:id="rId25"/>
+    <p:sldId id="288" r:id="rId26"/>
+    <p:sldId id="271" r:id="rId27"/>
+    <p:sldId id="273" r:id="rId28"/>
+    <p:sldId id="291" r:id="rId29"/>
+    <p:sldId id="290" r:id="rId30"/>
+    <p:sldId id="292" r:id="rId31"/>
+    <p:sldId id="293" r:id="rId32"/>
   </p:sldIdLst>
   <p:sldSz cx="9144000" cy="6858000" type="screen4x3"/>
   <p:notesSz cx="6858000" cy="9144000"/>
@@ -132,6 +140,353 @@
 </p:presentation>
 </file>
 
+<file path=ppt/notesMasters/notesMaster1.xml><?xml version="1.0" encoding="utf-8"?>
+<p:notesMaster xmlns:a="http://schemas.openxmlformats.org/drawingml/2006/main" xmlns:r="http://schemas.openxmlformats.org/officeDocument/2006/relationships" xmlns:p="http://schemas.openxmlformats.org/presentationml/2006/main">
+  <p:cSld>
+    <p:bg>
+      <p:bgRef idx="1001">
+        <a:schemeClr val="bg1"/>
+      </p:bgRef>
+    </p:bg>
+    <p:spTree>
+      <p:nvGrpSpPr>
+        <p:cNvPr id="1" name=""/>
+        <p:cNvGrpSpPr/>
+        <p:nvPr/>
+      </p:nvGrpSpPr>
+      <p:grpSpPr>
+        <a:xfrm>
+          <a:off x="0" y="0"/>
+          <a:ext cx="0" cy="0"/>
+          <a:chOff x="0" y="0"/>
+          <a:chExt cx="0" cy="0"/>
+        </a:xfrm>
+      </p:grpSpPr>
+      <p:sp>
+        <p:nvSpPr>
+          <p:cNvPr id="2" name="Espaço Reservado para Cabeçalho 1"/>
+          <p:cNvSpPr>
+            <a:spLocks noGrp="1"/>
+          </p:cNvSpPr>
+          <p:nvPr>
+            <p:ph type="hdr" sz="quarter"/>
+          </p:nvPr>
+        </p:nvSpPr>
+        <p:spPr>
+          <a:xfrm>
+            <a:off x="0" y="0"/>
+            <a:ext cx="2971800" cy="457200"/>
+          </a:xfrm>
+          <a:prstGeom prst="rect">
+            <a:avLst/>
+          </a:prstGeom>
+        </p:spPr>
+        <p:txBody>
+          <a:bodyPr vert="horz" lIns="91440" tIns="45720" rIns="91440" bIns="45720" rtlCol="0"/>
+          <a:lstStyle>
+            <a:lvl1pPr algn="l">
+              <a:defRPr sz="1200"/>
+            </a:lvl1pPr>
+          </a:lstStyle>
+          <a:p>
+            <a:endParaRPr lang="en-US"/>
+          </a:p>
+        </p:txBody>
+      </p:sp>
+      <p:sp>
+        <p:nvSpPr>
+          <p:cNvPr id="3" name="Espaço Reservado para Data 2"/>
+          <p:cNvSpPr>
+            <a:spLocks noGrp="1"/>
+          </p:cNvSpPr>
+          <p:nvPr>
+            <p:ph type="dt" idx="1"/>
+          </p:nvPr>
+        </p:nvSpPr>
+        <p:spPr>
+          <a:xfrm>
+            <a:off x="3884613" y="0"/>
+            <a:ext cx="2971800" cy="457200"/>
+          </a:xfrm>
+          <a:prstGeom prst="rect">
+            <a:avLst/>
+          </a:prstGeom>
+        </p:spPr>
+        <p:txBody>
+          <a:bodyPr vert="horz" lIns="91440" tIns="45720" rIns="91440" bIns="45720" rtlCol="0"/>
+          <a:lstStyle>
+            <a:lvl1pPr algn="r">
+              <a:defRPr sz="1200"/>
+            </a:lvl1pPr>
+          </a:lstStyle>
+          <a:p>
+            <a:fld id="{230BC65A-E3F7-4B13-B9AA-9E9624EA45CD}" type="datetimeFigureOut">
+              <a:rPr lang="en-US" smtClean="0"/>
+              <a:t>12/8/2010</a:t>
+            </a:fld>
+            <a:endParaRPr lang="en-US"/>
+          </a:p>
+        </p:txBody>
+      </p:sp>
+      <p:sp>
+        <p:nvSpPr>
+          <p:cNvPr id="4" name="Espaço Reservado para Imagem de Slide 3"/>
+          <p:cNvSpPr>
+            <a:spLocks noGrp="1" noRot="1" noChangeAspect="1"/>
+          </p:cNvSpPr>
+          <p:nvPr>
+            <p:ph type="sldImg" idx="2"/>
+          </p:nvPr>
+        </p:nvSpPr>
+        <p:spPr>
+          <a:xfrm>
+            <a:off x="1143000" y="685800"/>
+            <a:ext cx="4572000" cy="3429000"/>
+          </a:xfrm>
+          <a:prstGeom prst="rect">
+            <a:avLst/>
+          </a:prstGeom>
+          <a:noFill/>
+          <a:ln w="12700">
+            <a:solidFill>
+              <a:prstClr val="black"/>
+            </a:solidFill>
+          </a:ln>
+        </p:spPr>
+        <p:txBody>
+          <a:bodyPr vert="horz" lIns="91440" tIns="45720" rIns="91440" bIns="45720" rtlCol="0" anchor="ctr"/>
+          <a:lstStyle/>
+          <a:p>
+            <a:endParaRPr lang="en-US"/>
+          </a:p>
+        </p:txBody>
+      </p:sp>
+      <p:sp>
+        <p:nvSpPr>
+          <p:cNvPr id="5" name="Espaço Reservado para Anotações 4"/>
+          <p:cNvSpPr>
+            <a:spLocks noGrp="1"/>
+          </p:cNvSpPr>
+          <p:nvPr>
+            <p:ph type="body" sz="quarter" idx="3"/>
+          </p:nvPr>
+        </p:nvSpPr>
+        <p:spPr>
+          <a:xfrm>
+            <a:off x="685800" y="4343400"/>
+            <a:ext cx="5486400" cy="4114800"/>
+          </a:xfrm>
+          <a:prstGeom prst="rect">
+            <a:avLst/>
+          </a:prstGeom>
+        </p:spPr>
+        <p:txBody>
+          <a:bodyPr vert="horz" lIns="91440" tIns="45720" rIns="91440" bIns="45720" rtlCol="0">
+            <a:normAutofit/>
+          </a:bodyPr>
+          <a:lstStyle/>
+          <a:p>
+            <a:pPr lvl="0"/>
+            <a:r>
+              <a:rPr lang="pt-BR" smtClean="0"/>
+              <a:t>Clique para editar os estilos do texto mestre</a:t>
+            </a:r>
+          </a:p>
+          <a:p>
+            <a:pPr lvl="1"/>
+            <a:r>
+              <a:rPr lang="pt-BR" smtClean="0"/>
+              <a:t>Segundo nível</a:t>
+            </a:r>
+          </a:p>
+          <a:p>
+            <a:pPr lvl="2"/>
+            <a:r>
+              <a:rPr lang="pt-BR" smtClean="0"/>
+              <a:t>Terceiro nível</a:t>
+            </a:r>
+          </a:p>
+          <a:p>
+            <a:pPr lvl="3"/>
+            <a:r>
+              <a:rPr lang="pt-BR" smtClean="0"/>
+              <a:t>Quarto nível</a:t>
+            </a:r>
+          </a:p>
+          <a:p>
+            <a:pPr lvl="4"/>
+            <a:r>
+              <a:rPr lang="pt-BR" smtClean="0"/>
+              <a:t>Quinto nível</a:t>
+            </a:r>
+            <a:endParaRPr lang="en-US"/>
+          </a:p>
+        </p:txBody>
+      </p:sp>
+      <p:sp>
+        <p:nvSpPr>
+          <p:cNvPr id="6" name="Espaço Reservado para Rodapé 5"/>
+          <p:cNvSpPr>
+            <a:spLocks noGrp="1"/>
+          </p:cNvSpPr>
+          <p:nvPr>
+            <p:ph type="ftr" sz="quarter" idx="4"/>
+          </p:nvPr>
+        </p:nvSpPr>
+        <p:spPr>
+          <a:xfrm>
+            <a:off x="0" y="8685213"/>
+            <a:ext cx="2971800" cy="457200"/>
+          </a:xfrm>
+          <a:prstGeom prst="rect">
+            <a:avLst/>
+          </a:prstGeom>
+        </p:spPr>
+        <p:txBody>
+          <a:bodyPr vert="horz" lIns="91440" tIns="45720" rIns="91440" bIns="45720" rtlCol="0" anchor="b"/>
+          <a:lstStyle>
+            <a:lvl1pPr algn="l">
+              <a:defRPr sz="1200"/>
+            </a:lvl1pPr>
+          </a:lstStyle>
+          <a:p>
+            <a:endParaRPr lang="en-US"/>
+          </a:p>
+        </p:txBody>
+      </p:sp>
+      <p:sp>
+        <p:nvSpPr>
+          <p:cNvPr id="7" name="Espaço Reservado para Número de Slide 6"/>
+          <p:cNvSpPr>
+            <a:spLocks noGrp="1"/>
+          </p:cNvSpPr>
+          <p:nvPr>
+            <p:ph type="sldNum" sz="quarter" idx="5"/>
+          </p:nvPr>
+        </p:nvSpPr>
+        <p:spPr>
+          <a:xfrm>
+            <a:off x="3884613" y="8685213"/>
+            <a:ext cx="2971800" cy="457200"/>
+          </a:xfrm>
+          <a:prstGeom prst="rect">
+            <a:avLst/>
+          </a:prstGeom>
+        </p:spPr>
+        <p:txBody>
+          <a:bodyPr vert="horz" lIns="91440" tIns="45720" rIns="91440" bIns="45720" rtlCol="0" anchor="b"/>
+          <a:lstStyle>
+            <a:lvl1pPr algn="r">
+              <a:defRPr sz="1200"/>
+            </a:lvl1pPr>
+          </a:lstStyle>
+          <a:p>
+            <a:fld id="{0D40BA9A-8C34-4E95-B6CE-ABC1C2EC3655}" type="slidenum">
+              <a:rPr lang="en-US" smtClean="0"/>
+              <a:t>‹nº›</a:t>
+            </a:fld>
+            <a:endParaRPr lang="en-US"/>
+          </a:p>
+        </p:txBody>
+      </p:sp>
+    </p:spTree>
+  </p:cSld>
+  <p:clrMap bg1="lt1" tx1="dk1" bg2="lt2" tx2="dk2" accent1="accent1" accent2="accent2" accent3="accent3" accent4="accent4" accent5="accent5" accent6="accent6" hlink="hlink" folHlink="folHlink"/>
+  <p:notesStyle>
+    <a:lvl1pPr marL="0" algn="l" defTabSz="914400" rtl="0" eaLnBrk="1" latinLnBrk="0" hangingPunct="1">
+      <a:defRPr sz="1200" kern="1200">
+        <a:solidFill>
+          <a:schemeClr val="tx1"/>
+        </a:solidFill>
+        <a:latin typeface="+mn-lt"/>
+        <a:ea typeface="+mn-ea"/>
+        <a:cs typeface="+mn-cs"/>
+      </a:defRPr>
+    </a:lvl1pPr>
+    <a:lvl2pPr marL="457200" algn="l" defTabSz="914400" rtl="0" eaLnBrk="1" latinLnBrk="0" hangingPunct="1">
+      <a:defRPr sz="1200" kern="1200">
+        <a:solidFill>
+          <a:schemeClr val="tx1"/>
+        </a:solidFill>
+        <a:latin typeface="+mn-lt"/>
+        <a:ea typeface="+mn-ea"/>
+        <a:cs typeface="+mn-cs"/>
+      </a:defRPr>
+    </a:lvl2pPr>
+    <a:lvl3pPr marL="914400" algn="l" defTabSz="914400" rtl="0" eaLnBrk="1" latinLnBrk="0" hangingPunct="1">
+      <a:defRPr sz="1200" kern="1200">
+        <a:solidFill>
+          <a:schemeClr val="tx1"/>
+        </a:solidFill>
+        <a:latin typeface="+mn-lt"/>
+        <a:ea typeface="+mn-ea"/>
+        <a:cs typeface="+mn-cs"/>
+      </a:defRPr>
+    </a:lvl3pPr>
+    <a:lvl4pPr marL="1371600" algn="l" defTabSz="914400" rtl="0" eaLnBrk="1" latinLnBrk="0" hangingPunct="1">
+      <a:defRPr sz="1200" kern="1200">
+        <a:solidFill>
+          <a:schemeClr val="tx1"/>
+        </a:solidFill>
+        <a:latin typeface="+mn-lt"/>
+        <a:ea typeface="+mn-ea"/>
+        <a:cs typeface="+mn-cs"/>
+      </a:defRPr>
+    </a:lvl4pPr>
+    <a:lvl5pPr marL="1828800" algn="l" defTabSz="914400" rtl="0" eaLnBrk="1" latinLnBrk="0" hangingPunct="1">
+      <a:defRPr sz="1200" kern="1200">
+        <a:solidFill>
+          <a:schemeClr val="tx1"/>
+        </a:solidFill>
+        <a:latin typeface="+mn-lt"/>
+        <a:ea typeface="+mn-ea"/>
+        <a:cs typeface="+mn-cs"/>
+      </a:defRPr>
+    </a:lvl5pPr>
+    <a:lvl6pPr marL="2286000" algn="l" defTabSz="914400" rtl="0" eaLnBrk="1" latinLnBrk="0" hangingPunct="1">
+      <a:defRPr sz="1200" kern="1200">
+        <a:solidFill>
+          <a:schemeClr val="tx1"/>
+        </a:solidFill>
+        <a:latin typeface="+mn-lt"/>
+        <a:ea typeface="+mn-ea"/>
+        <a:cs typeface="+mn-cs"/>
+      </a:defRPr>
+    </a:lvl6pPr>
+    <a:lvl7pPr marL="2743200" algn="l" defTabSz="914400" rtl="0" eaLnBrk="1" latinLnBrk="0" hangingPunct="1">
+      <a:defRPr sz="1200" kern="1200">
+        <a:solidFill>
+          <a:schemeClr val="tx1"/>
+        </a:solidFill>
+        <a:latin typeface="+mn-lt"/>
+        <a:ea typeface="+mn-ea"/>
+        <a:cs typeface="+mn-cs"/>
+      </a:defRPr>
+    </a:lvl7pPr>
+    <a:lvl8pPr marL="3200400" algn="l" defTabSz="914400" rtl="0" eaLnBrk="1" latinLnBrk="0" hangingPunct="1">
+      <a:defRPr sz="1200" kern="1200">
+        <a:solidFill>
+          <a:schemeClr val="tx1"/>
+        </a:solidFill>
+        <a:latin typeface="+mn-lt"/>
+        <a:ea typeface="+mn-ea"/>
+        <a:cs typeface="+mn-cs"/>
+      </a:defRPr>
+    </a:lvl8pPr>
+    <a:lvl9pPr marL="3657600" algn="l" defTabSz="914400" rtl="0" eaLnBrk="1" latinLnBrk="0" hangingPunct="1">
+      <a:defRPr sz="1200" kern="1200">
+        <a:solidFill>
+          <a:schemeClr val="tx1"/>
+        </a:solidFill>
+        <a:latin typeface="+mn-lt"/>
+        <a:ea typeface="+mn-ea"/>
+        <a:cs typeface="+mn-cs"/>
+      </a:defRPr>
+    </a:lvl9pPr>
+  </p:notesStyle>
+</p:notesMaster>
+</file>
+
 <file path=ppt/slideLayouts/slideLayout1.xml><?xml version="1.0" encoding="utf-8"?>
 <p:sldLayout xmlns:a="http://schemas.openxmlformats.org/drawingml/2006/main" xmlns:r="http://schemas.openxmlformats.org/officeDocument/2006/relationships" xmlns:p="http://schemas.openxmlformats.org/presentationml/2006/main" showMasterSp="0" type="title" preserve="1">
   <p:cSld name="Slide de título">
@@ -381,7 +736,7 @@
             <a:fld id="{C2467968-5DFB-4666-BA1E-5729241A218D}" type="datetimeFigureOut">
               <a:rPr lang="pt-BR" smtClean="0"/>
               <a:pPr/>
-              <a:t>05/11/2010</a:t>
+              <a:t>08/12/2010</a:t>
             </a:fld>
             <a:endParaRPr lang="pt-BR"/>
           </a:p>
@@ -606,7 +961,7 @@
             <a:fld id="{C2467968-5DFB-4666-BA1E-5729241A218D}" type="datetimeFigureOut">
               <a:rPr lang="pt-BR" smtClean="0"/>
               <a:pPr/>
-              <a:t>05/11/2010</a:t>
+              <a:t>08/12/2010</a:t>
             </a:fld>
             <a:endParaRPr lang="pt-BR"/>
           </a:p>
@@ -888,7 +1243,7 @@
             <a:fld id="{C2467968-5DFB-4666-BA1E-5729241A218D}" type="datetimeFigureOut">
               <a:rPr lang="pt-BR" smtClean="0"/>
               <a:pPr/>
-              <a:t>05/11/2010</a:t>
+              <a:t>08/12/2010</a:t>
             </a:fld>
             <a:endParaRPr lang="pt-BR"/>
           </a:p>
@@ -1069,7 +1424,7 @@
             <a:fld id="{C2467968-5DFB-4666-BA1E-5729241A218D}" type="datetimeFigureOut">
               <a:rPr lang="pt-BR" smtClean="0"/>
               <a:pPr/>
-              <a:t>05/11/2010</a:t>
+              <a:t>08/12/2010</a:t>
             </a:fld>
             <a:endParaRPr lang="pt-BR"/>
           </a:p>
@@ -1429,7 +1784,7 @@
             <a:fld id="{C2467968-5DFB-4666-BA1E-5729241A218D}" type="datetimeFigureOut">
               <a:rPr lang="pt-BR" smtClean="0"/>
               <a:pPr/>
-              <a:t>05/11/2010</a:t>
+              <a:t>08/12/2010</a:t>
             </a:fld>
             <a:endParaRPr lang="pt-BR"/>
           </a:p>
@@ -1718,7 +2073,7 @@
             <a:fld id="{C2467968-5DFB-4666-BA1E-5729241A218D}" type="datetimeFigureOut">
               <a:rPr lang="pt-BR" smtClean="0"/>
               <a:pPr/>
-              <a:t>05/11/2010</a:t>
+              <a:t>08/12/2010</a:t>
             </a:fld>
             <a:endParaRPr lang="pt-BR"/>
           </a:p>
@@ -2142,7 +2497,7 @@
             <a:fld id="{C2467968-5DFB-4666-BA1E-5729241A218D}" type="datetimeFigureOut">
               <a:rPr lang="pt-BR" smtClean="0"/>
               <a:pPr/>
-              <a:t>05/11/2010</a:t>
+              <a:t>08/12/2010</a:t>
             </a:fld>
             <a:endParaRPr lang="pt-BR"/>
           </a:p>
@@ -2259,7 +2614,7 @@
             <a:fld id="{C2467968-5DFB-4666-BA1E-5729241A218D}" type="datetimeFigureOut">
               <a:rPr lang="pt-BR" smtClean="0"/>
               <a:pPr/>
-              <a:t>05/11/2010</a:t>
+              <a:t>08/12/2010</a:t>
             </a:fld>
             <a:endParaRPr lang="pt-BR"/>
           </a:p>
@@ -2351,7 +2706,7 @@
             <a:fld id="{C2467968-5DFB-4666-BA1E-5729241A218D}" type="datetimeFigureOut">
               <a:rPr lang="pt-BR" smtClean="0"/>
               <a:pPr/>
-              <a:t>05/11/2010</a:t>
+              <a:t>08/12/2010</a:t>
             </a:fld>
             <a:endParaRPr lang="pt-BR"/>
           </a:p>
@@ -2631,7 +2986,7 @@
             <a:fld id="{C2467968-5DFB-4666-BA1E-5729241A218D}" type="datetimeFigureOut">
               <a:rPr lang="pt-BR" smtClean="0"/>
               <a:pPr/>
-              <a:t>05/11/2010</a:t>
+              <a:t>08/12/2010</a:t>
             </a:fld>
             <a:endParaRPr lang="pt-BR"/>
           </a:p>
@@ -2999,7 +3354,7 @@
             <a:fld id="{C2467968-5DFB-4666-BA1E-5729241A218D}" type="datetimeFigureOut">
               <a:rPr lang="pt-BR" smtClean="0"/>
               <a:pPr/>
-              <a:t>05/11/2010</a:t>
+              <a:t>08/12/2010</a:t>
             </a:fld>
             <a:endParaRPr lang="pt-BR"/>
           </a:p>
@@ -3438,7 +3793,7 @@
             <a:fld id="{C2467968-5DFB-4666-BA1E-5729241A218D}" type="datetimeFigureOut">
               <a:rPr lang="pt-BR" smtClean="0"/>
               <a:pPr/>
-              <a:t>05/11/2010</a:t>
+              <a:t>08/12/2010</a:t>
             </a:fld>
             <a:endParaRPr lang="pt-BR"/>
           </a:p>
@@ -3869,7 +4224,18 @@
               <a:rPr lang="pt-BR" dirty="0" smtClean="0">
                 <a:latin typeface="Agency FB" pitchFamily="34" charset="0"/>
               </a:rPr>
-              <a:t>Assinatura/Certificado Digital</a:t>
+              <a:t>Assinatura e </a:t>
+            </a:r>
+            <a:br>
+              <a:rPr lang="pt-BR" dirty="0" smtClean="0">
+                <a:latin typeface="Agency FB" pitchFamily="34" charset="0"/>
+              </a:rPr>
+            </a:br>
+            <a:r>
+              <a:rPr lang="pt-BR" dirty="0" smtClean="0">
+                <a:latin typeface="Agency FB" pitchFamily="34" charset="0"/>
+              </a:rPr>
+              <a:t>Certificação Digital</a:t>
             </a:r>
             <a:endParaRPr lang="pt-BR" dirty="0">
               <a:latin typeface="Agency FB" pitchFamily="34" charset="0"/>
@@ -3989,82 +4355,96 @@
         </p:nvSpPr>
         <p:spPr/>
         <p:txBody>
+          <a:bodyPr>
+            <a:normAutofit fontScale="90000"/>
+          </a:bodyPr>
+          <a:lstStyle/>
+          <a:p>
+            <a:r>
+              <a:rPr lang="pt-BR" dirty="0" smtClean="0"/>
+              <a:t>Funções de Resumo Criptográficos</a:t>
+            </a:r>
+            <a:endParaRPr lang="pt-BR" dirty="0"/>
+          </a:p>
+        </p:txBody>
+      </p:sp>
+      <p:sp>
+        <p:nvSpPr>
+          <p:cNvPr id="3" name="Espaço Reservado para Conteúdo 2"/>
+          <p:cNvSpPr>
+            <a:spLocks noGrp="1"/>
+          </p:cNvSpPr>
+          <p:nvPr>
+            <p:ph idx="1"/>
+          </p:nvPr>
+        </p:nvSpPr>
+        <p:spPr/>
+        <p:txBody>
           <a:bodyPr/>
           <a:lstStyle/>
           <a:p>
             <a:r>
               <a:rPr lang="pt-BR" dirty="0" smtClean="0"/>
-              <a:t>Cryptographic Hash Function</a:t>
-            </a:r>
-            <a:endParaRPr lang="en-US" dirty="0"/>
-          </a:p>
-        </p:txBody>
-      </p:sp>
-      <p:pic>
-        <p:nvPicPr>
-          <p:cNvPr id="4" name="Espaço Reservado para Conteúdo 3" descr="500px-Cryptographic_Hash_Function.svg.png"/>
-          <p:cNvPicPr>
-            <a:picLocks noGrp="1" noChangeAspect="1"/>
-          </p:cNvPicPr>
-          <p:nvPr>
-            <p:ph idx="1"/>
-          </p:nvPr>
-        </p:nvPicPr>
-        <p:blipFill>
-          <a:blip r:embed="rId2"/>
-          <a:stretch>
-            <a:fillRect/>
-          </a:stretch>
-        </p:blipFill>
-        <p:spPr>
-          <a:xfrm>
-            <a:off x="1785918" y="1643050"/>
-            <a:ext cx="7104216" cy="4895342"/>
-          </a:xfrm>
-        </p:spPr>
-      </p:pic>
-      <p:sp>
-        <p:nvSpPr>
-          <p:cNvPr id="5" name="CaixaDeTexto 4"/>
-          <p:cNvSpPr txBox="1"/>
-          <p:nvPr/>
-        </p:nvSpPr>
-        <p:spPr>
-          <a:xfrm>
-            <a:off x="285720" y="1785926"/>
-            <a:ext cx="1223412" cy="646331"/>
-          </a:xfrm>
-          <a:prstGeom prst="rect">
-            <a:avLst/>
-          </a:prstGeom>
-          <a:noFill/>
-        </p:spPr>
-        <p:txBody>
-          <a:bodyPr wrap="none" rtlCol="0">
-            <a:spAutoFit/>
-          </a:bodyPr>
-          <a:lstStyle/>
-          <a:p>
-            <a:r>
-              <a:rPr lang="pt-BR" b="1" dirty="0" smtClean="0">
-                <a:latin typeface="Arial" pitchFamily="34" charset="0"/>
-                <a:cs typeface="Arial" pitchFamily="34" charset="0"/>
-              </a:rPr>
-              <a:t>Exemplo;</a:t>
-            </a:r>
-          </a:p>
-          <a:p>
-            <a:r>
-              <a:rPr lang="pt-BR" b="1" dirty="0" smtClean="0">
-                <a:latin typeface="Arial" pitchFamily="34" charset="0"/>
-                <a:cs typeface="Arial" pitchFamily="34" charset="0"/>
-              </a:rPr>
-              <a:t>SHA-1</a:t>
-            </a:r>
-            <a:endParaRPr lang="en-US" b="1" dirty="0">
-              <a:latin typeface="Arial" pitchFamily="34" charset="0"/>
-              <a:cs typeface="Arial" pitchFamily="34" charset="0"/>
-            </a:endParaRPr>
+              <a:t>Funções de Resumo criptográfico.</a:t>
+            </a:r>
+          </a:p>
+          <a:p>
+            <a:pPr lvl="1"/>
+            <a:r>
+              <a:rPr lang="pt-BR" dirty="0" smtClean="0"/>
+              <a:t>Utilizadas para se obter um identificador de uma mensagem lógica;</a:t>
+            </a:r>
+          </a:p>
+          <a:p>
+            <a:pPr lvl="1"/>
+            <a:r>
+              <a:rPr lang="pt-BR" dirty="0" smtClean="0"/>
+              <a:t>Gerador de </a:t>
+            </a:r>
+            <a:r>
+              <a:rPr lang="pt-BR" dirty="0" err="1" smtClean="0"/>
+              <a:t>Message</a:t>
+            </a:r>
+            <a:r>
+              <a:rPr lang="pt-BR" dirty="0" smtClean="0"/>
+              <a:t> Digest.</a:t>
+            </a:r>
+          </a:p>
+          <a:p>
+            <a:r>
+              <a:rPr lang="pt-BR" dirty="0" smtClean="0"/>
+              <a:t>Deve garantir as propriedades;</a:t>
+            </a:r>
+          </a:p>
+          <a:p>
+            <a:pPr lvl="1"/>
+            <a:r>
+              <a:rPr lang="pt-BR" dirty="0" smtClean="0"/>
+              <a:t>Impossível encontrar a mensagem a partir do hash </a:t>
+            </a:r>
+            <a:r>
+              <a:rPr lang="pt-BR" dirty="0" err="1" smtClean="0"/>
+              <a:t>value</a:t>
+            </a:r>
+            <a:r>
+              <a:rPr lang="pt-BR" dirty="0" smtClean="0"/>
+              <a:t> encontrado;</a:t>
+            </a:r>
+          </a:p>
+          <a:p>
+            <a:pPr lvl="1"/>
+            <a:r>
+              <a:rPr lang="pt-BR" dirty="0" smtClean="0"/>
+              <a:t>Impossível existir duas diferentes mensagens com o mesmo hash </a:t>
+            </a:r>
+            <a:r>
+              <a:rPr lang="pt-BR" dirty="0" err="1" smtClean="0"/>
+              <a:t>value</a:t>
+            </a:r>
+            <a:r>
+              <a:rPr lang="pt-BR" dirty="0" smtClean="0"/>
+              <a:t>.</a:t>
+            </a:r>
           </a:p>
         </p:txBody>
       </p:sp>
@@ -4119,43 +4499,77 @@
           <a:p>
             <a:r>
               <a:rPr lang="pt-BR" dirty="0" smtClean="0"/>
-              <a:t>A Assinatura Digital, o SHA-1 e o MD5</a:t>
+              <a:t>Funções de Resumo Criptográficos</a:t>
             </a:r>
             <a:endParaRPr lang="en-US" dirty="0"/>
           </a:p>
         </p:txBody>
       </p:sp>
-      <p:sp>
-        <p:nvSpPr>
-          <p:cNvPr id="3" name="Espaço Reservado para Conteúdo 2"/>
-          <p:cNvSpPr>
-            <a:spLocks noGrp="1"/>
-          </p:cNvSpPr>
+      <p:pic>
+        <p:nvPicPr>
+          <p:cNvPr id="4" name="Espaço Reservado para Conteúdo 3" descr="500px-Cryptographic_Hash_Function.svg.png"/>
+          <p:cNvPicPr>
+            <a:picLocks noGrp="1" noChangeAspect="1"/>
+          </p:cNvPicPr>
           <p:nvPr>
             <p:ph idx="1"/>
           </p:nvPr>
-        </p:nvSpPr>
-        <p:spPr/>
-        <p:txBody>
-          <a:bodyPr/>
-          <a:lstStyle/>
-          <a:p>
-            <a:endParaRPr lang="pt-BR" b="1" dirty="0" smtClean="0"/>
-          </a:p>
-          <a:p>
-            <a:r>
-              <a:rPr lang="pt-BR" b="1" dirty="0" smtClean="0"/>
-              <a:t>Não garantem a altamente a propriedade contra colisão.</a:t>
-            </a:r>
-          </a:p>
-          <a:p>
-            <a:endParaRPr lang="pt-BR" b="1" dirty="0" smtClean="0"/>
-          </a:p>
-          <a:p>
-            <a:r>
-              <a:rPr lang="pt-BR" b="1" dirty="0" smtClean="0"/>
-              <a:t>Continuam sendo utilizadas, porque para assinatura digital o bom senso só cobre a mensagem legível.</a:t>
-            </a:r>
+        </p:nvPicPr>
+        <p:blipFill>
+          <a:blip r:embed="rId2" cstate="print"/>
+          <a:stretch>
+            <a:fillRect/>
+          </a:stretch>
+        </p:blipFill>
+        <p:spPr>
+          <a:xfrm>
+            <a:off x="1785918" y="1643050"/>
+            <a:ext cx="7104216" cy="4895342"/>
+          </a:xfrm>
+        </p:spPr>
+      </p:pic>
+      <p:sp>
+        <p:nvSpPr>
+          <p:cNvPr id="5" name="CaixaDeTexto 4"/>
+          <p:cNvSpPr txBox="1"/>
+          <p:nvPr/>
+        </p:nvSpPr>
+        <p:spPr>
+          <a:xfrm>
+            <a:off x="285720" y="1785926"/>
+            <a:ext cx="1223412" cy="646331"/>
+          </a:xfrm>
+          <a:prstGeom prst="rect">
+            <a:avLst/>
+          </a:prstGeom>
+          <a:noFill/>
+        </p:spPr>
+        <p:txBody>
+          <a:bodyPr wrap="none" rtlCol="0">
+            <a:spAutoFit/>
+          </a:bodyPr>
+          <a:lstStyle/>
+          <a:p>
+            <a:r>
+              <a:rPr lang="pt-BR" b="1" dirty="0" smtClean="0">
+                <a:latin typeface="Arial" pitchFamily="34" charset="0"/>
+                <a:cs typeface="Arial" pitchFamily="34" charset="0"/>
+              </a:rPr>
+              <a:t>Exemplo;</a:t>
+            </a:r>
+          </a:p>
+          <a:p>
+            <a:r>
+              <a:rPr lang="pt-BR" b="1" dirty="0" smtClean="0">
+                <a:latin typeface="Arial" pitchFamily="34" charset="0"/>
+                <a:cs typeface="Arial" pitchFamily="34" charset="0"/>
+              </a:rPr>
+              <a:t>SHA-1</a:t>
+            </a:r>
+            <a:endParaRPr lang="en-US" b="1" dirty="0">
+              <a:latin typeface="Arial" pitchFamily="34" charset="0"/>
+              <a:cs typeface="Arial" pitchFamily="34" charset="0"/>
+            </a:endParaRPr>
           </a:p>
         </p:txBody>
       </p:sp>
@@ -4203,94 +4617,68 @@
         </p:nvSpPr>
         <p:spPr/>
         <p:txBody>
+          <a:bodyPr>
+            <a:normAutofit fontScale="90000"/>
+          </a:bodyPr>
+          <a:lstStyle/>
+          <a:p>
+            <a:r>
+              <a:rPr lang="pt-BR" dirty="0" smtClean="0"/>
+              <a:t>A Assinatura Digital, o </a:t>
+            </a:r>
+            <a:r>
+              <a:rPr lang="pt-BR" dirty="0" smtClean="0">
+                <a:latin typeface="Arial" pitchFamily="34" charset="0"/>
+              </a:rPr>
+              <a:t>SHA-1</a:t>
+            </a:r>
+            <a:r>
+              <a:rPr lang="pt-BR" dirty="0" smtClean="0"/>
+              <a:t> e o </a:t>
+            </a:r>
+            <a:r>
+              <a:rPr lang="pt-BR" dirty="0" smtClean="0">
+                <a:latin typeface="Arial" pitchFamily="34" charset="0"/>
+              </a:rPr>
+              <a:t>MD5</a:t>
+            </a:r>
+            <a:endParaRPr lang="en-US" dirty="0">
+              <a:latin typeface="Arial" pitchFamily="34" charset="0"/>
+            </a:endParaRPr>
+          </a:p>
+        </p:txBody>
+      </p:sp>
+      <p:sp>
+        <p:nvSpPr>
+          <p:cNvPr id="3" name="Espaço Reservado para Conteúdo 2"/>
+          <p:cNvSpPr>
+            <a:spLocks noGrp="1"/>
+          </p:cNvSpPr>
+          <p:nvPr>
+            <p:ph idx="1"/>
+          </p:nvPr>
+        </p:nvSpPr>
+        <p:spPr/>
+        <p:txBody>
           <a:bodyPr/>
           <a:lstStyle/>
           <a:p>
-            <a:r>
-              <a:rPr lang="pt-BR" dirty="0" err="1" smtClean="0"/>
-              <a:t>Estaganografia</a:t>
-            </a:r>
-            <a:r>
-              <a:rPr lang="pt-BR" dirty="0" smtClean="0"/>
-              <a:t> e Criptografia</a:t>
-            </a:r>
-            <a:endParaRPr lang="en-US" dirty="0"/>
-          </a:p>
-        </p:txBody>
-      </p:sp>
-      <p:sp>
-        <p:nvSpPr>
-          <p:cNvPr id="3" name="Espaço Reservado para Conteúdo 2"/>
-          <p:cNvSpPr>
-            <a:spLocks noGrp="1"/>
-          </p:cNvSpPr>
-          <p:nvPr>
-            <p:ph idx="1"/>
-          </p:nvPr>
-        </p:nvSpPr>
-        <p:spPr/>
-        <p:txBody>
-          <a:bodyPr/>
-          <a:lstStyle/>
-          <a:p>
-            <a:endParaRPr lang="pt-BR" dirty="0" smtClean="0"/>
-          </a:p>
-          <a:p>
-            <a:endParaRPr lang="pt-BR" dirty="0" smtClean="0"/>
-          </a:p>
-          <a:p>
-            <a:r>
-              <a:rPr lang="pt-BR" dirty="0" smtClean="0"/>
-              <a:t>Esteganografia do grego, </a:t>
-            </a:r>
-            <a:r>
-              <a:rPr lang="pt-BR" i="1" dirty="0" err="1" smtClean="0"/>
-              <a:t>steganos</a:t>
-            </a:r>
-            <a:r>
-              <a:rPr lang="pt-BR" i="1" dirty="0" smtClean="0"/>
-              <a:t>.</a:t>
-            </a:r>
-          </a:p>
-          <a:p>
-            <a:pPr lvl="1"/>
-            <a:r>
-              <a:rPr lang="pt-BR" i="1" dirty="0" smtClean="0"/>
-              <a:t>Objetivo: </a:t>
-            </a:r>
-            <a:r>
-              <a:rPr lang="pt-BR" dirty="0" smtClean="0"/>
-              <a:t>ocultar uma mensagem existente.</a:t>
-            </a:r>
-          </a:p>
-          <a:p>
-            <a:endParaRPr lang="pt-BR" dirty="0" smtClean="0"/>
-          </a:p>
-          <a:p>
-            <a:r>
-              <a:rPr lang="pt-BR" dirty="0" smtClean="0"/>
-              <a:t>Criptografia do grego </a:t>
-            </a:r>
-            <a:r>
-              <a:rPr lang="pt-BR" i="1" dirty="0" err="1" smtClean="0"/>
-              <a:t>kryptós</a:t>
-            </a:r>
-            <a:r>
-              <a:rPr lang="pt-BR" i="1" dirty="0" smtClean="0"/>
-              <a:t>.</a:t>
-            </a:r>
-          </a:p>
-          <a:p>
-            <a:pPr lvl="1"/>
-            <a:r>
-              <a:rPr lang="pt-BR" i="1" dirty="0" smtClean="0"/>
-              <a:t>Objetivo: </a:t>
-            </a:r>
-            <a:r>
-              <a:rPr lang="pt-BR" dirty="0" smtClean="0"/>
-              <a:t>significa escondido ou em segredo.</a:t>
-            </a:r>
-            <a:endParaRPr lang="en-US" dirty="0"/>
+            <a:endParaRPr lang="pt-BR" b="1" dirty="0" smtClean="0"/>
+          </a:p>
+          <a:p>
+            <a:r>
+              <a:rPr lang="pt-BR" b="1" dirty="0" smtClean="0"/>
+              <a:t>Não garantem a altamente a propriedade contra colisão.</a:t>
+            </a:r>
+          </a:p>
+          <a:p>
+            <a:endParaRPr lang="pt-BR" b="1" dirty="0" smtClean="0"/>
+          </a:p>
+          <a:p>
+            <a:r>
+              <a:rPr lang="pt-BR" b="1" dirty="0" smtClean="0"/>
+              <a:t>Continuam sendo utilizadas, porque para assinatura digital o bom senso só cobre a mensagem legível.</a:t>
+            </a:r>
           </a:p>
         </p:txBody>
       </p:sp>
@@ -4342,8 +4730,12 @@
           <a:lstStyle/>
           <a:p>
             <a:r>
-              <a:rPr lang="pt-BR" dirty="0" smtClean="0"/>
-              <a:t>Criptografia</a:t>
+              <a:rPr lang="pt-BR" dirty="0" err="1" smtClean="0"/>
+              <a:t>Estaganografia</a:t>
+            </a:r>
+            <a:r>
+              <a:rPr lang="pt-BR" dirty="0" smtClean="0"/>
+              <a:t> e Criptografia</a:t>
             </a:r>
             <a:endParaRPr lang="en-US" dirty="0"/>
           </a:p>
@@ -4361,129 +4753,65 @@
         </p:nvSpPr>
         <p:spPr/>
         <p:txBody>
-          <a:bodyPr>
-            <a:normAutofit/>
-          </a:bodyPr>
-          <a:lstStyle/>
-          <a:p>
-            <a:r>
-              <a:rPr lang="en-US" dirty="0" err="1" smtClean="0"/>
-              <a:t>Criptografia</a:t>
-            </a:r>
-            <a:r>
-              <a:rPr lang="en-US" dirty="0" smtClean="0"/>
-              <a:t> </a:t>
-            </a:r>
-            <a:r>
-              <a:rPr lang="en-US" dirty="0" err="1" smtClean="0"/>
-              <a:t>Simétrica</a:t>
-            </a:r>
-            <a:endParaRPr lang="en-US" dirty="0" smtClean="0"/>
+          <a:bodyPr/>
+          <a:lstStyle/>
+          <a:p>
+            <a:endParaRPr lang="pt-BR" dirty="0" smtClean="0"/>
+          </a:p>
+          <a:p>
+            <a:endParaRPr lang="pt-BR" dirty="0" smtClean="0"/>
+          </a:p>
+          <a:p>
+            <a:r>
+              <a:rPr lang="pt-BR" dirty="0" smtClean="0"/>
+              <a:t>Esteganografia do grego, </a:t>
+            </a:r>
+            <a:r>
+              <a:rPr lang="pt-BR" i="1" dirty="0" err="1" smtClean="0"/>
+              <a:t>steganos</a:t>
+            </a:r>
+            <a:r>
+              <a:rPr lang="pt-BR" i="1" dirty="0" smtClean="0"/>
+              <a:t>.</a:t>
+            </a:r>
           </a:p>
           <a:p>
             <a:pPr lvl="1"/>
             <a:r>
-              <a:rPr lang="en-US" dirty="0" err="1" smtClean="0"/>
-              <a:t>Início</a:t>
-            </a:r>
-            <a:r>
-              <a:rPr lang="en-US" dirty="0" smtClean="0"/>
-              <a:t> com </a:t>
-            </a:r>
-            <a:r>
-              <a:rPr lang="en-US" dirty="0" err="1" smtClean="0"/>
-              <a:t>Cifra</a:t>
-            </a:r>
-            <a:r>
-              <a:rPr lang="en-US" dirty="0" smtClean="0"/>
-              <a:t> de Cesar, </a:t>
-            </a:r>
-            <a:r>
-              <a:rPr lang="en-US" dirty="0" err="1" smtClean="0"/>
-              <a:t>Substituição</a:t>
-            </a:r>
-            <a:r>
-              <a:rPr lang="en-US" dirty="0" smtClean="0"/>
-              <a:t> </a:t>
-            </a:r>
-            <a:r>
-              <a:rPr lang="en-US" dirty="0" err="1" smtClean="0"/>
-              <a:t>Monoalfabética</a:t>
-            </a:r>
-            <a:r>
-              <a:rPr lang="en-US" dirty="0" smtClean="0"/>
-              <a:t> e </a:t>
-            </a:r>
-            <a:r>
-              <a:rPr lang="en-US" dirty="0" err="1" smtClean="0"/>
-              <a:t>por</a:t>
-            </a:r>
-            <a:r>
-              <a:rPr lang="en-US" dirty="0" smtClean="0"/>
-              <a:t> </a:t>
-            </a:r>
-            <a:r>
-              <a:rPr lang="en-US" dirty="0" err="1" smtClean="0"/>
-              <a:t>último</a:t>
-            </a:r>
-            <a:r>
-              <a:rPr lang="en-US" dirty="0" smtClean="0"/>
-              <a:t> Vigenère.</a:t>
-            </a:r>
-          </a:p>
-          <a:p>
-            <a:r>
-              <a:rPr lang="en-US" dirty="0" err="1" smtClean="0"/>
-              <a:t>Criptografia</a:t>
-            </a:r>
-            <a:r>
-              <a:rPr lang="en-US" dirty="0" smtClean="0"/>
-              <a:t> </a:t>
-            </a:r>
-            <a:r>
-              <a:rPr lang="en-US" dirty="0" err="1" smtClean="0"/>
-              <a:t>Moderna</a:t>
-            </a:r>
-            <a:endParaRPr lang="en-US" dirty="0" smtClean="0"/>
+              <a:rPr lang="pt-BR" i="1" dirty="0" smtClean="0"/>
+              <a:t>Objetivo: </a:t>
+            </a:r>
+            <a:r>
+              <a:rPr lang="pt-BR" dirty="0" smtClean="0"/>
+              <a:t>ocultar uma mensagem existente.</a:t>
+            </a:r>
+          </a:p>
+          <a:p>
+            <a:endParaRPr lang="pt-BR" dirty="0" smtClean="0"/>
+          </a:p>
+          <a:p>
+            <a:r>
+              <a:rPr lang="pt-BR" dirty="0" smtClean="0"/>
+              <a:t>Criptografia do grego </a:t>
+            </a:r>
+            <a:r>
+              <a:rPr lang="pt-BR" i="1" dirty="0" err="1" smtClean="0"/>
+              <a:t>kryptós</a:t>
+            </a:r>
+            <a:r>
+              <a:rPr lang="pt-BR" i="1" dirty="0" smtClean="0"/>
+              <a:t>.</a:t>
+            </a:r>
           </a:p>
           <a:p>
             <a:pPr lvl="1"/>
             <a:r>
-              <a:rPr lang="en-US" dirty="0" err="1" smtClean="0"/>
-              <a:t>Exemplos</a:t>
-            </a:r>
-            <a:r>
-              <a:rPr lang="en-US" dirty="0" smtClean="0"/>
-              <a:t>;</a:t>
-            </a:r>
-          </a:p>
-          <a:p>
-            <a:pPr lvl="2"/>
-            <a:r>
-              <a:rPr lang="en-US" dirty="0" smtClean="0"/>
-              <a:t>DES e Triple DES (Data Encryption Standard)</a:t>
-            </a:r>
-          </a:p>
-          <a:p>
-            <a:pPr lvl="2"/>
-            <a:r>
-              <a:rPr lang="en-US" dirty="0" smtClean="0"/>
-              <a:t>AES (Advanced Encryption Standard)</a:t>
-            </a:r>
-          </a:p>
-          <a:p>
-            <a:pPr lvl="2"/>
-            <a:r>
-              <a:rPr lang="en-US" dirty="0" smtClean="0"/>
-              <a:t>RC4 (</a:t>
-            </a:r>
-            <a:r>
-              <a:rPr lang="en-US" dirty="0" err="1" smtClean="0"/>
-              <a:t>Rivest</a:t>
-            </a:r>
-            <a:r>
-              <a:rPr lang="en-US" dirty="0" smtClean="0"/>
-              <a:t> Cipher Four)</a:t>
+              <a:rPr lang="pt-BR" i="1" dirty="0" smtClean="0"/>
+              <a:t>Objetivo: </a:t>
+            </a:r>
+            <a:r>
+              <a:rPr lang="pt-BR" dirty="0" smtClean="0"/>
+              <a:t>significa escondido ou em segredo.</a:t>
             </a:r>
             <a:endParaRPr lang="en-US" dirty="0"/>
           </a:p>
@@ -4538,7 +4866,7 @@
           <a:p>
             <a:r>
               <a:rPr lang="pt-BR" dirty="0" smtClean="0"/>
-              <a:t>Criptografia</a:t>
+              <a:t>Criptografia Simétrica</a:t>
             </a:r>
             <a:endParaRPr lang="en-US" dirty="0"/>
           </a:p>
@@ -4556,14 +4884,10 @@
         </p:nvSpPr>
         <p:spPr/>
         <p:txBody>
-          <a:bodyPr/>
-          <a:lstStyle/>
-          <a:p>
-            <a:endParaRPr lang="en-US" dirty="0" smtClean="0"/>
-          </a:p>
-          <a:p>
-            <a:endParaRPr lang="en-US" dirty="0" smtClean="0"/>
-          </a:p>
+          <a:bodyPr>
+            <a:normAutofit/>
+          </a:bodyPr>
+          <a:lstStyle/>
           <a:p>
             <a:r>
               <a:rPr lang="en-US" dirty="0" err="1" smtClean="0"/>
@@ -4575,7 +4899,81 @@
             </a:r>
             <a:r>
               <a:rPr lang="en-US" dirty="0" err="1" smtClean="0"/>
-              <a:t>Assimétrica</a:t>
+              <a:t>Simétrica</a:t>
+            </a:r>
+            <a:endParaRPr lang="en-US" dirty="0" smtClean="0"/>
+          </a:p>
+          <a:p>
+            <a:pPr lvl="1"/>
+            <a:r>
+              <a:rPr lang="en-US" dirty="0" err="1" smtClean="0"/>
+              <a:t>Início</a:t>
+            </a:r>
+            <a:r>
+              <a:rPr lang="en-US" dirty="0" smtClean="0"/>
+              <a:t> com </a:t>
+            </a:r>
+            <a:r>
+              <a:rPr lang="en-US" dirty="0" err="1" smtClean="0"/>
+              <a:t>Cifra</a:t>
+            </a:r>
+            <a:r>
+              <a:rPr lang="en-US" dirty="0" smtClean="0"/>
+              <a:t> de Cesar, </a:t>
+            </a:r>
+            <a:r>
+              <a:rPr lang="en-US" dirty="0" err="1" smtClean="0"/>
+              <a:t>Substituição</a:t>
+            </a:r>
+            <a:r>
+              <a:rPr lang="en-US" dirty="0" smtClean="0"/>
+              <a:t> </a:t>
+            </a:r>
+            <a:r>
+              <a:rPr lang="en-US" dirty="0" err="1" smtClean="0"/>
+              <a:t>Monoalfabética</a:t>
+            </a:r>
+            <a:r>
+              <a:rPr lang="en-US" dirty="0" smtClean="0"/>
+              <a:t> e </a:t>
+            </a:r>
+            <a:r>
+              <a:rPr lang="en-US" dirty="0" err="1" smtClean="0"/>
+              <a:t>por</a:t>
+            </a:r>
+            <a:r>
+              <a:rPr lang="en-US" dirty="0" smtClean="0"/>
+              <a:t> </a:t>
+            </a:r>
+            <a:r>
+              <a:rPr lang="en-US" dirty="0" err="1" smtClean="0"/>
+              <a:t>último</a:t>
+            </a:r>
+            <a:r>
+              <a:rPr lang="en-US" dirty="0" smtClean="0"/>
+              <a:t> Vigenère.</a:t>
+            </a:r>
+          </a:p>
+          <a:p>
+            <a:r>
+              <a:rPr lang="en-US" dirty="0" err="1" smtClean="0"/>
+              <a:t>Criptografia</a:t>
+            </a:r>
+            <a:r>
+              <a:rPr lang="en-US" dirty="0" smtClean="0"/>
+              <a:t> </a:t>
+            </a:r>
+            <a:r>
+              <a:rPr lang="en-US" dirty="0" err="1" smtClean="0"/>
+              <a:t>Moderna</a:t>
+            </a:r>
+            <a:endParaRPr lang="en-US" dirty="0" smtClean="0"/>
+          </a:p>
+          <a:p>
+            <a:pPr lvl="1"/>
+            <a:r>
+              <a:rPr lang="en-US" dirty="0" err="1" smtClean="0"/>
+              <a:t>Exemplos</a:t>
             </a:r>
             <a:r>
               <a:rPr lang="en-US" dirty="0" smtClean="0"/>
@@ -4583,17 +4981,24 @@
             </a:r>
           </a:p>
           <a:p>
-            <a:pPr lvl="1"/>
+            <a:pPr lvl="2"/>
             <a:r>
               <a:rPr lang="en-US" dirty="0" smtClean="0"/>
-              <a:t>Diffie-Hellman key exchange</a:t>
-            </a:r>
-          </a:p>
-          <a:p>
-            <a:pPr lvl="1"/>
+              <a:t>DES e Triple DES (Data Encryption Standard)</a:t>
+            </a:r>
+          </a:p>
+          <a:p>
+            <a:pPr lvl="2"/>
             <a:r>
               <a:rPr lang="en-US" dirty="0" smtClean="0"/>
-              <a:t>RSA (Ron </a:t>
+              <a:t>AES (Advanced Encryption Standard)</a:t>
+            </a:r>
+          </a:p>
+          <a:p>
+            <a:pPr lvl="2"/>
+            <a:r>
+              <a:rPr lang="en-US" dirty="0" smtClean="0"/>
+              <a:t>RC4 (</a:t>
             </a:r>
             <a:r>
               <a:rPr lang="en-US" dirty="0" err="1" smtClean="0"/>
@@ -4601,30 +5006,7 @@
             </a:r>
             <a:r>
               <a:rPr lang="en-US" dirty="0" smtClean="0"/>
-              <a:t>, </a:t>
-            </a:r>
-            <a:r>
-              <a:rPr lang="en-US" dirty="0" err="1" smtClean="0"/>
-              <a:t>Adi</a:t>
-            </a:r>
-            <a:r>
-              <a:rPr lang="en-US" dirty="0" smtClean="0"/>
-              <a:t> Shamir e Leonard </a:t>
-            </a:r>
-            <a:r>
-              <a:rPr lang="en-US" dirty="0" err="1" smtClean="0"/>
-              <a:t>Adleman</a:t>
-            </a:r>
-            <a:r>
-              <a:rPr lang="en-US" dirty="0" smtClean="0"/>
-              <a:t>)</a:t>
-            </a:r>
-          </a:p>
-          <a:p>
-            <a:pPr lvl="1"/>
-            <a:r>
-              <a:rPr lang="en-US" dirty="0" smtClean="0"/>
-              <a:t>DSA (Digital Signature Algorithm)</a:t>
+              <a:t> Cipher Four)</a:t>
             </a:r>
             <a:endParaRPr lang="en-US" dirty="0"/>
           </a:p>
@@ -4679,7 +5061,7 @@
           <a:p>
             <a:r>
               <a:rPr lang="pt-BR" dirty="0" smtClean="0"/>
-              <a:t>Criptografia</a:t>
+              <a:t>Criptografia Assimétrica</a:t>
             </a:r>
             <a:endParaRPr lang="en-US" dirty="0"/>
           </a:p>
@@ -4697,62 +5079,58 @@
         </p:nvSpPr>
         <p:spPr/>
         <p:txBody>
-          <a:bodyPr>
-            <a:normAutofit fontScale="92500" lnSpcReduction="10000"/>
-          </a:bodyPr>
-          <a:lstStyle/>
-          <a:p>
-            <a:r>
-              <a:rPr lang="pt-BR" dirty="0" smtClean="0"/>
-              <a:t>Comparativo dos modelos de Criptografia</a:t>
-            </a:r>
-          </a:p>
-          <a:p>
-            <a:pPr lvl="1"/>
-            <a:r>
-              <a:rPr lang="pt-BR" dirty="0" smtClean="0"/>
-              <a:t>Criptografia Simétrica</a:t>
-            </a:r>
-          </a:p>
-          <a:p>
-            <a:pPr lvl="2"/>
-            <a:r>
-              <a:rPr lang="pt-BR" dirty="0" smtClean="0"/>
-              <a:t>Vantagem: Velocidade de Processamento</a:t>
-            </a:r>
-          </a:p>
-          <a:p>
-            <a:pPr lvl="2"/>
-            <a:r>
-              <a:rPr lang="pt-BR" dirty="0" smtClean="0"/>
-              <a:t>Desvantagem: Troca de chave secreta, Dificuldade de gerenciamento em larga escala	</a:t>
-            </a:r>
-          </a:p>
-          <a:p>
-            <a:pPr lvl="1"/>
-            <a:r>
-              <a:rPr lang="pt-BR" dirty="0" smtClean="0"/>
-              <a:t>Criptografia Assimétrica:</a:t>
-            </a:r>
-          </a:p>
-          <a:p>
-            <a:pPr lvl="2"/>
-            <a:r>
-              <a:rPr lang="pt-BR" dirty="0" smtClean="0"/>
-              <a:t>Vantagem: Facilidade no gerenciamento e divulgação da chave</a:t>
-            </a:r>
-          </a:p>
-          <a:p>
-            <a:pPr lvl="2"/>
-            <a:r>
-              <a:rPr lang="pt-BR" dirty="0" smtClean="0"/>
-              <a:t>Desvantagem: Performance</a:t>
-            </a:r>
-          </a:p>
-          <a:p>
-            <a:r>
-              <a:rPr lang="pt-BR" dirty="0" smtClean="0"/>
-              <a:t>A nível de curiosidade (Junção dos dois modelos Criptográficos) HTTPS ou SSL</a:t>
+          <a:bodyPr/>
+          <a:lstStyle/>
+          <a:p>
+            <a:endParaRPr lang="en-US" dirty="0" smtClean="0"/>
+          </a:p>
+          <a:p>
+            <a:endParaRPr lang="en-US" dirty="0" smtClean="0"/>
+          </a:p>
+          <a:p>
+            <a:r>
+              <a:rPr lang="en-US" dirty="0" smtClean="0"/>
+              <a:t>Diffie-Hellman </a:t>
+            </a:r>
+            <a:r>
+              <a:rPr lang="en-US" dirty="0" smtClean="0"/>
+              <a:t>key exchange</a:t>
+            </a:r>
+          </a:p>
+          <a:p>
+            <a:r>
+              <a:rPr lang="en-US" dirty="0" smtClean="0"/>
+              <a:t>RSA (Ron </a:t>
+            </a:r>
+            <a:r>
+              <a:rPr lang="en-US" dirty="0" err="1" smtClean="0"/>
+              <a:t>Rivest</a:t>
+            </a:r>
+            <a:r>
+              <a:rPr lang="en-US" dirty="0" smtClean="0"/>
+              <a:t>, </a:t>
+            </a:r>
+            <a:r>
+              <a:rPr lang="en-US" dirty="0" err="1" smtClean="0"/>
+              <a:t>Adi</a:t>
+            </a:r>
+            <a:r>
+              <a:rPr lang="en-US" dirty="0" smtClean="0"/>
+              <a:t> Shamir e Leonard </a:t>
+            </a:r>
+            <a:r>
+              <a:rPr lang="en-US" dirty="0" err="1" smtClean="0"/>
+              <a:t>Adleman</a:t>
+            </a:r>
+            <a:r>
+              <a:rPr lang="en-US" dirty="0" smtClean="0"/>
+              <a:t>)</a:t>
+            </a:r>
+          </a:p>
+          <a:p>
+            <a:r>
+              <a:rPr lang="en-US" dirty="0" smtClean="0"/>
+              <a:t>DSA (Digital Signature Algorithm)</a:t>
             </a:r>
             <a:endParaRPr lang="en-US" dirty="0"/>
           </a:p>
@@ -4802,14 +5180,15 @@
         </p:nvSpPr>
         <p:spPr/>
         <p:txBody>
-          <a:bodyPr/>
-          <a:lstStyle/>
-          <a:p>
-            <a:r>
-              <a:rPr lang="pt-BR" dirty="0" smtClean="0"/>
-              <a:t>ICP / PKI</a:t>
-            </a:r>
-            <a:endParaRPr lang="en-US" dirty="0"/>
+          <a:bodyPr>
+            <a:normAutofit fontScale="90000"/>
+          </a:bodyPr>
+          <a:lstStyle/>
+          <a:p>
+            <a:r>
+              <a:rPr lang="pt-BR" dirty="0" smtClean="0"/>
+              <a:t>Comparativo dos modelos de Criptografia</a:t>
+            </a:r>
           </a:p>
         </p:txBody>
       </p:sp>
@@ -4830,25 +5209,55 @@
           </a:bodyPr>
           <a:lstStyle/>
           <a:p>
-            <a:endParaRPr lang="pt-BR" dirty="0" smtClean="0"/>
-          </a:p>
-          <a:p>
-            <a:r>
-              <a:rPr lang="pt-BR" dirty="0" smtClean="0"/>
-              <a:t>O objetivo principal de uma infra-estrutura de chaves públicas é estabelecer a relação de confiança entre os que utilizam os certificados digitais.</a:t>
-            </a:r>
-          </a:p>
-          <a:p>
-            <a:r>
-              <a:rPr lang="pt-BR" dirty="0" smtClean="0"/>
-              <a:t>É uma hierarquia de confiança, como os órgãos emissores de documentos tradicionais</a:t>
-            </a:r>
-          </a:p>
-          <a:p>
-            <a:pPr>
-              <a:buNone/>
-            </a:pPr>
-            <a:endParaRPr lang="pt-BR" dirty="0" smtClean="0"/>
+            <a:r>
+              <a:rPr lang="pt-BR" dirty="0" smtClean="0"/>
+              <a:t>Criptografia </a:t>
+            </a:r>
+            <a:r>
+              <a:rPr lang="pt-BR" dirty="0" smtClean="0"/>
+              <a:t>Simétrica</a:t>
+            </a:r>
+          </a:p>
+          <a:p>
+            <a:pPr lvl="2"/>
+            <a:r>
+              <a:rPr lang="pt-BR" dirty="0" smtClean="0"/>
+              <a:t>Vantagem: Velocidade de Processamento</a:t>
+            </a:r>
+          </a:p>
+          <a:p>
+            <a:pPr lvl="2"/>
+            <a:r>
+              <a:rPr lang="pt-BR" dirty="0" smtClean="0"/>
+              <a:t>Desvantagem: Troca de chave secreta, Dificuldade de gerenciamento em larga escala	</a:t>
+            </a:r>
+          </a:p>
+          <a:p>
+            <a:r>
+              <a:rPr lang="pt-BR" dirty="0" smtClean="0"/>
+              <a:t>Criptografia Assimétrica:</a:t>
+            </a:r>
+          </a:p>
+          <a:p>
+            <a:pPr lvl="2"/>
+            <a:r>
+              <a:rPr lang="pt-BR" dirty="0" smtClean="0"/>
+              <a:t>Vantagem: Facilidade no gerenciamento e divulgação da chave</a:t>
+            </a:r>
+          </a:p>
+          <a:p>
+            <a:pPr lvl="2"/>
+            <a:r>
+              <a:rPr lang="pt-BR" dirty="0" smtClean="0"/>
+              <a:t>Desvantagem: Performance</a:t>
+            </a:r>
+          </a:p>
+          <a:p>
+            <a:r>
+              <a:rPr lang="pt-BR" dirty="0" smtClean="0"/>
+              <a:t>A nível de curiosidade (Junção dos dois modelos Criptográficos) HTTPS ou SSL</a:t>
+            </a:r>
+            <a:endParaRPr lang="en-US" dirty="0"/>
           </a:p>
         </p:txBody>
       </p:sp>
@@ -4901,7 +5310,7 @@
           <a:p>
             <a:r>
               <a:rPr lang="pt-BR" dirty="0" smtClean="0"/>
-              <a:t>Certificado Digital</a:t>
+              <a:t>ICP / PKI</a:t>
             </a:r>
             <a:endParaRPr lang="en-US" dirty="0"/>
           </a:p>
@@ -4920,69 +5329,29 @@
         <p:spPr/>
         <p:txBody>
           <a:bodyPr>
-            <a:normAutofit fontScale="85000" lnSpcReduction="20000"/>
+            <a:normAutofit/>
           </a:bodyPr>
           <a:lstStyle/>
           <a:p>
-            <a:r>
-              <a:rPr lang="pt-BR" dirty="0" smtClean="0"/>
-              <a:t>O certificado digital é um documento eletrônico assinado digitalmente pelo a AC que emitiu o certificado.</a:t>
-            </a:r>
-          </a:p>
-          <a:p>
-            <a:r>
-              <a:rPr lang="pt-BR" dirty="0" smtClean="0"/>
-              <a:t>Tem a função de associar uma pessoa a sua chave pública, sua identificação.</a:t>
-            </a:r>
-          </a:p>
-          <a:p>
-            <a:r>
-              <a:rPr lang="pt-BR" dirty="0" smtClean="0"/>
-              <a:t>Algumas informações contidas no Arquivo;</a:t>
-            </a:r>
-          </a:p>
-          <a:p>
-            <a:pPr lvl="1"/>
-            <a:r>
-              <a:rPr lang="pt-BR" dirty="0" smtClean="0"/>
-              <a:t>Nome da pessoa associada a chave pública;</a:t>
-            </a:r>
-          </a:p>
-          <a:p>
-            <a:pPr lvl="1"/>
-            <a:r>
-              <a:rPr lang="pt-BR" dirty="0" smtClean="0"/>
-              <a:t>Período de validade;</a:t>
-            </a:r>
-          </a:p>
-          <a:p>
-            <a:pPr lvl="1"/>
-            <a:r>
-              <a:rPr lang="pt-BR" dirty="0" smtClean="0"/>
-              <a:t>Chave pública;</a:t>
-            </a:r>
-          </a:p>
-          <a:p>
-            <a:pPr lvl="1"/>
-            <a:r>
-              <a:rPr lang="pt-BR" dirty="0" smtClean="0"/>
-              <a:t>Nome da entidade AC que emitiu o certificado;</a:t>
-            </a:r>
-          </a:p>
-          <a:p>
-            <a:pPr lvl="1"/>
-            <a:r>
-              <a:rPr lang="pt-BR" dirty="0" smtClean="0"/>
-              <a:t>Número de Série;</a:t>
-            </a:r>
-          </a:p>
-          <a:p>
-            <a:pPr lvl="1"/>
-            <a:r>
-              <a:rPr lang="pt-BR" dirty="0" smtClean="0"/>
-              <a:t>etc.</a:t>
-            </a:r>
-            <a:endParaRPr lang="en-US" dirty="0"/>
+            <a:endParaRPr lang="pt-BR" dirty="0" smtClean="0"/>
+          </a:p>
+          <a:p>
+            <a:r>
+              <a:rPr lang="pt-BR" dirty="0" smtClean="0"/>
+              <a:t>O objetivo principal de uma infra-estrutura de chaves públicas é estabelecer a relação de confiança entre os que utilizam os certificados digitais.</a:t>
+            </a:r>
+          </a:p>
+          <a:p>
+            <a:r>
+              <a:rPr lang="pt-BR" dirty="0" smtClean="0"/>
+              <a:t>É uma hierarquia de confiança, como os órgãos emissores de documentos tradicionais</a:t>
+            </a:r>
+          </a:p>
+          <a:p>
+            <a:pPr>
+              <a:buNone/>
+            </a:pPr>
+            <a:endParaRPr lang="pt-BR" dirty="0" smtClean="0"/>
           </a:p>
         </p:txBody>
       </p:sp>
@@ -5035,7 +5404,7 @@
           <a:p>
             <a:r>
               <a:rPr lang="pt-BR" dirty="0" smtClean="0"/>
-              <a:t>ICP / PKI</a:t>
+              <a:t>Certificado Digital</a:t>
             </a:r>
             <a:endParaRPr lang="en-US" dirty="0"/>
           </a:p>
@@ -5053,44 +5422,68 @@
         </p:nvSpPr>
         <p:spPr/>
         <p:txBody>
-          <a:bodyPr/>
-          <a:lstStyle/>
-          <a:p>
-            <a:r>
-              <a:rPr lang="pt-BR" dirty="0" smtClean="0"/>
-              <a:t>AC -&gt; Autoridade Certificadora</a:t>
+          <a:bodyPr>
+            <a:normAutofit fontScale="85000" lnSpcReduction="20000"/>
+          </a:bodyPr>
+          <a:lstStyle/>
+          <a:p>
+            <a:r>
+              <a:rPr lang="pt-BR" dirty="0" smtClean="0"/>
+              <a:t>O certificado digital é um documento eletrônico assinado digitalmente pelo a AC que emitiu o certificado.</a:t>
+            </a:r>
+          </a:p>
+          <a:p>
+            <a:r>
+              <a:rPr lang="pt-BR" dirty="0" smtClean="0"/>
+              <a:t>Tem a função de associar uma pessoa a sua chave pública, sua identificação.</a:t>
+            </a:r>
+          </a:p>
+          <a:p>
+            <a:r>
+              <a:rPr lang="pt-BR" dirty="0" smtClean="0"/>
+              <a:t>Algumas informações contidas no Arquivo;</a:t>
             </a:r>
           </a:p>
           <a:p>
             <a:pPr lvl="1"/>
             <a:r>
               <a:rPr lang="pt-BR" dirty="0" smtClean="0"/>
-              <a:t>É o principal componente da PKI</a:t>
+              <a:t>Nome da pessoa associada a chave pública;</a:t>
             </a:r>
           </a:p>
           <a:p>
             <a:pPr lvl="1"/>
             <a:r>
               <a:rPr lang="pt-BR" dirty="0" smtClean="0"/>
-              <a:t>Emite e gerencia o ciclo de vida do</a:t>
-            </a:r>
-          </a:p>
-          <a:p>
-            <a:endParaRPr lang="pt-BR" dirty="0" smtClean="0"/>
-          </a:p>
-          <a:p>
-            <a:r>
-              <a:rPr lang="pt-BR" dirty="0" smtClean="0"/>
-              <a:t>Semelhante aos órgãos emissores de documentos de identidade.</a:t>
-            </a:r>
-          </a:p>
-          <a:p>
-            <a:endParaRPr lang="pt-BR" dirty="0" smtClean="0"/>
-          </a:p>
-          <a:p>
-            <a:r>
-              <a:rPr lang="pt-BR" dirty="0" smtClean="0"/>
-              <a:t>Cadeia de Certificação.</a:t>
+              <a:t>Período de validade;</a:t>
+            </a:r>
+          </a:p>
+          <a:p>
+            <a:pPr lvl="1"/>
+            <a:r>
+              <a:rPr lang="pt-BR" dirty="0" smtClean="0"/>
+              <a:t>Chave pública;</a:t>
+            </a:r>
+          </a:p>
+          <a:p>
+            <a:pPr lvl="1"/>
+            <a:r>
+              <a:rPr lang="pt-BR" dirty="0" smtClean="0"/>
+              <a:t>Nome da entidade AC que emitiu o certificado;</a:t>
+            </a:r>
+          </a:p>
+          <a:p>
+            <a:pPr lvl="1"/>
+            <a:r>
+              <a:rPr lang="pt-BR" dirty="0" smtClean="0"/>
+              <a:t>Número de Série;</a:t>
+            </a:r>
+          </a:p>
+          <a:p>
+            <a:pPr lvl="1"/>
+            <a:r>
+              <a:rPr lang="pt-BR" dirty="0" smtClean="0"/>
+              <a:t>etc.</a:t>
             </a:r>
             <a:endParaRPr lang="en-US" dirty="0"/>
           </a:p>
@@ -5140,183 +5533,67 @@
         </p:nvSpPr>
         <p:spPr/>
         <p:txBody>
-          <a:bodyPr>
-            <a:normAutofit fontScale="90000"/>
-          </a:bodyPr>
-          <a:lstStyle/>
-          <a:p>
-            <a:r>
-              <a:rPr lang="pt-BR" dirty="0" smtClean="0"/>
-              <a:t>MEIOS DE ARMAZENAMENTO DA IDENTIDADE DIGITAL</a:t>
+          <a:bodyPr/>
+          <a:lstStyle/>
+          <a:p>
+            <a:r>
+              <a:rPr lang="pt-BR" dirty="0" smtClean="0"/>
+              <a:t>ICP / PKI</a:t>
             </a:r>
             <a:endParaRPr lang="en-US" dirty="0"/>
           </a:p>
         </p:txBody>
       </p:sp>
-      <p:pic>
-        <p:nvPicPr>
-          <p:cNvPr id="4" name="Espaço Reservado para Conteúdo 3" descr="e-CPF.gif"/>
-          <p:cNvPicPr>
-            <a:picLocks noGrp="1" noChangeAspect="1"/>
-          </p:cNvPicPr>
+      <p:sp>
+        <p:nvSpPr>
+          <p:cNvPr id="3" name="Espaço Reservado para Conteúdo 2"/>
+          <p:cNvSpPr>
+            <a:spLocks noGrp="1"/>
+          </p:cNvSpPr>
           <p:nvPr>
             <p:ph idx="1"/>
           </p:nvPr>
-        </p:nvPicPr>
-        <p:blipFill>
-          <a:blip r:embed="rId2"/>
-          <a:stretch>
-            <a:fillRect/>
-          </a:stretch>
-        </p:blipFill>
-        <p:spPr>
-          <a:xfrm>
-            <a:off x="357158" y="2784870"/>
-            <a:ext cx="4257722" cy="2715832"/>
-          </a:xfrm>
-        </p:spPr>
-      </p:pic>
-      <p:pic>
-        <p:nvPicPr>
-          <p:cNvPr id="5" name="Imagem 4" descr="token+example.jpg"/>
-          <p:cNvPicPr>
-            <a:picLocks noChangeAspect="1"/>
-          </p:cNvPicPr>
-          <p:nvPr/>
-        </p:nvPicPr>
-        <p:blipFill>
-          <a:blip r:embed="rId3"/>
-          <a:stretch>
-            <a:fillRect/>
-          </a:stretch>
-        </p:blipFill>
-        <p:spPr>
-          <a:xfrm>
-            <a:off x="4738689" y="3500438"/>
-            <a:ext cx="4206865" cy="3155149"/>
-          </a:xfrm>
-          <a:prstGeom prst="rect">
-            <a:avLst/>
-          </a:prstGeom>
-        </p:spPr>
-      </p:pic>
-      <p:sp>
-        <p:nvSpPr>
-          <p:cNvPr id="6" name="CaixaDeTexto 5"/>
-          <p:cNvSpPr txBox="1"/>
-          <p:nvPr/>
-        </p:nvSpPr>
-        <p:spPr>
-          <a:xfrm>
-            <a:off x="4597026" y="2928934"/>
-            <a:ext cx="1260858" cy="369332"/>
-          </a:xfrm>
-          <a:prstGeom prst="rect">
-            <a:avLst/>
-          </a:prstGeom>
-          <a:noFill/>
-        </p:spPr>
-        <p:txBody>
-          <a:bodyPr wrap="none" rtlCol="0">
-            <a:spAutoFit/>
-          </a:bodyPr>
-          <a:lstStyle/>
-          <a:p>
-            <a:r>
-              <a:rPr lang="pt-BR" dirty="0" err="1" smtClean="0"/>
-              <a:t>Smart</a:t>
-            </a:r>
-            <a:r>
-              <a:rPr lang="pt-BR" dirty="0" smtClean="0"/>
-              <a:t> </a:t>
-            </a:r>
-            <a:r>
-              <a:rPr lang="pt-BR" dirty="0" err="1" smtClean="0"/>
-              <a:t>Card</a:t>
-            </a:r>
-            <a:endParaRPr lang="en-US" dirty="0"/>
-          </a:p>
-        </p:txBody>
-      </p:sp>
-      <p:sp>
-        <p:nvSpPr>
-          <p:cNvPr id="7" name="CaixaDeTexto 6"/>
-          <p:cNvSpPr txBox="1"/>
-          <p:nvPr/>
-        </p:nvSpPr>
-        <p:spPr>
-          <a:xfrm>
-            <a:off x="4572000" y="6286520"/>
-            <a:ext cx="766620" cy="369332"/>
-          </a:xfrm>
-          <a:prstGeom prst="rect">
-            <a:avLst/>
-          </a:prstGeom>
-          <a:noFill/>
-        </p:spPr>
-        <p:txBody>
-          <a:bodyPr wrap="none" rtlCol="0">
-            <a:spAutoFit/>
-          </a:bodyPr>
-          <a:lstStyle/>
-          <a:p>
-            <a:r>
-              <a:rPr lang="pt-BR" dirty="0" err="1" smtClean="0"/>
-              <a:t>Token</a:t>
-            </a:r>
-            <a:endParaRPr lang="en-US" dirty="0"/>
-          </a:p>
-        </p:txBody>
-      </p:sp>
-      <p:pic>
-        <p:nvPicPr>
-          <p:cNvPr id="8" name="Imagem 7" descr="aPFXFile.png"/>
-          <p:cNvPicPr>
-            <a:picLocks noChangeAspect="1"/>
-          </p:cNvPicPr>
-          <p:nvPr/>
-        </p:nvPicPr>
-        <p:blipFill>
-          <a:blip r:embed="rId4"/>
-          <a:stretch>
-            <a:fillRect/>
-          </a:stretch>
-        </p:blipFill>
-        <p:spPr>
-          <a:xfrm>
-            <a:off x="5786446" y="1643050"/>
-            <a:ext cx="1062138" cy="1521442"/>
-          </a:xfrm>
-          <a:prstGeom prst="rect">
-            <a:avLst/>
-          </a:prstGeom>
-        </p:spPr>
-      </p:pic>
-      <p:sp>
-        <p:nvSpPr>
-          <p:cNvPr id="9" name="CaixaDeTexto 8"/>
-          <p:cNvSpPr txBox="1"/>
-          <p:nvPr/>
-        </p:nvSpPr>
-        <p:spPr>
-          <a:xfrm>
-            <a:off x="6715140" y="1714488"/>
-            <a:ext cx="1361270" cy="369332"/>
-          </a:xfrm>
-          <a:prstGeom prst="rect">
-            <a:avLst/>
-          </a:prstGeom>
-          <a:noFill/>
-        </p:spPr>
-        <p:txBody>
-          <a:bodyPr wrap="none" rtlCol="0">
-            <a:spAutoFit/>
-          </a:bodyPr>
-          <a:lstStyle/>
-          <a:p>
-            <a:r>
-              <a:rPr lang="pt-BR" dirty="0" smtClean="0"/>
-              <a:t>Arquivo PFX</a:t>
+        </p:nvSpPr>
+        <p:spPr/>
+        <p:txBody>
+          <a:bodyPr/>
+          <a:lstStyle/>
+          <a:p>
+            <a:r>
+              <a:rPr lang="pt-BR" dirty="0" smtClean="0"/>
+              <a:t>AC -&gt; Autoridade Certificadora</a:t>
+            </a:r>
+          </a:p>
+          <a:p>
+            <a:pPr lvl="1"/>
+            <a:r>
+              <a:rPr lang="pt-BR" dirty="0" smtClean="0"/>
+              <a:t>É o principal componente da PKI</a:t>
+            </a:r>
+          </a:p>
+          <a:p>
+            <a:pPr lvl="1"/>
+            <a:r>
+              <a:rPr lang="pt-BR" dirty="0" smtClean="0"/>
+              <a:t>Emite e gerencia o ciclo de vida do</a:t>
+            </a:r>
+          </a:p>
+          <a:p>
+            <a:endParaRPr lang="pt-BR" dirty="0" smtClean="0"/>
+          </a:p>
+          <a:p>
+            <a:r>
+              <a:rPr lang="pt-BR" dirty="0" smtClean="0"/>
+              <a:t>Semelhante aos órgãos emissores de documentos de identidade.</a:t>
+            </a:r>
+          </a:p>
+          <a:p>
+            <a:endParaRPr lang="pt-BR" dirty="0" smtClean="0"/>
+          </a:p>
+          <a:p>
+            <a:r>
+              <a:rPr lang="pt-BR" dirty="0" smtClean="0"/>
+              <a:t>Cadeia de Certificação.</a:t>
             </a:r>
             <a:endParaRPr lang="en-US" dirty="0"/>
           </a:p>
@@ -5366,14 +5643,12 @@
         </p:nvSpPr>
         <p:spPr/>
         <p:txBody>
-          <a:bodyPr>
-            <a:normAutofit fontScale="90000"/>
-          </a:bodyPr>
-          <a:lstStyle/>
-          <a:p>
-            <a:r>
-              <a:rPr lang="pt-BR" dirty="0" smtClean="0"/>
-              <a:t>Modelo tradicional de identificação </a:t>
+          <a:bodyPr/>
+          <a:lstStyle/>
+          <a:p>
+            <a:r>
+              <a:rPr lang="pt-BR" dirty="0" smtClean="0"/>
+              <a:t>Objetivos</a:t>
             </a:r>
             <a:endParaRPr lang="pt-BR" dirty="0"/>
           </a:p>
@@ -5391,7 +5666,7 @@
         </p:nvSpPr>
         <p:spPr>
           <a:xfrm>
-            <a:off x="395536" y="2636912"/>
+            <a:off x="323528" y="1988840"/>
             <a:ext cx="8229600" cy="4625609"/>
           </a:xfrm>
         </p:spPr>
@@ -5401,25 +5676,20 @@
           <a:p>
             <a:r>
               <a:rPr lang="pt-BR" dirty="0" smtClean="0"/>
-              <a:t>Identidade e as formas de identificação. </a:t>
-            </a:r>
-          </a:p>
-          <a:p>
-            <a:r>
-              <a:rPr lang="pt-BR" dirty="0" smtClean="0"/>
-              <a:t>Confiabilidade e Autoridades.</a:t>
-            </a:r>
-          </a:p>
-          <a:p>
-            <a:r>
-              <a:rPr lang="pt-BR" dirty="0" smtClean="0"/>
-              <a:t> Assinatura manuscrita.</a:t>
-            </a:r>
-          </a:p>
-          <a:p>
-            <a:endParaRPr lang="pt-BR" dirty="0" smtClean="0"/>
-          </a:p>
-          <a:p>
+              <a:t>Trazer a popularização do conceito e da aplicabilidade da certificação digital, assim como a sua viabilidade.</a:t>
+            </a:r>
+          </a:p>
+          <a:p>
+            <a:r>
+              <a:rPr lang="pt-BR" dirty="0" smtClean="0"/>
+              <a:t>Explicar o processo de assinar digitalmente.</a:t>
+            </a:r>
+          </a:p>
+          <a:p>
+            <a:r>
+              <a:rPr lang="pt-BR" dirty="0" smtClean="0"/>
+              <a:t>Apresentar uma aplicação como exemplo da utilização dos recursos da certificação digital.</a:t>
+            </a:r>
             <a:endParaRPr lang="pt-BR" dirty="0"/>
           </a:p>
         </p:txBody>
@@ -5468,12 +5738,18 @@
         </p:nvSpPr>
         <p:spPr/>
         <p:txBody>
-          <a:bodyPr/>
-          <a:lstStyle/>
-          <a:p>
-            <a:r>
-              <a:rPr lang="pt-BR" dirty="0" smtClean="0"/>
-              <a:t>Assinatura na prática</a:t>
+          <a:bodyPr>
+            <a:normAutofit fontScale="90000"/>
+          </a:bodyPr>
+          <a:lstStyle/>
+          <a:p>
+            <a:r>
+              <a:rPr lang="pt-BR" dirty="0" smtClean="0"/>
+              <a:t>MEIOS DE ARMAZENAMENTO DA IDENTIDADE </a:t>
+            </a:r>
+            <a:r>
+              <a:rPr lang="pt-BR" dirty="0" smtClean="0"/>
+              <a:t>DIGITAL (KEYSTORE)</a:t>
             </a:r>
             <a:endParaRPr lang="en-US" dirty="0"/>
           </a:p>
@@ -5481,7 +5757,7 @@
       </p:sp>
       <p:pic>
         <p:nvPicPr>
-          <p:cNvPr id="4" name="Espaço Reservado para Conteúdo 3" descr="Digital_Signature_diagram.png"/>
+          <p:cNvPr id="4" name="Espaço Reservado para Conteúdo 3" descr="e-CPF.gif"/>
           <p:cNvPicPr>
             <a:picLocks noGrp="1" noChangeAspect="1"/>
           </p:cNvPicPr>
@@ -5490,18 +5766,164 @@
           </p:nvPr>
         </p:nvPicPr>
         <p:blipFill>
-          <a:blip r:embed="rId2"/>
+          <a:blip r:embed="rId2" cstate="print"/>
           <a:stretch>
             <a:fillRect/>
           </a:stretch>
         </p:blipFill>
         <p:spPr>
           <a:xfrm>
-            <a:off x="567238" y="2910113"/>
-            <a:ext cx="8009524" cy="1733333"/>
+            <a:off x="357158" y="2784870"/>
+            <a:ext cx="4257722" cy="2715832"/>
           </a:xfrm>
         </p:spPr>
       </p:pic>
+      <p:pic>
+        <p:nvPicPr>
+          <p:cNvPr id="5" name="Imagem 4" descr="token+example.jpg"/>
+          <p:cNvPicPr>
+            <a:picLocks noChangeAspect="1"/>
+          </p:cNvPicPr>
+          <p:nvPr/>
+        </p:nvPicPr>
+        <p:blipFill>
+          <a:blip r:embed="rId3" cstate="print"/>
+          <a:stretch>
+            <a:fillRect/>
+          </a:stretch>
+        </p:blipFill>
+        <p:spPr>
+          <a:xfrm>
+            <a:off x="4738689" y="3500438"/>
+            <a:ext cx="4206865" cy="3155149"/>
+          </a:xfrm>
+          <a:prstGeom prst="rect">
+            <a:avLst/>
+          </a:prstGeom>
+        </p:spPr>
+      </p:pic>
+      <p:sp>
+        <p:nvSpPr>
+          <p:cNvPr id="6" name="CaixaDeTexto 5"/>
+          <p:cNvSpPr txBox="1"/>
+          <p:nvPr/>
+        </p:nvSpPr>
+        <p:spPr>
+          <a:xfrm>
+            <a:off x="4597026" y="2928934"/>
+            <a:ext cx="1260858" cy="369332"/>
+          </a:xfrm>
+          <a:prstGeom prst="rect">
+            <a:avLst/>
+          </a:prstGeom>
+          <a:noFill/>
+        </p:spPr>
+        <p:txBody>
+          <a:bodyPr wrap="none" rtlCol="0">
+            <a:spAutoFit/>
+          </a:bodyPr>
+          <a:lstStyle/>
+          <a:p>
+            <a:r>
+              <a:rPr lang="pt-BR" dirty="0" err="1" smtClean="0"/>
+              <a:t>Smart</a:t>
+            </a:r>
+            <a:r>
+              <a:rPr lang="pt-BR" dirty="0" smtClean="0"/>
+              <a:t> </a:t>
+            </a:r>
+            <a:r>
+              <a:rPr lang="pt-BR" dirty="0" err="1" smtClean="0"/>
+              <a:t>Card</a:t>
+            </a:r>
+            <a:endParaRPr lang="en-US" dirty="0"/>
+          </a:p>
+        </p:txBody>
+      </p:sp>
+      <p:sp>
+        <p:nvSpPr>
+          <p:cNvPr id="7" name="CaixaDeTexto 6"/>
+          <p:cNvSpPr txBox="1"/>
+          <p:nvPr/>
+        </p:nvSpPr>
+        <p:spPr>
+          <a:xfrm>
+            <a:off x="4572000" y="6286520"/>
+            <a:ext cx="766620" cy="369332"/>
+          </a:xfrm>
+          <a:prstGeom prst="rect">
+            <a:avLst/>
+          </a:prstGeom>
+          <a:noFill/>
+        </p:spPr>
+        <p:txBody>
+          <a:bodyPr wrap="none" rtlCol="0">
+            <a:spAutoFit/>
+          </a:bodyPr>
+          <a:lstStyle/>
+          <a:p>
+            <a:r>
+              <a:rPr lang="pt-BR" dirty="0" err="1" smtClean="0"/>
+              <a:t>Token</a:t>
+            </a:r>
+            <a:endParaRPr lang="en-US" dirty="0"/>
+          </a:p>
+        </p:txBody>
+      </p:sp>
+      <p:pic>
+        <p:nvPicPr>
+          <p:cNvPr id="8" name="Imagem 7" descr="aPFXFile.png"/>
+          <p:cNvPicPr>
+            <a:picLocks noChangeAspect="1"/>
+          </p:cNvPicPr>
+          <p:nvPr/>
+        </p:nvPicPr>
+        <p:blipFill>
+          <a:blip r:embed="rId4" cstate="print"/>
+          <a:stretch>
+            <a:fillRect/>
+          </a:stretch>
+        </p:blipFill>
+        <p:spPr>
+          <a:xfrm>
+            <a:off x="5786446" y="1643050"/>
+            <a:ext cx="1062138" cy="1521442"/>
+          </a:xfrm>
+          <a:prstGeom prst="rect">
+            <a:avLst/>
+          </a:prstGeom>
+        </p:spPr>
+      </p:pic>
+      <p:sp>
+        <p:nvSpPr>
+          <p:cNvPr id="9" name="CaixaDeTexto 8"/>
+          <p:cNvSpPr txBox="1"/>
+          <p:nvPr/>
+        </p:nvSpPr>
+        <p:spPr>
+          <a:xfrm>
+            <a:off x="6715140" y="1714488"/>
+            <a:ext cx="1361270" cy="369332"/>
+          </a:xfrm>
+          <a:prstGeom prst="rect">
+            <a:avLst/>
+          </a:prstGeom>
+          <a:noFill/>
+        </p:spPr>
+        <p:txBody>
+          <a:bodyPr wrap="none" rtlCol="0">
+            <a:spAutoFit/>
+          </a:bodyPr>
+          <a:lstStyle/>
+          <a:p>
+            <a:r>
+              <a:rPr lang="pt-BR" dirty="0" smtClean="0"/>
+              <a:t>Arquivo PFX</a:t>
+            </a:r>
+            <a:endParaRPr lang="en-US" dirty="0"/>
+          </a:p>
+        </p:txBody>
+      </p:sp>
     </p:spTree>
   </p:cSld>
   <p:clrMapOvr>
@@ -5551,7 +5973,7 @@
           <a:p>
             <a:r>
               <a:rPr lang="pt-BR" dirty="0" smtClean="0"/>
-              <a:t>Verificando uma assinatura</a:t>
+              <a:t>Assinatura na prática</a:t>
             </a:r>
             <a:endParaRPr lang="en-US" dirty="0"/>
           </a:p>
@@ -5559,7 +5981,7 @@
       </p:sp>
       <p:pic>
         <p:nvPicPr>
-          <p:cNvPr id="4" name="Espaço Reservado para Conteúdo 3" descr="Verification_Digital_Signature_diagram.png"/>
+          <p:cNvPr id="4" name="Espaço Reservado para Conteúdo 3" descr="Digital_Signature_diagram.png"/>
           <p:cNvPicPr>
             <a:picLocks noGrp="1" noChangeAspect="1"/>
           </p:cNvPicPr>
@@ -5568,15 +5990,15 @@
           </p:nvPr>
         </p:nvPicPr>
         <p:blipFill>
-          <a:blip r:embed="rId2"/>
+          <a:blip r:embed="rId2" cstate="print"/>
           <a:stretch>
             <a:fillRect/>
           </a:stretch>
         </p:blipFill>
         <p:spPr>
           <a:xfrm>
-            <a:off x="2500298" y="1484607"/>
-            <a:ext cx="4055015" cy="5301979"/>
+            <a:off x="567238" y="2910113"/>
+            <a:ext cx="8009524" cy="1733333"/>
           </a:xfrm>
         </p:spPr>
       </p:pic>
@@ -5628,66 +6050,36 @@
           <a:lstStyle/>
           <a:p>
             <a:r>
-              <a:rPr lang="pt-BR" dirty="0" err="1" smtClean="0"/>
-              <a:t>ICP-Brasil</a:t>
+              <a:rPr lang="pt-BR" dirty="0" smtClean="0"/>
+              <a:t>Verificando uma assinatura</a:t>
             </a:r>
             <a:endParaRPr lang="en-US" dirty="0"/>
           </a:p>
         </p:txBody>
       </p:sp>
-      <p:sp>
-        <p:nvSpPr>
-          <p:cNvPr id="3" name="Espaço Reservado para Conteúdo 2"/>
-          <p:cNvSpPr>
-            <a:spLocks noGrp="1"/>
-          </p:cNvSpPr>
+      <p:pic>
+        <p:nvPicPr>
+          <p:cNvPr id="4" name="Espaço Reservado para Conteúdo 3" descr="Verification_Digital_Signature_diagram.png"/>
+          <p:cNvPicPr>
+            <a:picLocks noGrp="1" noChangeAspect="1"/>
+          </p:cNvPicPr>
           <p:nvPr>
             <p:ph idx="1"/>
           </p:nvPr>
-        </p:nvSpPr>
-        <p:spPr/>
-        <p:txBody>
-          <a:bodyPr/>
-          <a:lstStyle/>
-          <a:p>
-            <a:r>
-              <a:rPr lang="pt-BR" dirty="0" smtClean="0"/>
-              <a:t>ITI e </a:t>
-            </a:r>
-            <a:r>
-              <a:rPr lang="pt-BR" dirty="0" err="1" smtClean="0"/>
-              <a:t>ICP-Brasil</a:t>
-            </a:r>
-            <a:endParaRPr lang="pt-BR" dirty="0" smtClean="0"/>
-          </a:p>
-          <a:p>
-            <a:r>
-              <a:rPr lang="pt-BR" dirty="0" smtClean="0"/>
-              <a:t>A medida provisória de medida 2.200 de 2001 </a:t>
-            </a:r>
-          </a:p>
-          <a:p>
-            <a:r>
-              <a:rPr lang="pt-BR" dirty="0" smtClean="0"/>
-              <a:t>Autoridades Certificadoras </a:t>
-            </a:r>
-            <a:r>
-              <a:rPr lang="pt-BR" dirty="0" smtClean="0"/>
-              <a:t>compete emitir, expedir, distribuir, revogar e gerenciar os certificados das AC.</a:t>
-            </a:r>
-          </a:p>
-          <a:p>
-            <a:r>
-              <a:rPr lang="pt-BR" dirty="0" smtClean="0"/>
-              <a:t>Autoridades Registradoras faz parte da hierarquia da ICP-Brasil, porém tem o trabalho de apenas efetuar os registros.</a:t>
-            </a:r>
-            <a:endParaRPr lang="pt-BR" dirty="0" smtClean="0"/>
-          </a:p>
-          <a:p>
-            <a:endParaRPr lang="en-US" dirty="0"/>
-          </a:p>
-        </p:txBody>
-      </p:sp>
+        </p:nvPicPr>
+        <p:blipFill>
+          <a:blip r:embed="rId2" cstate="print"/>
+          <a:stretch>
+            <a:fillRect/>
+          </a:stretch>
+        </p:blipFill>
+        <p:spPr>
+          <a:xfrm>
+            <a:off x="2500298" y="1484607"/>
+            <a:ext cx="4055015" cy="5301979"/>
+          </a:xfrm>
+        </p:spPr>
+      </p:pic>
     </p:spTree>
   </p:cSld>
   <p:clrMapOvr>
@@ -5736,8 +6128,8 @@
           <a:lstStyle/>
           <a:p>
             <a:r>
-              <a:rPr lang="pt-BR" dirty="0" smtClean="0"/>
-              <a:t>Estrutura hierárquica</a:t>
+              <a:rPr lang="pt-BR" smtClean="0"/>
+              <a:t>ICP Brasil</a:t>
             </a:r>
             <a:endParaRPr lang="en-US" dirty="0"/>
           </a:p>
@@ -5755,43 +6147,39 @@
         </p:nvSpPr>
         <p:spPr/>
         <p:txBody>
-          <a:bodyPr/>
-          <a:lstStyle/>
-          <a:p>
-            <a:pPr>
-              <a:buNone/>
-            </a:pPr>
-            <a:endParaRPr lang="pt-BR" dirty="0" smtClean="0"/>
+          <a:bodyPr>
+            <a:normAutofit/>
+          </a:bodyPr>
+          <a:lstStyle/>
+          <a:p>
+            <a:r>
+              <a:rPr lang="pt-BR" dirty="0" smtClean="0"/>
+              <a:t>A ICP Brasil foi instituída pela medida provisória 2.200/2 de 2001 tendo como estrutura:</a:t>
+            </a:r>
+          </a:p>
+          <a:p>
+            <a:r>
+              <a:rPr lang="pt-BR" dirty="0" smtClean="0"/>
+              <a:t>1 - O comitê gestor da ICP Brasil</a:t>
+            </a:r>
+          </a:p>
+          <a:p>
+            <a:r>
+              <a:rPr lang="pt-BR" dirty="0" smtClean="0"/>
+              <a:t>2 - Autoridade certificadora raiz</a:t>
+            </a:r>
+          </a:p>
+          <a:p>
+            <a:r>
+              <a:rPr lang="pt-BR" dirty="0" smtClean="0"/>
+              <a:t>3 - Demais entidades que compõe sua estrutura.</a:t>
+            </a:r>
           </a:p>
           <a:p>
             <a:endParaRPr lang="en-US" dirty="0"/>
           </a:p>
         </p:txBody>
       </p:sp>
-      <p:pic>
-        <p:nvPicPr>
-          <p:cNvPr id="4" name="Imagem 3" descr="ok.png"/>
-          <p:cNvPicPr>
-            <a:picLocks noChangeAspect="1"/>
-          </p:cNvPicPr>
-          <p:nvPr/>
-        </p:nvPicPr>
-        <p:blipFill>
-          <a:blip r:embed="rId2"/>
-          <a:stretch>
-            <a:fillRect/>
-          </a:stretch>
-        </p:blipFill>
-        <p:spPr>
-          <a:xfrm>
-            <a:off x="785786" y="1714488"/>
-            <a:ext cx="7678940" cy="4796384"/>
-          </a:xfrm>
-          <a:prstGeom prst="rect">
-            <a:avLst/>
-          </a:prstGeom>
-        </p:spPr>
-      </p:pic>
     </p:spTree>
   </p:cSld>
   <p:clrMapOvr>
@@ -5836,14 +6224,16 @@
         </p:nvSpPr>
         <p:spPr/>
         <p:txBody>
-          <a:bodyPr/>
-          <a:lstStyle/>
-          <a:p>
-            <a:r>
-              <a:rPr lang="pt-BR" dirty="0" smtClean="0"/>
-              <a:t>ICP / PKI</a:t>
-            </a:r>
-            <a:endParaRPr lang="en-US" dirty="0"/>
+          <a:bodyPr>
+            <a:normAutofit/>
+          </a:bodyPr>
+          <a:lstStyle/>
+          <a:p>
+            <a:r>
+              <a:rPr lang="pt-BR" dirty="0" smtClean="0"/>
+              <a:t>ITI e ICP Brasil</a:t>
+            </a:r>
+            <a:endParaRPr lang="pt-BR" dirty="0"/>
           </a:p>
         </p:txBody>
       </p:sp>
@@ -5859,40 +6249,51 @@
         </p:nvSpPr>
         <p:spPr/>
         <p:txBody>
-          <a:bodyPr/>
-          <a:lstStyle/>
-          <a:p>
-            <a:endParaRPr lang="pt-BR" dirty="0" smtClean="0"/>
-          </a:p>
-          <a:p>
-            <a:endParaRPr lang="pt-BR" dirty="0" smtClean="0"/>
-          </a:p>
-          <a:p>
-            <a:endParaRPr lang="pt-BR" dirty="0" smtClean="0"/>
-          </a:p>
-          <a:p>
-            <a:r>
-              <a:rPr lang="pt-BR" dirty="0" smtClean="0"/>
-              <a:t>AR -&gt; Autoridade Registradora</a:t>
+          <a:bodyPr>
+            <a:normAutofit/>
+          </a:bodyPr>
+          <a:lstStyle/>
+          <a:p>
+            <a:r>
+              <a:rPr lang="pt-BR" dirty="0" smtClean="0"/>
+              <a:t>A ICP Brasil compete emitir, expedir, distribuir, revogar e gerenciar os certificados das AC.</a:t>
+            </a:r>
+          </a:p>
+          <a:p>
+            <a:r>
+              <a:rPr lang="pt-BR" dirty="0" smtClean="0"/>
+              <a:t>ITI</a:t>
             </a:r>
           </a:p>
           <a:p>
             <a:pPr lvl="1"/>
             <a:r>
               <a:rPr lang="pt-BR" dirty="0" smtClean="0"/>
-              <a:t>Valida e aprova o Certificado Digital</a:t>
+              <a:t>Autarquia</a:t>
             </a:r>
           </a:p>
           <a:p>
             <a:pPr lvl="1"/>
             <a:r>
               <a:rPr lang="pt-BR" dirty="0" smtClean="0"/>
-              <a:t>Atende os requisitos da AC Superior</a:t>
-            </a:r>
-            <a:endParaRPr lang="en-US" dirty="0" smtClean="0"/>
-          </a:p>
-          <a:p>
-            <a:endParaRPr lang="en-US" dirty="0"/>
+              <a:t>Mantém a ICP Brasil</a:t>
+            </a:r>
+          </a:p>
+          <a:p>
+            <a:pPr lvl="1"/>
+            <a:r>
+              <a:rPr lang="pt-BR" dirty="0" smtClean="0"/>
+              <a:t>AC raiz dentro da cadeia de confiança brasileira</a:t>
+            </a:r>
+          </a:p>
+          <a:p>
+            <a:r>
+              <a:rPr lang="pt-BR" dirty="0" smtClean="0"/>
+              <a:t>Autoridades Certificadoras e Autoridades Registradoras</a:t>
+            </a:r>
+          </a:p>
+          <a:p>
+            <a:endParaRPr lang="pt-BR" dirty="0"/>
           </a:p>
         </p:txBody>
       </p:sp>
@@ -5901,13 +6302,6 @@
   <p:clrMapOvr>
     <a:masterClrMapping/>
   </p:clrMapOvr>
-  <p:timing>
-    <p:tnLst>
-      <p:par>
-        <p:cTn id="1" dur="indefinite" restart="never" nodeType="tmRoot"/>
-      </p:par>
-    </p:tnLst>
-  </p:timing>
 </p:sld>
 </file>
 
@@ -5945,9 +6339,9 @@
           <a:p>
             <a:r>
               <a:rPr lang="pt-BR" dirty="0" smtClean="0"/>
-              <a:t>Aspectos jurídicos</a:t>
-            </a:r>
-            <a:endParaRPr lang="en-US" dirty="0"/>
+              <a:t>AC e AR</a:t>
+            </a:r>
+            <a:endParaRPr lang="pt-BR" dirty="0"/>
           </a:p>
         </p:txBody>
       </p:sp>
@@ -5968,42 +6362,43 @@
           <a:p>
             <a:r>
               <a:rPr lang="pt-BR" dirty="0" smtClean="0"/>
-              <a:t>A IN </a:t>
-            </a:r>
-            <a:r>
-              <a:rPr lang="pt-BR" dirty="0" smtClean="0">
-                <a:latin typeface="Arial" pitchFamily="34" charset="0"/>
-                <a:cs typeface="Arial" pitchFamily="34" charset="0"/>
-              </a:rPr>
-              <a:t>969</a:t>
-            </a:r>
-          </a:p>
-          <a:p>
-            <a:r>
-              <a:rPr lang="pt-BR" dirty="0" smtClean="0"/>
-              <a:t>Vantagens: economiza tempo e diminui custos, gerando facilidade para os empresários ou contadores, que são os que estão inclusos nessa normativa.</a:t>
-            </a:r>
-          </a:p>
-          <a:p>
-            <a:r>
-              <a:rPr lang="pt-BR" dirty="0" smtClean="0">
-                <a:latin typeface="Arial" pitchFamily="34" charset="0"/>
-                <a:cs typeface="Arial" pitchFamily="34" charset="0"/>
-              </a:rPr>
-              <a:t>O RIC</a:t>
-            </a:r>
-          </a:p>
-          <a:p>
-            <a:endParaRPr lang="pt-BR" dirty="0" smtClean="0">
-              <a:latin typeface="Arial" pitchFamily="34" charset="0"/>
-              <a:cs typeface="Arial" pitchFamily="34" charset="0"/>
-            </a:endParaRPr>
-          </a:p>
-          <a:p>
-            <a:endParaRPr lang="en-US" dirty="0">
-              <a:latin typeface="Arial" pitchFamily="34" charset="0"/>
-              <a:cs typeface="Arial" pitchFamily="34" charset="0"/>
-            </a:endParaRPr>
+              <a:t>Autoridade Certificadora</a:t>
+            </a:r>
+          </a:p>
+          <a:p>
+            <a:pPr lvl="1"/>
+            <a:r>
+              <a:rPr lang="pt-BR" dirty="0" smtClean="0"/>
+              <a:t>Semelhante ao órgão expedidor convencional, tem a tarefa de emitir certificados.</a:t>
+            </a:r>
+          </a:p>
+          <a:p>
+            <a:r>
+              <a:rPr lang="pt-BR" dirty="0" smtClean="0"/>
+              <a:t>Autoridade Registradora</a:t>
+            </a:r>
+          </a:p>
+          <a:p>
+            <a:pPr lvl="1"/>
+            <a:r>
+              <a:rPr lang="pt-BR" dirty="0" smtClean="0"/>
+              <a:t>Cadastrar e identificar os usuários na presença dos mesmos.</a:t>
+            </a:r>
+          </a:p>
+          <a:p>
+            <a:pPr lvl="1"/>
+            <a:r>
+              <a:rPr lang="pt-BR" dirty="0" smtClean="0"/>
+              <a:t>Encaminhar as solicitações as ACs.</a:t>
+            </a:r>
+          </a:p>
+          <a:p>
+            <a:pPr lvl="1"/>
+            <a:r>
+              <a:rPr lang="pt-BR" dirty="0" smtClean="0"/>
+              <a:t>Registrar os procedimentos envolvidos na operação.</a:t>
+            </a:r>
+            <a:endParaRPr lang="pt-BR" dirty="0"/>
           </a:p>
         </p:txBody>
       </p:sp>
@@ -6012,13 +6407,6 @@
   <p:clrMapOvr>
     <a:masterClrMapping/>
   </p:clrMapOvr>
-  <p:timing>
-    <p:tnLst>
-      <p:par>
-        <p:cTn id="1" dur="indefinite" restart="never" nodeType="tmRoot"/>
-      </p:par>
-    </p:tnLst>
-  </p:timing>
 </p:sld>
 </file>
 
@@ -6056,7 +6444,7 @@
           <a:p>
             <a:r>
               <a:rPr lang="pt-BR" dirty="0" smtClean="0"/>
-              <a:t>Dúvidas</a:t>
+              <a:t>Estrutura hierárquica</a:t>
             </a:r>
             <a:endParaRPr lang="en-US" dirty="0"/>
           </a:p>
@@ -6077,40 +6465,40 @@
           <a:bodyPr/>
           <a:lstStyle/>
           <a:p>
-            <a:endParaRPr lang="pt-BR" dirty="0" smtClean="0"/>
-          </a:p>
-          <a:p>
-            <a:pPr algn="ctr">
+            <a:pPr>
               <a:buNone/>
             </a:pPr>
-            <a:r>
-              <a:rPr lang="pt-BR" sz="9600" dirty="0" smtClean="0"/>
-              <a:t>?</a:t>
-            </a:r>
-          </a:p>
-          <a:p>
             <a:endParaRPr lang="pt-BR" dirty="0" smtClean="0"/>
           </a:p>
           <a:p>
-            <a:endParaRPr lang="pt-BR" dirty="0" smtClean="0"/>
-          </a:p>
-          <a:p>
-            <a:endParaRPr lang="pt-BR" dirty="0" smtClean="0"/>
-          </a:p>
-          <a:p>
-            <a:endParaRPr lang="pt-BR" dirty="0" smtClean="0"/>
-          </a:p>
-          <a:p>
-            <a:endParaRPr lang="pt-BR" dirty="0" smtClean="0"/>
-          </a:p>
-          <a:p>
-            <a:endParaRPr lang="pt-BR" dirty="0" smtClean="0"/>
-          </a:p>
-          <a:p>
             <a:endParaRPr lang="en-US" dirty="0"/>
           </a:p>
         </p:txBody>
       </p:sp>
+      <p:pic>
+        <p:nvPicPr>
+          <p:cNvPr id="4" name="Imagem 3" descr="ok.png"/>
+          <p:cNvPicPr>
+            <a:picLocks noChangeAspect="1"/>
+          </p:cNvPicPr>
+          <p:nvPr/>
+        </p:nvPicPr>
+        <p:blipFill>
+          <a:blip r:embed="rId2" cstate="print"/>
+          <a:stretch>
+            <a:fillRect/>
+          </a:stretch>
+        </p:blipFill>
+        <p:spPr>
+          <a:xfrm>
+            <a:off x="785786" y="1714488"/>
+            <a:ext cx="7678940" cy="4796384"/>
+          </a:xfrm>
+          <a:prstGeom prst="rect">
+            <a:avLst/>
+          </a:prstGeom>
+        </p:spPr>
+      </p:pic>
     </p:spTree>
   </p:cSld>
   <p:clrMapOvr>
@@ -6123,6 +6511,395 @@
       </p:par>
     </p:tnLst>
   </p:timing>
+</p:sld>
+</file>
+
+<file path=ppt/slides/slide27.xml><?xml version="1.0" encoding="utf-8"?>
+<p:sld xmlns:a="http://schemas.openxmlformats.org/drawingml/2006/main" xmlns:r="http://schemas.openxmlformats.org/officeDocument/2006/relationships" xmlns:p="http://schemas.openxmlformats.org/presentationml/2006/main">
+  <p:cSld>
+    <p:spTree>
+      <p:nvGrpSpPr>
+        <p:cNvPr id="1" name=""/>
+        <p:cNvGrpSpPr/>
+        <p:nvPr/>
+      </p:nvGrpSpPr>
+      <p:grpSpPr>
+        <a:xfrm>
+          <a:off x="0" y="0"/>
+          <a:ext cx="0" cy="0"/>
+          <a:chOff x="0" y="0"/>
+          <a:chExt cx="0" cy="0"/>
+        </a:xfrm>
+      </p:grpSpPr>
+      <p:sp>
+        <p:nvSpPr>
+          <p:cNvPr id="2" name="Título 1"/>
+          <p:cNvSpPr>
+            <a:spLocks noGrp="1"/>
+          </p:cNvSpPr>
+          <p:nvPr>
+            <p:ph type="title"/>
+          </p:nvPr>
+        </p:nvSpPr>
+        <p:spPr/>
+        <p:txBody>
+          <a:bodyPr/>
+          <a:lstStyle/>
+          <a:p>
+            <a:r>
+              <a:rPr lang="pt-BR" dirty="0" smtClean="0"/>
+              <a:t>Aplicabilidade</a:t>
+            </a:r>
+            <a:endParaRPr lang="en-US" dirty="0">
+              <a:latin typeface="Arial" pitchFamily="34" charset="0"/>
+            </a:endParaRPr>
+          </a:p>
+        </p:txBody>
+      </p:sp>
+      <p:sp>
+        <p:nvSpPr>
+          <p:cNvPr id="3" name="Espaço Reservado para Conteúdo 2"/>
+          <p:cNvSpPr>
+            <a:spLocks noGrp="1"/>
+          </p:cNvSpPr>
+          <p:nvPr>
+            <p:ph idx="1"/>
+          </p:nvPr>
+        </p:nvSpPr>
+        <p:spPr/>
+        <p:txBody>
+          <a:bodyPr>
+            <a:normAutofit fontScale="92500"/>
+          </a:bodyPr>
+          <a:lstStyle/>
+          <a:p>
+            <a:r>
+              <a:rPr lang="pt-BR" dirty="0" smtClean="0">
+                <a:latin typeface="Arial" pitchFamily="34" charset="0"/>
+                <a:cs typeface="Arial" pitchFamily="34" charset="0"/>
+              </a:rPr>
+              <a:t>A IN 969</a:t>
+            </a:r>
+          </a:p>
+          <a:p>
+            <a:pPr lvl="1"/>
+            <a:r>
+              <a:rPr lang="pt-BR" dirty="0" smtClean="0">
+                <a:latin typeface="Arial" pitchFamily="34" charset="0"/>
+                <a:cs typeface="Arial" pitchFamily="34" charset="0"/>
+              </a:rPr>
+              <a:t>Desde janeiro de 2009 as empresas obrigatoriamente devem enviar as declarações e demonstrações à receita federal fazendo utilização de certificados digitais.</a:t>
+            </a:r>
+          </a:p>
+          <a:p>
+            <a:pPr lvl="1"/>
+            <a:r>
+              <a:rPr lang="pt-BR" dirty="0" smtClean="0">
+                <a:latin typeface="Arial" pitchFamily="34" charset="0"/>
+                <a:cs typeface="Arial" pitchFamily="34" charset="0"/>
+              </a:rPr>
+              <a:t>Vantagens: economiza tempo e diminui custos, gerando facilidade para os empresários ou contadores, que são os que estão inclusos nessa normativa.</a:t>
+            </a:r>
+          </a:p>
+          <a:p>
+            <a:r>
+              <a:rPr lang="pt-BR" dirty="0" smtClean="0">
+                <a:latin typeface="Arial" pitchFamily="34" charset="0"/>
+                <a:cs typeface="Arial" pitchFamily="34" charset="0"/>
+              </a:rPr>
+              <a:t>RIC</a:t>
+            </a:r>
+          </a:p>
+          <a:p>
+            <a:endParaRPr lang="en-US" dirty="0">
+              <a:latin typeface="Arial" pitchFamily="34" charset="0"/>
+              <a:cs typeface="Arial" pitchFamily="34" charset="0"/>
+            </a:endParaRPr>
+          </a:p>
+        </p:txBody>
+      </p:sp>
+    </p:spTree>
+  </p:cSld>
+  <p:clrMapOvr>
+    <a:masterClrMapping/>
+  </p:clrMapOvr>
+  <p:timing>
+    <p:tnLst>
+      <p:par>
+        <p:cTn id="1" dur="indefinite" restart="never" nodeType="tmRoot"/>
+      </p:par>
+    </p:tnLst>
+  </p:timing>
+</p:sld>
+</file>
+
+<file path=ppt/slides/slide28.xml><?xml version="1.0" encoding="utf-8"?>
+<p:sld xmlns:a="http://schemas.openxmlformats.org/drawingml/2006/main" xmlns:r="http://schemas.openxmlformats.org/officeDocument/2006/relationships" xmlns:p="http://schemas.openxmlformats.org/presentationml/2006/main">
+  <p:cSld>
+    <p:spTree>
+      <p:nvGrpSpPr>
+        <p:cNvPr id="1" name=""/>
+        <p:cNvGrpSpPr/>
+        <p:nvPr/>
+      </p:nvGrpSpPr>
+      <p:grpSpPr>
+        <a:xfrm>
+          <a:off x="0" y="0"/>
+          <a:ext cx="0" cy="0"/>
+          <a:chOff x="0" y="0"/>
+          <a:chExt cx="0" cy="0"/>
+        </a:xfrm>
+      </p:grpSpPr>
+      <p:sp>
+        <p:nvSpPr>
+          <p:cNvPr id="2" name="Título 1"/>
+          <p:cNvSpPr>
+            <a:spLocks noGrp="1"/>
+          </p:cNvSpPr>
+          <p:nvPr>
+            <p:ph type="title"/>
+          </p:nvPr>
+        </p:nvSpPr>
+        <p:spPr/>
+        <p:txBody>
+          <a:bodyPr/>
+          <a:lstStyle/>
+          <a:p>
+            <a:r>
+              <a:rPr lang="pt-BR" dirty="0" smtClean="0"/>
+              <a:t>Exemplo prático (Java)</a:t>
+            </a:r>
+            <a:endParaRPr lang="en-US" dirty="0"/>
+          </a:p>
+        </p:txBody>
+      </p:sp>
+      <p:sp>
+        <p:nvSpPr>
+          <p:cNvPr id="3" name="Espaço Reservado para Conteúdo 2"/>
+          <p:cNvSpPr>
+            <a:spLocks noGrp="1"/>
+          </p:cNvSpPr>
+          <p:nvPr>
+            <p:ph idx="1"/>
+          </p:nvPr>
+        </p:nvSpPr>
+        <p:spPr/>
+        <p:txBody>
+          <a:bodyPr/>
+          <a:lstStyle/>
+          <a:p>
+            <a:r>
+              <a:rPr lang="pt-BR" dirty="0" smtClean="0"/>
+              <a:t>Java </a:t>
+            </a:r>
+            <a:r>
+              <a:rPr lang="pt-BR" dirty="0" err="1" smtClean="0"/>
+              <a:t>Cryptographyc</a:t>
+            </a:r>
+            <a:r>
+              <a:rPr lang="pt-BR" dirty="0" smtClean="0"/>
+              <a:t> </a:t>
+            </a:r>
+            <a:r>
+              <a:rPr lang="pt-BR" dirty="0" err="1" smtClean="0"/>
+              <a:t>Architecture</a:t>
+            </a:r>
+            <a:r>
+              <a:rPr lang="pt-BR" dirty="0" smtClean="0"/>
+              <a:t> (JCA)</a:t>
+            </a:r>
+          </a:p>
+          <a:p>
+            <a:pPr lvl="1"/>
+            <a:r>
+              <a:rPr lang="pt-BR" dirty="0" smtClean="0"/>
+              <a:t>Especificação que dá aos programadores padrões para acessar os serviços de assinatura e verificação (certificação) digital na plataforma Java.</a:t>
+            </a:r>
+          </a:p>
+          <a:p>
+            <a:r>
+              <a:rPr lang="pt-BR" dirty="0" smtClean="0"/>
+              <a:t>Java </a:t>
+            </a:r>
+            <a:r>
+              <a:rPr lang="pt-BR" dirty="0" err="1" smtClean="0"/>
+              <a:t>Certification</a:t>
+            </a:r>
+            <a:r>
+              <a:rPr lang="pt-BR" dirty="0" smtClean="0"/>
+              <a:t> Path API</a:t>
+            </a:r>
+          </a:p>
+          <a:p>
+            <a:pPr lvl="1"/>
+            <a:r>
+              <a:rPr lang="pt-BR" dirty="0" smtClean="0"/>
+              <a:t>API que fornece classes para construção e verificação das cadeias de certificação.</a:t>
+            </a:r>
+            <a:endParaRPr lang="en-US" dirty="0"/>
+          </a:p>
+        </p:txBody>
+      </p:sp>
+    </p:spTree>
+  </p:cSld>
+  <p:clrMapOvr>
+    <a:masterClrMapping/>
+  </p:clrMapOvr>
+</p:sld>
+</file>
+
+<file path=ppt/slides/slide29.xml><?xml version="1.0" encoding="utf-8"?>
+<p:sld xmlns:a="http://schemas.openxmlformats.org/drawingml/2006/main" xmlns:r="http://schemas.openxmlformats.org/officeDocument/2006/relationships" xmlns:p="http://schemas.openxmlformats.org/presentationml/2006/main">
+  <p:cSld>
+    <p:spTree>
+      <p:nvGrpSpPr>
+        <p:cNvPr id="1" name=""/>
+        <p:cNvGrpSpPr/>
+        <p:nvPr/>
+      </p:nvGrpSpPr>
+      <p:grpSpPr>
+        <a:xfrm>
+          <a:off x="0" y="0"/>
+          <a:ext cx="0" cy="0"/>
+          <a:chOff x="0" y="0"/>
+          <a:chExt cx="0" cy="0"/>
+        </a:xfrm>
+      </p:grpSpPr>
+      <p:sp>
+        <p:nvSpPr>
+          <p:cNvPr id="2" name="Título 1"/>
+          <p:cNvSpPr>
+            <a:spLocks noGrp="1"/>
+          </p:cNvSpPr>
+          <p:nvPr>
+            <p:ph type="title"/>
+          </p:nvPr>
+        </p:nvSpPr>
+        <p:spPr/>
+        <p:txBody>
+          <a:bodyPr/>
+          <a:lstStyle/>
+          <a:p>
+            <a:r>
+              <a:rPr lang="pt-BR" dirty="0" smtClean="0"/>
+              <a:t>Exemplo prático</a:t>
+            </a:r>
+            <a:endParaRPr lang="en-US" dirty="0"/>
+          </a:p>
+        </p:txBody>
+      </p:sp>
+      <p:pic>
+        <p:nvPicPr>
+          <p:cNvPr id="4" name="Espaço Reservado para Conteúdo 3" descr="sign.png"/>
+          <p:cNvPicPr>
+            <a:picLocks noGrp="1" noChangeAspect="1"/>
+          </p:cNvPicPr>
+          <p:nvPr>
+            <p:ph idx="1"/>
+          </p:nvPr>
+        </p:nvPicPr>
+        <p:blipFill>
+          <a:blip r:embed="rId2"/>
+          <a:stretch>
+            <a:fillRect/>
+          </a:stretch>
+        </p:blipFill>
+        <p:spPr>
+          <a:xfrm>
+            <a:off x="928662" y="2357430"/>
+            <a:ext cx="5917727" cy="928694"/>
+          </a:xfrm>
+        </p:spPr>
+      </p:pic>
+      <p:pic>
+        <p:nvPicPr>
+          <p:cNvPr id="5" name="Imagem 4" descr="verify.png"/>
+          <p:cNvPicPr>
+            <a:picLocks noChangeAspect="1"/>
+          </p:cNvPicPr>
+          <p:nvPr/>
+        </p:nvPicPr>
+        <p:blipFill>
+          <a:blip r:embed="rId3"/>
+          <a:stretch>
+            <a:fillRect/>
+          </a:stretch>
+        </p:blipFill>
+        <p:spPr>
+          <a:xfrm>
+            <a:off x="928662" y="4643446"/>
+            <a:ext cx="6252867" cy="785818"/>
+          </a:xfrm>
+          <a:prstGeom prst="rect">
+            <a:avLst/>
+          </a:prstGeom>
+        </p:spPr>
+      </p:pic>
+      <p:sp>
+        <p:nvSpPr>
+          <p:cNvPr id="6" name="CaixaDeTexto 5"/>
+          <p:cNvSpPr txBox="1"/>
+          <p:nvPr/>
+        </p:nvSpPr>
+        <p:spPr>
+          <a:xfrm>
+            <a:off x="428596" y="1928802"/>
+            <a:ext cx="1173719" cy="369332"/>
+          </a:xfrm>
+          <a:prstGeom prst="rect">
+            <a:avLst/>
+          </a:prstGeom>
+          <a:noFill/>
+        </p:spPr>
+        <p:txBody>
+          <a:bodyPr wrap="none" rtlCol="0">
+            <a:spAutoFit/>
+          </a:bodyPr>
+          <a:lstStyle/>
+          <a:p>
+            <a:r>
+              <a:rPr lang="pt-BR" dirty="0" smtClean="0"/>
+              <a:t>Assinando</a:t>
+            </a:r>
+            <a:endParaRPr lang="en-US" dirty="0"/>
+          </a:p>
+        </p:txBody>
+      </p:sp>
+      <p:sp>
+        <p:nvSpPr>
+          <p:cNvPr id="7" name="CaixaDeTexto 6"/>
+          <p:cNvSpPr txBox="1"/>
+          <p:nvPr/>
+        </p:nvSpPr>
+        <p:spPr>
+          <a:xfrm>
+            <a:off x="500034" y="4202676"/>
+            <a:ext cx="1356462" cy="369332"/>
+          </a:xfrm>
+          <a:prstGeom prst="rect">
+            <a:avLst/>
+          </a:prstGeom>
+          <a:noFill/>
+        </p:spPr>
+        <p:txBody>
+          <a:bodyPr wrap="none" rtlCol="0">
+            <a:spAutoFit/>
+          </a:bodyPr>
+          <a:lstStyle/>
+          <a:p>
+            <a:r>
+              <a:rPr lang="pt-BR" dirty="0" smtClean="0"/>
+              <a:t>Certificando</a:t>
+            </a:r>
+            <a:endParaRPr lang="en-US" dirty="0"/>
+          </a:p>
+        </p:txBody>
+      </p:sp>
+    </p:spTree>
+  </p:cSld>
+  <p:clrMapOvr>
+    <a:masterClrMapping/>
+  </p:clrMapOvr>
 </p:sld>
 </file>
 
@@ -6155,12 +6932,14 @@
         </p:nvSpPr>
         <p:spPr/>
         <p:txBody>
-          <a:bodyPr/>
-          <a:lstStyle/>
-          <a:p>
-            <a:r>
-              <a:rPr lang="pt-BR" dirty="0" smtClean="0"/>
-              <a:t>Assinatura eletrônica</a:t>
+          <a:bodyPr>
+            <a:normAutofit fontScale="90000"/>
+          </a:bodyPr>
+          <a:lstStyle/>
+          <a:p>
+            <a:r>
+              <a:rPr lang="pt-BR" dirty="0" smtClean="0"/>
+              <a:t>Modelo tradicional de autenticação </a:t>
             </a:r>
             <a:endParaRPr lang="pt-BR" dirty="0"/>
           </a:p>
@@ -6176,27 +6955,30 @@
             <p:ph idx="1"/>
           </p:nvPr>
         </p:nvSpPr>
-        <p:spPr/>
-        <p:txBody>
-          <a:bodyPr/>
-          <a:lstStyle/>
-          <a:p>
-            <a:r>
-              <a:rPr lang="pt-BR" dirty="0" smtClean="0"/>
-              <a:t>Assinatura que utiliza-se de meios eletrônicos</a:t>
-            </a:r>
-          </a:p>
-          <a:p>
-            <a:r>
-              <a:rPr lang="pt-BR" dirty="0" smtClean="0"/>
-              <a:t>Pode-se dizer que um cartão de crédito magnético que utiliza um leitor eletrônico para efetivar a autenticação é um tipo de assinatura eletrônica.</a:t>
-            </a:r>
-          </a:p>
-          <a:p>
-            <a:r>
-              <a:rPr lang="pt-BR" dirty="0" smtClean="0"/>
-              <a:t>A assinatura pode ser eletrônica?</a:t>
-            </a:r>
+        <p:spPr>
+          <a:xfrm>
+            <a:off x="395536" y="1772816"/>
+            <a:ext cx="8229600" cy="4625609"/>
+          </a:xfrm>
+        </p:spPr>
+        <p:txBody>
+          <a:bodyPr>
+            <a:normAutofit/>
+          </a:bodyPr>
+          <a:lstStyle/>
+          <a:p>
+            <a:r>
+              <a:rPr lang="pt-BR" dirty="0" smtClean="0"/>
+              <a:t>Os documentos identificam e provam a existência de um fato ou de uma pessoa.</a:t>
+            </a:r>
+          </a:p>
+          <a:p>
+            <a:r>
+              <a:rPr lang="pt-BR" dirty="0" smtClean="0"/>
+              <a:t>Existem diversas formas de identificação e a confiabilidade que um documento de identificação carrega está diretamente ligada à entidade emissora do documento.</a:t>
+            </a:r>
+          </a:p>
+          <a:p>
             <a:endParaRPr lang="pt-BR" dirty="0"/>
           </a:p>
         </p:txBody>
@@ -6213,6 +6995,230 @@
       </p:par>
     </p:tnLst>
   </p:timing>
+</p:sld>
+</file>
+
+<file path=ppt/slides/slide30.xml><?xml version="1.0" encoding="utf-8"?>
+<p:sld xmlns:a="http://schemas.openxmlformats.org/drawingml/2006/main" xmlns:r="http://schemas.openxmlformats.org/officeDocument/2006/relationships" xmlns:p="http://schemas.openxmlformats.org/presentationml/2006/main">
+  <p:cSld>
+    <p:spTree>
+      <p:nvGrpSpPr>
+        <p:cNvPr id="1" name=""/>
+        <p:cNvGrpSpPr/>
+        <p:nvPr/>
+      </p:nvGrpSpPr>
+      <p:grpSpPr>
+        <a:xfrm>
+          <a:off x="0" y="0"/>
+          <a:ext cx="0" cy="0"/>
+          <a:chOff x="0" y="0"/>
+          <a:chExt cx="0" cy="0"/>
+        </a:xfrm>
+      </p:grpSpPr>
+      <p:sp>
+        <p:nvSpPr>
+          <p:cNvPr id="2" name="Título 1"/>
+          <p:cNvSpPr>
+            <a:spLocks noGrp="1"/>
+          </p:cNvSpPr>
+          <p:nvPr>
+            <p:ph type="title"/>
+          </p:nvPr>
+        </p:nvSpPr>
+        <p:spPr/>
+        <p:txBody>
+          <a:bodyPr/>
+          <a:lstStyle/>
+          <a:p>
+            <a:r>
+              <a:rPr lang="pt-BR" dirty="0" smtClean="0"/>
+              <a:t>Mostrar Exemplo</a:t>
+            </a:r>
+            <a:endParaRPr lang="en-US" dirty="0"/>
+          </a:p>
+        </p:txBody>
+      </p:sp>
+      <p:sp>
+        <p:nvSpPr>
+          <p:cNvPr id="3" name="Espaço Reservado para Conteúdo 2"/>
+          <p:cNvSpPr>
+            <a:spLocks noGrp="1"/>
+          </p:cNvSpPr>
+          <p:nvPr>
+            <p:ph idx="1"/>
+          </p:nvPr>
+        </p:nvSpPr>
+        <p:spPr/>
+        <p:txBody>
+          <a:bodyPr/>
+          <a:lstStyle/>
+          <a:p>
+            <a:endParaRPr lang="pt-BR" dirty="0" smtClean="0"/>
+          </a:p>
+          <a:p>
+            <a:endParaRPr lang="pt-BR" dirty="0" smtClean="0"/>
+          </a:p>
+          <a:p>
+            <a:endParaRPr lang="pt-BR" dirty="0" smtClean="0"/>
+          </a:p>
+          <a:p>
+            <a:endParaRPr lang="pt-BR" dirty="0" smtClean="0"/>
+          </a:p>
+          <a:p>
+            <a:r>
+              <a:rPr lang="pt-BR" dirty="0" smtClean="0"/>
+              <a:t>...</a:t>
+            </a:r>
+            <a:endParaRPr lang="en-US" dirty="0"/>
+          </a:p>
+        </p:txBody>
+      </p:sp>
+    </p:spTree>
+  </p:cSld>
+  <p:clrMapOvr>
+    <a:masterClrMapping/>
+  </p:clrMapOvr>
+</p:sld>
+</file>
+
+<file path=ppt/slides/slide31.xml><?xml version="1.0" encoding="utf-8"?>
+<p:sld xmlns:a="http://schemas.openxmlformats.org/drawingml/2006/main" xmlns:r="http://schemas.openxmlformats.org/officeDocument/2006/relationships" xmlns:p="http://schemas.openxmlformats.org/presentationml/2006/main">
+  <p:cSld>
+    <p:spTree>
+      <p:nvGrpSpPr>
+        <p:cNvPr id="1" name=""/>
+        <p:cNvGrpSpPr/>
+        <p:nvPr/>
+      </p:nvGrpSpPr>
+      <p:grpSpPr>
+        <a:xfrm>
+          <a:off x="0" y="0"/>
+          <a:ext cx="0" cy="0"/>
+          <a:chOff x="0" y="0"/>
+          <a:chExt cx="0" cy="0"/>
+        </a:xfrm>
+      </p:grpSpPr>
+      <p:sp>
+        <p:nvSpPr>
+          <p:cNvPr id="2" name="Título 1"/>
+          <p:cNvSpPr>
+            <a:spLocks noGrp="1"/>
+          </p:cNvSpPr>
+          <p:nvPr>
+            <p:ph type="title"/>
+          </p:nvPr>
+        </p:nvSpPr>
+        <p:spPr/>
+        <p:txBody>
+          <a:bodyPr/>
+          <a:lstStyle/>
+          <a:p>
+            <a:r>
+              <a:rPr lang="pt-BR" dirty="0" smtClean="0"/>
+              <a:t>Obrigado!</a:t>
+            </a:r>
+            <a:endParaRPr lang="en-US" dirty="0"/>
+          </a:p>
+        </p:txBody>
+      </p:sp>
+      <p:sp>
+        <p:nvSpPr>
+          <p:cNvPr id="3" name="Espaço Reservado para Conteúdo 2"/>
+          <p:cNvSpPr>
+            <a:spLocks noGrp="1"/>
+          </p:cNvSpPr>
+          <p:nvPr>
+            <p:ph idx="1"/>
+          </p:nvPr>
+        </p:nvSpPr>
+        <p:spPr/>
+        <p:txBody>
+          <a:bodyPr/>
+          <a:lstStyle/>
+          <a:p>
+            <a:pPr marL="438912" lvl="1" indent="-320040">
+              <a:spcBef>
+                <a:spcPts val="0"/>
+              </a:spcBef>
+              <a:buClr>
+                <a:schemeClr val="accent1"/>
+              </a:buClr>
+              <a:buSzPct val="80000"/>
+              <a:buFont typeface="Wingdings 2"/>
+              <a:buChar char=""/>
+            </a:pPr>
+            <a:endParaRPr lang="pt-BR" dirty="0" smtClean="0"/>
+          </a:p>
+          <a:p>
+            <a:pPr marL="438912" lvl="1" indent="-320040">
+              <a:spcBef>
+                <a:spcPts val="0"/>
+              </a:spcBef>
+              <a:buClr>
+                <a:schemeClr val="accent1"/>
+              </a:buClr>
+              <a:buSzPct val="80000"/>
+              <a:buFont typeface="Wingdings 2"/>
+              <a:buChar char=""/>
+            </a:pPr>
+            <a:r>
+              <a:rPr lang="pt-BR" dirty="0" smtClean="0"/>
+              <a:t>TCC, Documentação e Aplicação (Google Code </a:t>
+            </a:r>
+            <a:r>
+              <a:rPr lang="pt-BR" dirty="0" err="1" smtClean="0"/>
+              <a:t>Repository</a:t>
+            </a:r>
+            <a:r>
+              <a:rPr lang="pt-BR" dirty="0" smtClean="0"/>
+              <a:t>)</a:t>
+            </a:r>
+            <a:endParaRPr lang="en-US" dirty="0" smtClean="0"/>
+          </a:p>
+          <a:p>
+            <a:pPr lvl="1"/>
+            <a:r>
+              <a:rPr lang="en-US" dirty="0" smtClean="0">
+                <a:hlinkClick r:id="rId2"/>
+              </a:rPr>
+              <a:t>https://svn-jeanbruno.googlecode.com/svn/trunk/</a:t>
+            </a:r>
+            <a:endParaRPr lang="en-US" dirty="0" smtClean="0"/>
+          </a:p>
+          <a:p>
+            <a:pPr lvl="1"/>
+            <a:endParaRPr lang="pt-BR" dirty="0" smtClean="0"/>
+          </a:p>
+          <a:p>
+            <a:pPr lvl="1"/>
+            <a:endParaRPr lang="pt-BR" dirty="0" smtClean="0"/>
+          </a:p>
+          <a:p>
+            <a:pPr lvl="1"/>
+            <a:endParaRPr lang="pt-BR" dirty="0" smtClean="0"/>
+          </a:p>
+          <a:p>
+            <a:pPr lvl="1"/>
+            <a:r>
+              <a:rPr lang="pt-BR" dirty="0" smtClean="0"/>
+              <a:t>Felipe Marcelino</a:t>
+            </a:r>
+          </a:p>
+          <a:p>
+            <a:pPr lvl="1"/>
+            <a:r>
+              <a:rPr lang="pt-BR" dirty="0" smtClean="0"/>
+              <a:t>Jean Bruno</a:t>
+            </a:r>
+            <a:endParaRPr lang="en-US" dirty="0" smtClean="0"/>
+          </a:p>
+        </p:txBody>
+      </p:sp>
+    </p:spTree>
+  </p:cSld>
+  <p:clrMapOvr>
+    <a:masterClrMapping/>
+  </p:clrMapOvr>
 </p:sld>
 </file>
 
@@ -6245,73 +7251,58 @@
         </p:nvSpPr>
         <p:spPr/>
         <p:txBody>
+          <a:bodyPr>
+            <a:normAutofit fontScale="90000"/>
+          </a:bodyPr>
+          <a:lstStyle/>
+          <a:p>
+            <a:r>
+              <a:rPr lang="pt-BR" dirty="0" smtClean="0"/>
+              <a:t>Modelo tradicional de autenticação </a:t>
+            </a:r>
+            <a:endParaRPr lang="pt-BR" dirty="0"/>
+          </a:p>
+        </p:txBody>
+      </p:sp>
+      <p:sp>
+        <p:nvSpPr>
+          <p:cNvPr id="3" name="Espaço Reservado para Conteúdo 2"/>
+          <p:cNvSpPr>
+            <a:spLocks noGrp="1"/>
+          </p:cNvSpPr>
+          <p:nvPr>
+            <p:ph idx="1"/>
+          </p:nvPr>
+        </p:nvSpPr>
+        <p:spPr/>
+        <p:txBody>
           <a:bodyPr/>
           <a:lstStyle/>
           <a:p>
             <a:r>
               <a:rPr lang="pt-BR" dirty="0" smtClean="0"/>
-              <a:t>Assinatura digital</a:t>
-            </a:r>
-            <a:endParaRPr lang="pt-BR" dirty="0"/>
-          </a:p>
-        </p:txBody>
-      </p:sp>
-      <p:sp>
-        <p:nvSpPr>
-          <p:cNvPr id="3" name="Espaço Reservado para Conteúdo 2"/>
-          <p:cNvSpPr>
-            <a:spLocks noGrp="1"/>
-          </p:cNvSpPr>
-          <p:nvPr>
-            <p:ph idx="1"/>
-          </p:nvPr>
-        </p:nvSpPr>
-        <p:spPr/>
-        <p:txBody>
-          <a:bodyPr>
-            <a:normAutofit fontScale="92500" lnSpcReduction="10000"/>
-          </a:bodyPr>
-          <a:lstStyle/>
-          <a:p>
+              <a:t>A figura do Tabelionato</a:t>
+            </a:r>
+          </a:p>
+          <a:p>
+            <a:pPr>
+              <a:buNone/>
+            </a:pPr>
             <a:endParaRPr lang="pt-BR" dirty="0" smtClean="0"/>
           </a:p>
           <a:p>
-            <a:r>
-              <a:rPr lang="pt-BR" dirty="0" smtClean="0"/>
-              <a:t>Surge com a necessidade de se obter maior segurança na troca de informações.</a:t>
-            </a:r>
-          </a:p>
-          <a:p>
-            <a:r>
-              <a:rPr lang="pt-BR" dirty="0" smtClean="0"/>
-              <a:t>Mapeia as funcionalidade de uma assinatura convencional.</a:t>
-            </a:r>
-          </a:p>
-          <a:p>
-            <a:r>
-              <a:rPr lang="pt-BR" dirty="0" smtClean="0"/>
-              <a:t>Utiliza-se de métodos criptográficos assimétricos e tem as seguintes propriedades:Autenticidade, não-repúdio e integridade.</a:t>
-            </a:r>
-          </a:p>
-          <a:p>
-            <a:r>
-              <a:rPr lang="pt-BR" dirty="0" smtClean="0"/>
-              <a:t>Dependente do certificado digital e vice-versa.</a:t>
-            </a:r>
-          </a:p>
-          <a:p>
-            <a:endParaRPr lang="pt-BR" dirty="0" smtClean="0"/>
-          </a:p>
-          <a:p>
-            <a:endParaRPr lang="pt-BR" dirty="0" smtClean="0"/>
-          </a:p>
-          <a:p>
-            <a:endParaRPr lang="pt-BR" dirty="0" smtClean="0"/>
-          </a:p>
-          <a:p>
-            <a:endParaRPr lang="pt-BR" dirty="0" smtClean="0"/>
-          </a:p>
-          <a:p>
+            <a:pPr lvl="1"/>
+            <a:r>
+              <a:rPr lang="pt-BR" dirty="0" smtClean="0"/>
+              <a:t>Garante o conhecimento e a intenção das partes envolvidas perante a assinatura de um  documento.</a:t>
+            </a:r>
+          </a:p>
+          <a:p>
+            <a:pPr lvl="1"/>
+            <a:r>
+              <a:rPr lang="pt-BR" dirty="0" smtClean="0"/>
+              <a:t>Garante de forma inequívoca uma assinatura de determinado cidadão.</a:t>
+            </a:r>
             <a:endParaRPr lang="pt-BR" dirty="0"/>
           </a:p>
         </p:txBody>
@@ -6360,67 +7351,49 @@
         </p:nvSpPr>
         <p:spPr/>
         <p:txBody>
+          <a:bodyPr>
+            <a:normAutofit fontScale="90000"/>
+          </a:bodyPr>
+          <a:lstStyle/>
+          <a:p>
+            <a:r>
+              <a:rPr lang="pt-BR" dirty="0" smtClean="0"/>
+              <a:t>Diferença Assinatura Eletrônica e Assinatura Digital</a:t>
+            </a:r>
+            <a:endParaRPr lang="pt-BR" dirty="0"/>
+          </a:p>
+        </p:txBody>
+      </p:sp>
+      <p:sp>
+        <p:nvSpPr>
+          <p:cNvPr id="3" name="Espaço Reservado para Conteúdo 2"/>
+          <p:cNvSpPr>
+            <a:spLocks noGrp="1"/>
+          </p:cNvSpPr>
+          <p:nvPr>
+            <p:ph idx="1"/>
+          </p:nvPr>
+        </p:nvSpPr>
+        <p:spPr/>
+        <p:txBody>
           <a:bodyPr/>
           <a:lstStyle/>
           <a:p>
             <a:r>
               <a:rPr lang="pt-BR" dirty="0" smtClean="0"/>
-              <a:t>Código Hash</a:t>
-            </a:r>
-            <a:endParaRPr lang="pt-BR" dirty="0"/>
-          </a:p>
-        </p:txBody>
-      </p:sp>
-      <p:sp>
-        <p:nvSpPr>
-          <p:cNvPr id="3" name="Espaço Reservado para Conteúdo 2"/>
-          <p:cNvSpPr>
-            <a:spLocks noGrp="1"/>
-          </p:cNvSpPr>
-          <p:nvPr>
-            <p:ph idx="1"/>
-          </p:nvPr>
-        </p:nvSpPr>
-        <p:spPr/>
-        <p:txBody>
-          <a:bodyPr/>
-          <a:lstStyle/>
-          <a:p>
-            <a:r>
-              <a:rPr lang="pt-BR" dirty="0" smtClean="0"/>
-              <a:t>Chamado de Hash </a:t>
-            </a:r>
-            <a:r>
-              <a:rPr lang="pt-BR" dirty="0" err="1" smtClean="0"/>
-              <a:t>Functions</a:t>
-            </a:r>
-            <a:r>
-              <a:rPr lang="pt-BR" dirty="0" smtClean="0"/>
-              <a:t>, Hash </a:t>
-            </a:r>
-            <a:r>
-              <a:rPr lang="pt-BR" dirty="0" err="1" smtClean="0"/>
-              <a:t>Code</a:t>
-            </a:r>
-            <a:r>
-              <a:rPr lang="pt-BR" dirty="0" smtClean="0"/>
-              <a:t> ou apenas Hash.</a:t>
-            </a:r>
-          </a:p>
-          <a:p>
-            <a:endParaRPr lang="pt-BR" dirty="0" smtClean="0"/>
-          </a:p>
-          <a:p>
-            <a:r>
-              <a:rPr lang="pt-BR" dirty="0" smtClean="0"/>
-              <a:t>A partir de um grande valor obtém um valor relativamente pequeno.</a:t>
-            </a:r>
-          </a:p>
-          <a:p>
-            <a:pPr lvl="1"/>
-            <a:r>
-              <a:rPr lang="pt-BR" dirty="0" smtClean="0"/>
-              <a:t>Utilizado por bancos de dados e/ou aplicações que trabalham com grandes massas de dados.</a:t>
+              <a:t>Assinatura Eletrônica utiliza-se de meios eletrônicos</a:t>
+            </a:r>
+          </a:p>
+          <a:p>
+            <a:r>
+              <a:rPr lang="pt-BR" dirty="0" smtClean="0"/>
+              <a:t>Pode-se dizer que um cartão de crédito magnético que utiliza um leitor eletrônico para efetivar a autenticação é um tipo de assinatura eletrônica.</a:t>
+            </a:r>
+          </a:p>
+          <a:p>
+            <a:r>
+              <a:rPr lang="pt-BR" dirty="0" smtClean="0"/>
+              <a:t>A assinatura digital é um tipo de assinatura eletrônica, mas o inverso não é válido.</a:t>
             </a:r>
             <a:endParaRPr lang="pt-BR" dirty="0"/>
           </a:p>
@@ -6475,9 +7448,9 @@
           <a:p>
             <a:r>
               <a:rPr lang="pt-BR" dirty="0" smtClean="0"/>
-              <a:t>Código Hash</a:t>
-            </a:r>
-            <a:endParaRPr lang="en-US" dirty="0"/>
+              <a:t>Assinatura digital</a:t>
+            </a:r>
+            <a:endParaRPr lang="pt-BR" dirty="0"/>
           </a:p>
         </p:txBody>
       </p:sp>
@@ -6493,45 +7466,45 @@
         </p:nvSpPr>
         <p:spPr/>
         <p:txBody>
-          <a:bodyPr/>
+          <a:bodyPr>
+            <a:normAutofit/>
+          </a:bodyPr>
           <a:lstStyle/>
           <a:p>
             <a:endParaRPr lang="pt-BR" dirty="0" smtClean="0"/>
           </a:p>
           <a:p>
+            <a:r>
+              <a:rPr lang="pt-BR" dirty="0" smtClean="0"/>
+              <a:t>Surge com a necessidade de se obter maior segurança na troca de informações.</a:t>
+            </a:r>
+          </a:p>
+          <a:p>
+            <a:r>
+              <a:rPr lang="pt-BR" dirty="0" smtClean="0"/>
+              <a:t>Mapeia as funcionalidade de uma assinatura convencional.</a:t>
+            </a:r>
+          </a:p>
+          <a:p>
+            <a:r>
+              <a:rPr lang="pt-BR" dirty="0" smtClean="0"/>
+              <a:t>Utiliza-se de métodos criptográficos assimétricos</a:t>
+            </a:r>
+          </a:p>
+          <a:p>
             <a:endParaRPr lang="pt-BR" dirty="0" smtClean="0"/>
           </a:p>
           <a:p>
-            <a:r>
-              <a:rPr lang="pt-BR" dirty="0" smtClean="0"/>
-              <a:t>Propriedades;</a:t>
-            </a:r>
-          </a:p>
-          <a:p>
-            <a:pPr lvl="1"/>
-            <a:r>
-              <a:rPr lang="pt-BR" dirty="0" smtClean="0"/>
-              <a:t>Baixo custo de processamento;</a:t>
-            </a:r>
-          </a:p>
-          <a:p>
-            <a:pPr lvl="1"/>
-            <a:r>
-              <a:rPr lang="pt-BR" dirty="0" smtClean="0"/>
-              <a:t>Determinista (sempre gera o mesmo hash);</a:t>
-            </a:r>
-          </a:p>
-          <a:p>
-            <a:pPr lvl="1"/>
-            <a:r>
-              <a:rPr lang="pt-BR" dirty="0" err="1" smtClean="0"/>
-              <a:t>One-Way</a:t>
-            </a:r>
-            <a:r>
-              <a:rPr lang="pt-BR" dirty="0" smtClean="0"/>
-              <a:t>.</a:t>
-            </a:r>
-            <a:endParaRPr lang="en-US" dirty="0"/>
+            <a:endParaRPr lang="pt-BR" dirty="0" smtClean="0"/>
+          </a:p>
+          <a:p>
+            <a:endParaRPr lang="pt-BR" dirty="0" smtClean="0"/>
+          </a:p>
+          <a:p>
+            <a:endParaRPr lang="pt-BR" dirty="0" smtClean="0"/>
+          </a:p>
+          <a:p>
+            <a:endParaRPr lang="pt-BR" dirty="0"/>
           </a:p>
         </p:txBody>
       </p:sp>
@@ -6579,102 +7552,72 @@
         </p:nvSpPr>
         <p:spPr/>
         <p:txBody>
+          <a:bodyPr>
+            <a:normAutofit fontScale="90000"/>
+          </a:bodyPr>
+          <a:lstStyle/>
+          <a:p>
+            <a:r>
+              <a:rPr lang="pt-BR" dirty="0" smtClean="0"/>
+              <a:t>Propriedades da Assinatura digital</a:t>
+            </a:r>
+            <a:endParaRPr lang="pt-BR" dirty="0"/>
+          </a:p>
+        </p:txBody>
+      </p:sp>
+      <p:sp>
+        <p:nvSpPr>
+          <p:cNvPr id="3" name="Espaço Reservado para Conteúdo 2"/>
+          <p:cNvSpPr>
+            <a:spLocks noGrp="1"/>
+          </p:cNvSpPr>
+          <p:nvPr>
+            <p:ph idx="1"/>
+          </p:nvPr>
+        </p:nvSpPr>
+        <p:spPr/>
+        <p:txBody>
           <a:bodyPr/>
           <a:lstStyle/>
           <a:p>
             <a:r>
-              <a:rPr lang="pt-BR" dirty="0" err="1" smtClean="0"/>
-              <a:t>Cryptographic</a:t>
-            </a:r>
-            <a:r>
-              <a:rPr lang="pt-BR" dirty="0" smtClean="0"/>
-              <a:t> Hash </a:t>
-            </a:r>
-            <a:r>
-              <a:rPr lang="pt-BR" dirty="0" err="1" smtClean="0"/>
-              <a:t>Function</a:t>
+              <a:rPr lang="pt-BR" dirty="0" smtClean="0"/>
+              <a:t>Autenticidade</a:t>
+            </a:r>
+          </a:p>
+          <a:p>
+            <a:pPr lvl="1"/>
+            <a:r>
+              <a:rPr lang="pt-BR" dirty="0" smtClean="0"/>
+              <a:t>Comprova uma identificação</a:t>
+            </a:r>
+          </a:p>
+          <a:p>
+            <a:r>
+              <a:rPr lang="pt-BR" dirty="0" smtClean="0"/>
+              <a:t>Não-repúdio</a:t>
+            </a:r>
+          </a:p>
+          <a:p>
+            <a:pPr lvl="1"/>
+            <a:r>
+              <a:rPr lang="pt-BR" dirty="0" smtClean="0"/>
+              <a:t>O portador da assinatura não pode negar o conhecimento da mensagem assinada</a:t>
+            </a:r>
+          </a:p>
+          <a:p>
+            <a:r>
+              <a:rPr lang="pt-BR" dirty="0" smtClean="0"/>
+              <a:t>Integridade</a:t>
+            </a:r>
+          </a:p>
+          <a:p>
+            <a:pPr lvl="1"/>
+            <a:r>
+              <a:rPr lang="pt-BR" dirty="0" smtClean="0"/>
+              <a:t>Certeza ao portador da assinatura que a mensagem assinada nunca será modificada</a:t>
             </a:r>
             <a:endParaRPr lang="pt-BR" dirty="0"/>
-          </a:p>
-        </p:txBody>
-      </p:sp>
-      <p:sp>
-        <p:nvSpPr>
-          <p:cNvPr id="3" name="Espaço Reservado para Conteúdo 2"/>
-          <p:cNvSpPr>
-            <a:spLocks noGrp="1"/>
-          </p:cNvSpPr>
-          <p:nvPr>
-            <p:ph idx="1"/>
-          </p:nvPr>
-        </p:nvSpPr>
-        <p:spPr/>
-        <p:txBody>
-          <a:bodyPr/>
-          <a:lstStyle/>
-          <a:p>
-            <a:r>
-              <a:rPr lang="pt-BR" dirty="0" smtClean="0"/>
-              <a:t>Funções de Resumo criptográfico.</a:t>
-            </a:r>
-          </a:p>
-          <a:p>
-            <a:pPr lvl="1"/>
-            <a:r>
-              <a:rPr lang="pt-BR" dirty="0" smtClean="0"/>
-              <a:t>Utilizadas para se obter um identificador de uma mensagem lógica;</a:t>
-            </a:r>
-          </a:p>
-          <a:p>
-            <a:pPr lvl="1"/>
-            <a:r>
-              <a:rPr lang="pt-BR" dirty="0" smtClean="0"/>
-              <a:t>Gerador de </a:t>
-            </a:r>
-            <a:r>
-              <a:rPr lang="pt-BR" dirty="0" err="1" smtClean="0"/>
-              <a:t>Message</a:t>
-            </a:r>
-            <a:r>
-              <a:rPr lang="pt-BR" dirty="0" smtClean="0"/>
-              <a:t> Digest.</a:t>
-            </a:r>
-          </a:p>
-          <a:p>
-            <a:r>
-              <a:rPr lang="pt-BR" dirty="0" smtClean="0"/>
-              <a:t>Deve garantir as propriedades;</a:t>
-            </a:r>
-          </a:p>
-          <a:p>
-            <a:pPr lvl="1"/>
-            <a:r>
-              <a:rPr lang="pt-BR" dirty="0" smtClean="0"/>
-              <a:t>Impossível encontrar a mensagem a partir do hash </a:t>
-            </a:r>
-            <a:r>
-              <a:rPr lang="pt-BR" dirty="0" err="1" smtClean="0"/>
-              <a:t>value</a:t>
-            </a:r>
-            <a:r>
-              <a:rPr lang="pt-BR" dirty="0" smtClean="0"/>
-              <a:t> encontrado;</a:t>
-            </a:r>
-          </a:p>
-          <a:p>
-            <a:pPr lvl="1"/>
-            <a:r>
-              <a:rPr lang="pt-BR" dirty="0" smtClean="0"/>
-              <a:t>Impossível existir duas diferentes mensagens com o mesmo hash </a:t>
-            </a:r>
-            <a:r>
-              <a:rPr lang="pt-BR" dirty="0" err="1" smtClean="0"/>
-              <a:t>value</a:t>
-            </a:r>
-            <a:r>
-              <a:rPr lang="pt-BR" dirty="0" smtClean="0"/>
-              <a:t>.</a:t>
-            </a:r>
           </a:p>
         </p:txBody>
       </p:sp>
@@ -6729,33 +7672,115 @@
               <a:rPr lang="pt-BR" dirty="0" smtClean="0"/>
               <a:t>Código Hash</a:t>
             </a:r>
-            <a:endParaRPr lang="en-US" dirty="0"/>
-          </a:p>
-        </p:txBody>
-      </p:sp>
-      <p:pic>
-        <p:nvPicPr>
-          <p:cNvPr id="4" name="Espaço Reservado para Conteúdo 3" descr="500px-Hash_table_4_1_1_0_0_1_0_LL.svg.png"/>
-          <p:cNvPicPr>
-            <a:picLocks noGrp="1" noChangeAspect="1"/>
-          </p:cNvPicPr>
+            <a:endParaRPr lang="pt-BR" dirty="0"/>
+          </a:p>
+        </p:txBody>
+      </p:sp>
+      <p:sp>
+        <p:nvSpPr>
+          <p:cNvPr id="3" name="Espaço Reservado para Conteúdo 2"/>
+          <p:cNvSpPr>
+            <a:spLocks noGrp="1"/>
+          </p:cNvSpPr>
           <p:nvPr>
             <p:ph idx="1"/>
           </p:nvPr>
-        </p:nvPicPr>
-        <p:blipFill>
-          <a:blip r:embed="rId2"/>
-          <a:stretch>
-            <a:fillRect/>
-          </a:stretch>
-        </p:blipFill>
-        <p:spPr>
-          <a:xfrm>
-            <a:off x="2177054" y="2119844"/>
-            <a:ext cx="4609524" cy="4095238"/>
-          </a:xfrm>
-        </p:spPr>
-      </p:pic>
+        </p:nvSpPr>
+        <p:spPr/>
+        <p:txBody>
+          <a:bodyPr>
+            <a:normAutofit fontScale="85000" lnSpcReduction="20000"/>
+          </a:bodyPr>
+          <a:lstStyle/>
+          <a:p>
+            <a:r>
+              <a:rPr lang="pt-BR" dirty="0" smtClean="0"/>
+              <a:t>Chamado de Hash </a:t>
+            </a:r>
+            <a:r>
+              <a:rPr lang="pt-BR" dirty="0" err="1" smtClean="0"/>
+              <a:t>Functions</a:t>
+            </a:r>
+            <a:r>
+              <a:rPr lang="pt-BR" dirty="0" smtClean="0"/>
+              <a:t>, Hash </a:t>
+            </a:r>
+            <a:r>
+              <a:rPr lang="pt-BR" dirty="0" err="1" smtClean="0"/>
+              <a:t>Code</a:t>
+            </a:r>
+            <a:r>
+              <a:rPr lang="pt-BR" dirty="0" smtClean="0"/>
+              <a:t> ou apenas Hash.</a:t>
+            </a:r>
+          </a:p>
+          <a:p>
+            <a:endParaRPr lang="pt-BR" dirty="0" smtClean="0"/>
+          </a:p>
+          <a:p>
+            <a:r>
+              <a:rPr lang="pt-BR" dirty="0" smtClean="0"/>
+              <a:t>A partir de um grande valor obtém um valor relativamente pequeno.</a:t>
+            </a:r>
+          </a:p>
+          <a:p>
+            <a:pPr lvl="1"/>
+            <a:r>
+              <a:rPr lang="pt-BR" dirty="0" smtClean="0"/>
+              <a:t>Utilizado por bancos de dados e/ou aplicações que trabalham com grandes massas de dados</a:t>
+            </a:r>
+            <a:r>
+              <a:rPr lang="pt-BR" dirty="0" smtClean="0"/>
+              <a:t>.</a:t>
+            </a:r>
+            <a:endParaRPr lang="pt-BR" dirty="0" smtClean="0"/>
+          </a:p>
+          <a:p>
+            <a:pPr lvl="1">
+              <a:buNone/>
+            </a:pPr>
+            <a:endParaRPr lang="pt-BR" dirty="0"/>
+          </a:p>
+          <a:p>
+            <a:r>
+              <a:rPr lang="pt-BR" dirty="0" smtClean="0"/>
+              <a:t>Propriedades;</a:t>
+            </a:r>
+          </a:p>
+          <a:p>
+            <a:pPr lvl="1"/>
+            <a:r>
+              <a:rPr lang="pt-BR" dirty="0" smtClean="0"/>
+              <a:t>Baixo custo de processamento;</a:t>
+            </a:r>
+          </a:p>
+          <a:p>
+            <a:pPr lvl="1"/>
+            <a:r>
+              <a:rPr lang="pt-BR" dirty="0" smtClean="0"/>
+              <a:t>Determinista (sempre gera o mesmo hash);</a:t>
+            </a:r>
+          </a:p>
+          <a:p>
+            <a:pPr lvl="1"/>
+            <a:r>
+              <a:rPr lang="pt-BR" dirty="0" err="1" smtClean="0"/>
+              <a:t>One-Way</a:t>
+            </a:r>
+            <a:r>
+              <a:rPr lang="pt-BR" dirty="0" smtClean="0"/>
+              <a:t>.</a:t>
+            </a:r>
+            <a:endParaRPr lang="en-US" dirty="0" smtClean="0"/>
+          </a:p>
+          <a:p>
+            <a:pPr lvl="1">
+              <a:buNone/>
+            </a:pPr>
+            <a:endParaRPr lang="pt-BR" dirty="0" smtClean="0"/>
+          </a:p>
+        </p:txBody>
+      </p:sp>
     </p:spTree>
   </p:cSld>
   <p:clrMapOvr>
@@ -6804,79 +7829,41 @@
           <a:lstStyle/>
           <a:p>
             <a:r>
-              <a:rPr lang="pt-BR" dirty="0" err="1" smtClean="0"/>
-              <a:t>Cryptographic</a:t>
-            </a:r>
-            <a:r>
-              <a:rPr lang="pt-BR" dirty="0" smtClean="0"/>
-              <a:t> Hash </a:t>
-            </a:r>
-            <a:r>
-              <a:rPr lang="pt-BR" dirty="0" err="1" smtClean="0"/>
-              <a:t>Function</a:t>
-            </a:r>
-            <a:endParaRPr lang="pt-BR" dirty="0"/>
-          </a:p>
-        </p:txBody>
-      </p:sp>
-      <p:sp>
-        <p:nvSpPr>
-          <p:cNvPr id="3" name="Espaço Reservado para Conteúdo 2"/>
-          <p:cNvSpPr>
-            <a:spLocks noGrp="1"/>
-          </p:cNvSpPr>
+              <a:rPr lang="pt-BR" dirty="0" smtClean="0"/>
+              <a:t>Exemplo Hash Code</a:t>
+            </a:r>
+            <a:endParaRPr lang="en-US" dirty="0"/>
+          </a:p>
+        </p:txBody>
+      </p:sp>
+      <p:pic>
+        <p:nvPicPr>
+          <p:cNvPr id="4" name="Espaço Reservado para Conteúdo 3" descr="500px-Hash_table_4_1_1_0_0_1_0_LL.svg.png"/>
+          <p:cNvPicPr>
+            <a:picLocks noGrp="1" noChangeAspect="1"/>
+          </p:cNvPicPr>
           <p:nvPr>
             <p:ph idx="1"/>
           </p:nvPr>
-        </p:nvSpPr>
-        <p:spPr/>
-        <p:txBody>
-          <a:bodyPr/>
-          <a:lstStyle/>
-          <a:p>
-            <a:endParaRPr lang="pt-BR" dirty="0" smtClean="0"/>
-          </a:p>
-          <a:p>
-            <a:endParaRPr lang="pt-BR" dirty="0" smtClean="0"/>
-          </a:p>
-          <a:p>
-            <a:endParaRPr lang="pt-BR" dirty="0" smtClean="0"/>
-          </a:p>
-          <a:p>
-            <a:r>
-              <a:rPr lang="pt-BR" dirty="0" smtClean="0"/>
-              <a:t>Exemplos;</a:t>
-            </a:r>
-          </a:p>
-          <a:p>
-            <a:pPr lvl="1"/>
-            <a:r>
-              <a:rPr lang="pt-BR" dirty="0" smtClean="0"/>
-              <a:t>MD5 -&gt; hash de 128 bits</a:t>
-            </a:r>
-          </a:p>
-          <a:p>
-            <a:pPr lvl="1"/>
-            <a:r>
-              <a:rPr lang="pt-BR" dirty="0" smtClean="0"/>
-              <a:t>SHA-1 -&gt; hash value de 160 bits</a:t>
-            </a:r>
-            <a:endParaRPr lang="pt-BR" dirty="0"/>
-          </a:p>
-        </p:txBody>
-      </p:sp>
+        </p:nvPicPr>
+        <p:blipFill>
+          <a:blip r:embed="rId2"/>
+          <a:stretch>
+            <a:fillRect/>
+          </a:stretch>
+        </p:blipFill>
+        <p:spPr>
+          <a:xfrm>
+            <a:off x="2248492" y="2071678"/>
+            <a:ext cx="4609524" cy="4095238"/>
+          </a:xfrm>
+        </p:spPr>
+      </p:pic>
     </p:spTree>
   </p:cSld>
   <p:clrMapOvr>
     <a:masterClrMapping/>
   </p:clrMapOvr>
-  <p:timing>
-    <p:tnLst>
-      <p:par>
-        <p:cTn id="1" dur="indefinite" restart="never" nodeType="tmRoot"/>
-      </p:par>
-    </p:tnLst>
-  </p:timing>
 </p:sld>
 </file>
 
@@ -7161,4 +8148,287 @@
   <a:objectDefaults/>
   <a:extraClrSchemeLst/>
 </a:theme>
+</file>
+
+<file path=ppt/theme/theme2.xml><?xml version="1.0" encoding="utf-8"?>
+<a:theme xmlns:a="http://schemas.openxmlformats.org/drawingml/2006/main" name="Tema do Office">
+  <a:themeElements>
+    <a:clrScheme name="Escritório">
+      <a:dk1>
+        <a:sysClr val="windowText" lastClr="000000"/>
+      </a:dk1>
+      <a:lt1>
+        <a:sysClr val="window" lastClr="FFFFFF"/>
+      </a:lt1>
+      <a:dk2>
+        <a:srgbClr val="1F497D"/>
+      </a:dk2>
+      <a:lt2>
+        <a:srgbClr val="EEECE1"/>
+      </a:lt2>
+      <a:accent1>
+        <a:srgbClr val="4F81BD"/>
+      </a:accent1>
+      <a:accent2>
+        <a:srgbClr val="C0504D"/>
+      </a:accent2>
+      <a:accent3>
+        <a:srgbClr val="9BBB59"/>
+      </a:accent3>
+      <a:accent4>
+        <a:srgbClr val="8064A2"/>
+      </a:accent4>
+      <a:accent5>
+        <a:srgbClr val="4BACC6"/>
+      </a:accent5>
+      <a:accent6>
+        <a:srgbClr val="F79646"/>
+      </a:accent6>
+      <a:hlink>
+        <a:srgbClr val="0000FF"/>
+      </a:hlink>
+      <a:folHlink>
+        <a:srgbClr val="800080"/>
+      </a:folHlink>
+    </a:clrScheme>
+    <a:fontScheme name="Escritório">
+      <a:majorFont>
+        <a:latin typeface="Calibri"/>
+        <a:ea typeface=""/>
+        <a:cs typeface=""/>
+        <a:font script="Jpan" typeface="ＭＳ Ｐゴシック"/>
+        <a:font script="Hang" typeface="맑은 고딕"/>
+        <a:font script="Hans" typeface="宋体"/>
+        <a:font script="Hant" typeface="新細明體"/>
+        <a:font script="Arab" typeface="Times New Roman"/>
+        <a:font script="Hebr" typeface="Times New Roman"/>
+        <a:font script="Thai" typeface="Angsana New"/>
+        <a:font script="Ethi" typeface="Nyala"/>
+        <a:font script="Beng" typeface="Vrinda"/>
+        <a:font script="Gujr" typeface="Shruti"/>
+        <a:font script="Khmr" typeface="MoolBoran"/>
+        <a:font script="Knda" typeface="Tunga"/>
+        <a:font script="Guru" typeface="Raavi"/>
+        <a:font script="Cans" typeface="Euphemia"/>
+        <a:font script="Cher" typeface="Plantagenet Cherokee"/>
+        <a:font script="Yiii" typeface="Microsoft Yi Baiti"/>
+        <a:font script="Tibt" typeface="Microsoft Himalaya"/>
+        <a:font script="Thaa" typeface="MV Boli"/>
+        <a:font script="Deva" typeface="Mangal"/>
+        <a:font script="Telu" typeface="Gautami"/>
+        <a:font script="Taml" typeface="Latha"/>
+        <a:font script="Syrc" typeface="Estrangelo Edessa"/>
+        <a:font script="Orya" typeface="Kalinga"/>
+        <a:font script="Mlym" typeface="Kartika"/>
+        <a:font script="Laoo" typeface="DokChampa"/>
+        <a:font script="Sinh" typeface="Iskoola Pota"/>
+        <a:font script="Mong" typeface="Mongolian Baiti"/>
+        <a:font script="Viet" typeface="Times New Roman"/>
+        <a:font script="Uigh" typeface="Microsoft Uighur"/>
+      </a:majorFont>
+      <a:minorFont>
+        <a:latin typeface="Calibri"/>
+        <a:ea typeface=""/>
+        <a:cs typeface=""/>
+        <a:font script="Jpan" typeface="ＭＳ Ｐゴシック"/>
+        <a:font script="Hang" typeface="맑은 고딕"/>
+        <a:font script="Hans" typeface="宋体"/>
+        <a:font script="Hant" typeface="新細明體"/>
+        <a:font script="Arab" typeface="Arial"/>
+        <a:font script="Hebr" typeface="Arial"/>
+        <a:font script="Thai" typeface="Cordia New"/>
+        <a:font script="Ethi" typeface="Nyala"/>
+        <a:font script="Beng" typeface="Vrinda"/>
+        <a:font script="Gujr" typeface="Shruti"/>
+        <a:font script="Khmr" typeface="DaunPenh"/>
+        <a:font script="Knda" typeface="Tunga"/>
+        <a:font script="Guru" typeface="Raavi"/>
+        <a:font script="Cans" typeface="Euphemia"/>
+        <a:font script="Cher" typeface="Plantagenet Cherokee"/>
+        <a:font script="Yiii" typeface="Microsoft Yi Baiti"/>
+        <a:font script="Tibt" typeface="Microsoft Himalaya"/>
+        <a:font script="Thaa" typeface="MV Boli"/>
+        <a:font script="Deva" typeface="Mangal"/>
+        <a:font script="Telu" typeface="Gautami"/>
+        <a:font script="Taml" typeface="Latha"/>
+        <a:font script="Syrc" typeface="Estrangelo Edessa"/>
+        <a:font script="Orya" typeface="Kalinga"/>
+        <a:font script="Mlym" typeface="Kartika"/>
+        <a:font script="Laoo" typeface="DokChampa"/>
+        <a:font script="Sinh" typeface="Iskoola Pota"/>
+        <a:font script="Mong" typeface="Mongolian Baiti"/>
+        <a:font script="Viet" typeface="Arial"/>
+        <a:font script="Uigh" typeface="Microsoft Uighur"/>
+      </a:minorFont>
+    </a:fontScheme>
+    <a:fmtScheme name="Escritório">
+      <a:fillStyleLst>
+        <a:solidFill>
+          <a:schemeClr val="phClr"/>
+        </a:solidFill>
+        <a:gradFill rotWithShape="1">
+          <a:gsLst>
+            <a:gs pos="0">
+              <a:schemeClr val="phClr">
+                <a:tint val="50000"/>
+                <a:satMod val="300000"/>
+              </a:schemeClr>
+            </a:gs>
+            <a:gs pos="35000">
+              <a:schemeClr val="phClr">
+                <a:tint val="37000"/>
+                <a:satMod val="300000"/>
+              </a:schemeClr>
+            </a:gs>
+            <a:gs pos="100000">
+              <a:schemeClr val="phClr">
+                <a:tint val="15000"/>
+                <a:satMod val="350000"/>
+              </a:schemeClr>
+            </a:gs>
+          </a:gsLst>
+          <a:lin ang="16200000" scaled="1"/>
+        </a:gradFill>
+        <a:gradFill rotWithShape="1">
+          <a:gsLst>
+            <a:gs pos="0">
+              <a:schemeClr val="phClr">
+                <a:shade val="51000"/>
+                <a:satMod val="130000"/>
+              </a:schemeClr>
+            </a:gs>
+            <a:gs pos="80000">
+              <a:schemeClr val="phClr">
+                <a:shade val="93000"/>
+                <a:satMod val="130000"/>
+              </a:schemeClr>
+            </a:gs>
+            <a:gs pos="100000">
+              <a:schemeClr val="phClr">
+                <a:shade val="94000"/>
+                <a:satMod val="135000"/>
+              </a:schemeClr>
+            </a:gs>
+          </a:gsLst>
+          <a:lin ang="16200000" scaled="0"/>
+        </a:gradFill>
+      </a:fillStyleLst>
+      <a:lnStyleLst>
+        <a:ln w="9525" cap="flat" cmpd="sng" algn="ctr">
+          <a:solidFill>
+            <a:schemeClr val="phClr">
+              <a:shade val="95000"/>
+              <a:satMod val="105000"/>
+            </a:schemeClr>
+          </a:solidFill>
+          <a:prstDash val="solid"/>
+        </a:ln>
+        <a:ln w="25400" cap="flat" cmpd="sng" algn="ctr">
+          <a:solidFill>
+            <a:schemeClr val="phClr"/>
+          </a:solidFill>
+          <a:prstDash val="solid"/>
+        </a:ln>
+        <a:ln w="38100" cap="flat" cmpd="sng" algn="ctr">
+          <a:solidFill>
+            <a:schemeClr val="phClr"/>
+          </a:solidFill>
+          <a:prstDash val="solid"/>
+        </a:ln>
+      </a:lnStyleLst>
+      <a:effectStyleLst>
+        <a:effectStyle>
+          <a:effectLst>
+            <a:outerShdw blurRad="40000" dist="20000" dir="5400000" rotWithShape="0">
+              <a:srgbClr val="000000">
+                <a:alpha val="38000"/>
+              </a:srgbClr>
+            </a:outerShdw>
+          </a:effectLst>
+        </a:effectStyle>
+        <a:effectStyle>
+          <a:effectLst>
+            <a:outerShdw blurRad="40000" dist="23000" dir="5400000" rotWithShape="0">
+              <a:srgbClr val="000000">
+                <a:alpha val="35000"/>
+              </a:srgbClr>
+            </a:outerShdw>
+          </a:effectLst>
+        </a:effectStyle>
+        <a:effectStyle>
+          <a:effectLst>
+            <a:outerShdw blurRad="40000" dist="23000" dir="5400000" rotWithShape="0">
+              <a:srgbClr val="000000">
+                <a:alpha val="35000"/>
+              </a:srgbClr>
+            </a:outerShdw>
+          </a:effectLst>
+          <a:scene3d>
+            <a:camera prst="orthographicFront">
+              <a:rot lat="0" lon="0" rev="0"/>
+            </a:camera>
+            <a:lightRig rig="threePt" dir="t">
+              <a:rot lat="0" lon="0" rev="1200000"/>
+            </a:lightRig>
+          </a:scene3d>
+          <a:sp3d>
+            <a:bevelT w="63500" h="25400"/>
+          </a:sp3d>
+        </a:effectStyle>
+      </a:effectStyleLst>
+      <a:bgFillStyleLst>
+        <a:solidFill>
+          <a:schemeClr val="phClr"/>
+        </a:solidFill>
+        <a:gradFill rotWithShape="1">
+          <a:gsLst>
+            <a:gs pos="0">
+              <a:schemeClr val="phClr">
+                <a:tint val="40000"/>
+                <a:satMod val="350000"/>
+              </a:schemeClr>
+            </a:gs>
+            <a:gs pos="40000">
+              <a:schemeClr val="phClr">
+                <a:tint val="45000"/>
+                <a:shade val="99000"/>
+                <a:satMod val="350000"/>
+              </a:schemeClr>
+            </a:gs>
+            <a:gs pos="100000">
+              <a:schemeClr val="phClr">
+                <a:shade val="20000"/>
+                <a:satMod val="255000"/>
+              </a:schemeClr>
+            </a:gs>
+          </a:gsLst>
+          <a:path path="circle">
+            <a:fillToRect l="50000" t="-80000" r="50000" b="180000"/>
+          </a:path>
+        </a:gradFill>
+        <a:gradFill rotWithShape="1">
+          <a:gsLst>
+            <a:gs pos="0">
+              <a:schemeClr val="phClr">
+                <a:tint val="80000"/>
+                <a:satMod val="300000"/>
+              </a:schemeClr>
+            </a:gs>
+            <a:gs pos="100000">
+              <a:schemeClr val="phClr">
+                <a:shade val="30000"/>
+                <a:satMod val="200000"/>
+              </a:schemeClr>
+            </a:gs>
+          </a:gsLst>
+          <a:path path="circle">
+            <a:fillToRect l="50000" t="50000" r="50000" b="50000"/>
+          </a:path>
+        </a:gradFill>
+      </a:bgFillStyleLst>
+    </a:fmtScheme>
+  </a:themeElements>
+  <a:objectDefaults/>
+  <a:extraClrSchemeLst/>
+</a:theme>
 </file>